--- a/Documentation/GroupCinemaProject.pptx
+++ b/Documentation/GroupCinemaProject.pptx
@@ -2,20 +2,23 @@
 <file path=ppt/presentation.xml><?xml version="1.0" encoding="utf-8"?>
 <p:presentation xmlns:a="http://schemas.openxmlformats.org/drawingml/2006/main" xmlns:r="http://schemas.openxmlformats.org/officeDocument/2006/relationships" xmlns:p="http://schemas.openxmlformats.org/presentationml/2006/main" saveSubsetFonts="1">
   <p:sldMasterIdLst>
-    <p:sldMasterId id="2147483660" r:id="rId1"/>
+    <p:sldMasterId id="2147483672" r:id="rId4"/>
   </p:sldMasterIdLst>
+  <p:notesMasterIdLst>
+    <p:notesMasterId r:id="rId16"/>
+  </p:notesMasterIdLst>
   <p:sldIdLst>
-    <p:sldId id="256" r:id="rId2"/>
-    <p:sldId id="257" r:id="rId3"/>
-    <p:sldId id="258" r:id="rId4"/>
-    <p:sldId id="264" r:id="rId5"/>
-    <p:sldId id="271" r:id="rId6"/>
-    <p:sldId id="265" r:id="rId7"/>
-    <p:sldId id="272" r:id="rId8"/>
-    <p:sldId id="273" r:id="rId9"/>
-    <p:sldId id="270" r:id="rId10"/>
-    <p:sldId id="267" r:id="rId11"/>
-    <p:sldId id="268" r:id="rId12"/>
+    <p:sldId id="256" r:id="rId5"/>
+    <p:sldId id="257" r:id="rId6"/>
+    <p:sldId id="258" r:id="rId7"/>
+    <p:sldId id="264" r:id="rId8"/>
+    <p:sldId id="271" r:id="rId9"/>
+    <p:sldId id="265" r:id="rId10"/>
+    <p:sldId id="273" r:id="rId11"/>
+    <p:sldId id="272" r:id="rId12"/>
+    <p:sldId id="270" r:id="rId13"/>
+    <p:sldId id="267" r:id="rId14"/>
+    <p:sldId id="268" r:id="rId15"/>
   </p:sldIdLst>
   <p:sldSz cx="12192000" cy="6858000"/>
   <p:notesSz cx="6858000" cy="9144000"/>
@@ -125,15 +128,226 @@
 <file path=ppt/revisionInfo.xml><?xml version="1.0" encoding="utf-8"?>
 <p1510:revInfo xmlns:a="http://schemas.openxmlformats.org/drawingml/2006/main" xmlns:r="http://schemas.openxmlformats.org/officeDocument/2006/relationships" xmlns:p1510="http://schemas.microsoft.com/office/powerpoint/2015/10/main">
   <p1510:revLst>
+    <p1510:client id="{18F3DEA8-FA2B-4D4B-301A-17AF3F475127}" v="371" dt="2020-09-09T09:17:12.556"/>
     <p1510:client id="{3EDA844C-9A51-4B6B-9BE3-BC5CC54C0E35}" v="1" dt="2020-09-08T08:52:41.657"/>
     <p1510:client id="{8820B2EB-8337-420E-B79D-0E7AFCB31723}" v="5" dt="2020-09-08T19:39:22.340"/>
-    <p1510:client id="{BB77FE85-67DC-4D30-8EFA-E31A1BC27F29}" v="4" dt="2020-09-09T07:57:46.236"/>
+    <p1510:client id="{A6F6A7F1-DF8D-4EA6-C020-66027388421C}" v="53" dt="2020-09-09T08:49:29.938"/>
+    <p1510:client id="{BB77FE85-67DC-4D30-8EFA-E31A1BC27F29}" v="28" dt="2020-09-09T08:25:08.681"/>
+    <p1510:client id="{BEB68589-F349-453C-4CE9-4A47EF303C9E}" v="46" dt="2020-09-09T09:06:09.634"/>
+    <p1510:client id="{C388D36A-46FB-4D67-4F29-D3B4B86D068A}" v="16" dt="2020-09-09T08:55:29.173"/>
+    <p1510:client id="{C9D554A2-A716-49AC-B174-644E06A7253D}" v="30" dt="2020-09-09T08:33:26.812"/>
+    <p1510:client id="{F06ED97F-00B3-442B-C074-1F6BC97B68B5}" v="13" dt="2020-09-09T08:53:31.759"/>
   </p1510:revLst>
 </p1510:revInfo>
 </file>
 
 <file path=ppt/changesInfos/changesInfo1.xml><?xml version="1.0" encoding="utf-8"?>
 <pc:chgInfo xmlns:a="http://schemas.openxmlformats.org/drawingml/2006/main" xmlns:r="http://schemas.openxmlformats.org/officeDocument/2006/relationships" xmlns:ac="http://schemas.microsoft.com/office/drawing/2013/main/command" xmlns:pc="http://schemas.microsoft.com/office/powerpoint/2013/main/command">
+  <pc:docChgLst>
+    <pc:chgData name="King, Shiva" userId="S::sking@qa.com::09b102ff-3e6e-4ca5-a89e-377abbddfd0c" providerId="AD" clId="Web-{C388D36A-46FB-4D67-4F29-D3B4B86D068A}"/>
+    <pc:docChg chg="modSld">
+      <pc:chgData name="King, Shiva" userId="S::sking@qa.com::09b102ff-3e6e-4ca5-a89e-377abbddfd0c" providerId="AD" clId="Web-{C388D36A-46FB-4D67-4F29-D3B4B86D068A}" dt="2020-09-09T08:55:29.173" v="15" actId="20577"/>
+      <pc:docMkLst>
+        <pc:docMk/>
+      </pc:docMkLst>
+      <pc:sldChg chg="modSp">
+        <pc:chgData name="King, Shiva" userId="S::sking@qa.com::09b102ff-3e6e-4ca5-a89e-377abbddfd0c" providerId="AD" clId="Web-{C388D36A-46FB-4D67-4F29-D3B4B86D068A}" dt="2020-09-09T08:55:29.157" v="14" actId="20577"/>
+        <pc:sldMkLst>
+          <pc:docMk/>
+          <pc:sldMk cId="0" sldId="258"/>
+        </pc:sldMkLst>
+        <pc:spChg chg="mod">
+          <ac:chgData name="King, Shiva" userId="S::sking@qa.com::09b102ff-3e6e-4ca5-a89e-377abbddfd0c" providerId="AD" clId="Web-{C388D36A-46FB-4D67-4F29-D3B4B86D068A}" dt="2020-09-09T08:55:29.157" v="14" actId="20577"/>
+          <ac:spMkLst>
+            <pc:docMk/>
+            <pc:sldMk cId="0" sldId="258"/>
+            <ac:spMk id="3" creationId="{C00655D3-43C9-4DD4-AA59-0DE5FF5C74CD}"/>
+          </ac:spMkLst>
+        </pc:spChg>
+      </pc:sldChg>
+    </pc:docChg>
+  </pc:docChgLst>
+  <pc:docChgLst>
+    <pc:chgData name="Sanghrajka, Nilay" userId="S::nsanghrajka@qa.com::90676bf2-d554-49a4-8c85-d6c77d9d4985" providerId="AD" clId="Web-{F06ED97F-00B3-442B-C074-1F6BC97B68B5}"/>
+    <pc:docChg chg="modSld modMainMaster">
+      <pc:chgData name="Sanghrajka, Nilay" userId="S::nsanghrajka@qa.com::90676bf2-d554-49a4-8c85-d6c77d9d4985" providerId="AD" clId="Web-{F06ED97F-00B3-442B-C074-1F6BC97B68B5}" dt="2020-09-09T08:53:31.759" v="12"/>
+      <pc:docMkLst>
+        <pc:docMk/>
+      </pc:docMkLst>
+      <pc:sldChg chg="modTransition">
+        <pc:chgData name="Sanghrajka, Nilay" userId="S::nsanghrajka@qa.com::90676bf2-d554-49a4-8c85-d6c77d9d4985" providerId="AD" clId="Web-{F06ED97F-00B3-442B-C074-1F6BC97B68B5}" dt="2020-09-09T08:53:31.759" v="12"/>
+        <pc:sldMkLst>
+          <pc:docMk/>
+          <pc:sldMk cId="0" sldId="256"/>
+        </pc:sldMkLst>
+      </pc:sldChg>
+      <pc:sldChg chg="modTransition">
+        <pc:chgData name="Sanghrajka, Nilay" userId="S::nsanghrajka@qa.com::90676bf2-d554-49a4-8c85-d6c77d9d4985" providerId="AD" clId="Web-{F06ED97F-00B3-442B-C074-1F6BC97B68B5}" dt="2020-09-09T08:51:55.487" v="2"/>
+        <pc:sldMkLst>
+          <pc:docMk/>
+          <pc:sldMk cId="0" sldId="257"/>
+        </pc:sldMkLst>
+      </pc:sldChg>
+      <pc:sldChg chg="modTransition">
+        <pc:chgData name="Sanghrajka, Nilay" userId="S::nsanghrajka@qa.com::90676bf2-d554-49a4-8c85-d6c77d9d4985" providerId="AD" clId="Web-{F06ED97F-00B3-442B-C074-1F6BC97B68B5}" dt="2020-09-09T08:51:55.487" v="2"/>
+        <pc:sldMkLst>
+          <pc:docMk/>
+          <pc:sldMk cId="0" sldId="258"/>
+        </pc:sldMkLst>
+      </pc:sldChg>
+      <pc:sldChg chg="modTransition">
+        <pc:chgData name="Sanghrajka, Nilay" userId="S::nsanghrajka@qa.com::90676bf2-d554-49a4-8c85-d6c77d9d4985" providerId="AD" clId="Web-{F06ED97F-00B3-442B-C074-1F6BC97B68B5}" dt="2020-09-09T08:51:55.487" v="2"/>
+        <pc:sldMkLst>
+          <pc:docMk/>
+          <pc:sldMk cId="3739178887" sldId="264"/>
+        </pc:sldMkLst>
+      </pc:sldChg>
+      <pc:sldChg chg="modTransition">
+        <pc:chgData name="Sanghrajka, Nilay" userId="S::nsanghrajka@qa.com::90676bf2-d554-49a4-8c85-d6c77d9d4985" providerId="AD" clId="Web-{F06ED97F-00B3-442B-C074-1F6BC97B68B5}" dt="2020-09-09T08:51:55.487" v="2"/>
+        <pc:sldMkLst>
+          <pc:docMk/>
+          <pc:sldMk cId="441691546" sldId="265"/>
+        </pc:sldMkLst>
+      </pc:sldChg>
+      <pc:sldChg chg="modTransition">
+        <pc:chgData name="Sanghrajka, Nilay" userId="S::nsanghrajka@qa.com::90676bf2-d554-49a4-8c85-d6c77d9d4985" providerId="AD" clId="Web-{F06ED97F-00B3-442B-C074-1F6BC97B68B5}" dt="2020-09-09T08:51:55.487" v="2"/>
+        <pc:sldMkLst>
+          <pc:docMk/>
+          <pc:sldMk cId="28597378" sldId="267"/>
+        </pc:sldMkLst>
+      </pc:sldChg>
+      <pc:sldChg chg="modTransition">
+        <pc:chgData name="Sanghrajka, Nilay" userId="S::nsanghrajka@qa.com::90676bf2-d554-49a4-8c85-d6c77d9d4985" providerId="AD" clId="Web-{F06ED97F-00B3-442B-C074-1F6BC97B68B5}" dt="2020-09-09T08:51:55.487" v="2"/>
+        <pc:sldMkLst>
+          <pc:docMk/>
+          <pc:sldMk cId="1248662091" sldId="268"/>
+        </pc:sldMkLst>
+      </pc:sldChg>
+      <pc:sldChg chg="modTransition">
+        <pc:chgData name="Sanghrajka, Nilay" userId="S::nsanghrajka@qa.com::90676bf2-d554-49a4-8c85-d6c77d9d4985" providerId="AD" clId="Web-{F06ED97F-00B3-442B-C074-1F6BC97B68B5}" dt="2020-09-09T08:51:55.487" v="2"/>
+        <pc:sldMkLst>
+          <pc:docMk/>
+          <pc:sldMk cId="3849870464" sldId="270"/>
+        </pc:sldMkLst>
+      </pc:sldChg>
+      <pc:sldChg chg="modTransition">
+        <pc:chgData name="Sanghrajka, Nilay" userId="S::nsanghrajka@qa.com::90676bf2-d554-49a4-8c85-d6c77d9d4985" providerId="AD" clId="Web-{F06ED97F-00B3-442B-C074-1F6BC97B68B5}" dt="2020-09-09T08:51:55.487" v="2"/>
+        <pc:sldMkLst>
+          <pc:docMk/>
+          <pc:sldMk cId="121747750" sldId="271"/>
+        </pc:sldMkLst>
+      </pc:sldChg>
+      <pc:sldChg chg="modTransition">
+        <pc:chgData name="Sanghrajka, Nilay" userId="S::nsanghrajka@qa.com::90676bf2-d554-49a4-8c85-d6c77d9d4985" providerId="AD" clId="Web-{F06ED97F-00B3-442B-C074-1F6BC97B68B5}" dt="2020-09-09T08:51:55.487" v="2"/>
+        <pc:sldMkLst>
+          <pc:docMk/>
+          <pc:sldMk cId="3378173908" sldId="272"/>
+        </pc:sldMkLst>
+      </pc:sldChg>
+      <pc:sldChg chg="modTransition">
+        <pc:chgData name="Sanghrajka, Nilay" userId="S::nsanghrajka@qa.com::90676bf2-d554-49a4-8c85-d6c77d9d4985" providerId="AD" clId="Web-{F06ED97F-00B3-442B-C074-1F6BC97B68B5}" dt="2020-09-09T08:51:55.487" v="2"/>
+        <pc:sldMkLst>
+          <pc:docMk/>
+          <pc:sldMk cId="880682679" sldId="273"/>
+        </pc:sldMkLst>
+      </pc:sldChg>
+      <pc:sldMasterChg chg="modTransition modSldLayout">
+        <pc:chgData name="Sanghrajka, Nilay" userId="S::nsanghrajka@qa.com::90676bf2-d554-49a4-8c85-d6c77d9d4985" providerId="AD" clId="Web-{F06ED97F-00B3-442B-C074-1F6BC97B68B5}" dt="2020-09-09T08:51:55.487" v="2"/>
+        <pc:sldMasterMkLst>
+          <pc:docMk/>
+          <pc:sldMasterMk cId="2884937734" sldId="2147483672"/>
+        </pc:sldMasterMkLst>
+        <pc:sldLayoutChg chg="modTransition">
+          <pc:chgData name="Sanghrajka, Nilay" userId="S::nsanghrajka@qa.com::90676bf2-d554-49a4-8c85-d6c77d9d4985" providerId="AD" clId="Web-{F06ED97F-00B3-442B-C074-1F6BC97B68B5}" dt="2020-09-09T08:51:55.487" v="2"/>
+          <pc:sldLayoutMkLst>
+            <pc:docMk/>
+            <pc:sldMasterMk cId="2884937734" sldId="2147483672"/>
+            <pc:sldLayoutMk cId="3841996719" sldId="2147483673"/>
+          </pc:sldLayoutMkLst>
+        </pc:sldLayoutChg>
+        <pc:sldLayoutChg chg="modTransition">
+          <pc:chgData name="Sanghrajka, Nilay" userId="S::nsanghrajka@qa.com::90676bf2-d554-49a4-8c85-d6c77d9d4985" providerId="AD" clId="Web-{F06ED97F-00B3-442B-C074-1F6BC97B68B5}" dt="2020-09-09T08:51:55.487" v="2"/>
+          <pc:sldLayoutMkLst>
+            <pc:docMk/>
+            <pc:sldMasterMk cId="2884937734" sldId="2147483672"/>
+            <pc:sldLayoutMk cId="4127993942" sldId="2147483674"/>
+          </pc:sldLayoutMkLst>
+        </pc:sldLayoutChg>
+        <pc:sldLayoutChg chg="modTransition">
+          <pc:chgData name="Sanghrajka, Nilay" userId="S::nsanghrajka@qa.com::90676bf2-d554-49a4-8c85-d6c77d9d4985" providerId="AD" clId="Web-{F06ED97F-00B3-442B-C074-1F6BC97B68B5}" dt="2020-09-09T08:51:55.487" v="2"/>
+          <pc:sldLayoutMkLst>
+            <pc:docMk/>
+            <pc:sldMasterMk cId="2884937734" sldId="2147483672"/>
+            <pc:sldLayoutMk cId="4007926140" sldId="2147483675"/>
+          </pc:sldLayoutMkLst>
+        </pc:sldLayoutChg>
+        <pc:sldLayoutChg chg="modTransition">
+          <pc:chgData name="Sanghrajka, Nilay" userId="S::nsanghrajka@qa.com::90676bf2-d554-49a4-8c85-d6c77d9d4985" providerId="AD" clId="Web-{F06ED97F-00B3-442B-C074-1F6BC97B68B5}" dt="2020-09-09T08:51:55.487" v="2"/>
+          <pc:sldLayoutMkLst>
+            <pc:docMk/>
+            <pc:sldMasterMk cId="2884937734" sldId="2147483672"/>
+            <pc:sldLayoutMk cId="4216807092" sldId="2147483676"/>
+          </pc:sldLayoutMkLst>
+        </pc:sldLayoutChg>
+        <pc:sldLayoutChg chg="modTransition">
+          <pc:chgData name="Sanghrajka, Nilay" userId="S::nsanghrajka@qa.com::90676bf2-d554-49a4-8c85-d6c77d9d4985" providerId="AD" clId="Web-{F06ED97F-00B3-442B-C074-1F6BC97B68B5}" dt="2020-09-09T08:51:55.487" v="2"/>
+          <pc:sldLayoutMkLst>
+            <pc:docMk/>
+            <pc:sldMasterMk cId="2884937734" sldId="2147483672"/>
+            <pc:sldLayoutMk cId="3884933974" sldId="2147483677"/>
+          </pc:sldLayoutMkLst>
+        </pc:sldLayoutChg>
+        <pc:sldLayoutChg chg="modTransition">
+          <pc:chgData name="Sanghrajka, Nilay" userId="S::nsanghrajka@qa.com::90676bf2-d554-49a4-8c85-d6c77d9d4985" providerId="AD" clId="Web-{F06ED97F-00B3-442B-C074-1F6BC97B68B5}" dt="2020-09-09T08:51:55.487" v="2"/>
+          <pc:sldLayoutMkLst>
+            <pc:docMk/>
+            <pc:sldMasterMk cId="2884937734" sldId="2147483672"/>
+            <pc:sldLayoutMk cId="410995617" sldId="2147483678"/>
+          </pc:sldLayoutMkLst>
+        </pc:sldLayoutChg>
+        <pc:sldLayoutChg chg="modTransition">
+          <pc:chgData name="Sanghrajka, Nilay" userId="S::nsanghrajka@qa.com::90676bf2-d554-49a4-8c85-d6c77d9d4985" providerId="AD" clId="Web-{F06ED97F-00B3-442B-C074-1F6BC97B68B5}" dt="2020-09-09T08:51:55.487" v="2"/>
+          <pc:sldLayoutMkLst>
+            <pc:docMk/>
+            <pc:sldMasterMk cId="2884937734" sldId="2147483672"/>
+            <pc:sldLayoutMk cId="3864645308" sldId="2147483679"/>
+          </pc:sldLayoutMkLst>
+        </pc:sldLayoutChg>
+        <pc:sldLayoutChg chg="modTransition">
+          <pc:chgData name="Sanghrajka, Nilay" userId="S::nsanghrajka@qa.com::90676bf2-d554-49a4-8c85-d6c77d9d4985" providerId="AD" clId="Web-{F06ED97F-00B3-442B-C074-1F6BC97B68B5}" dt="2020-09-09T08:51:55.487" v="2"/>
+          <pc:sldLayoutMkLst>
+            <pc:docMk/>
+            <pc:sldMasterMk cId="2884937734" sldId="2147483672"/>
+            <pc:sldLayoutMk cId="1828770426" sldId="2147483680"/>
+          </pc:sldLayoutMkLst>
+        </pc:sldLayoutChg>
+        <pc:sldLayoutChg chg="modTransition">
+          <pc:chgData name="Sanghrajka, Nilay" userId="S::nsanghrajka@qa.com::90676bf2-d554-49a4-8c85-d6c77d9d4985" providerId="AD" clId="Web-{F06ED97F-00B3-442B-C074-1F6BC97B68B5}" dt="2020-09-09T08:51:55.487" v="2"/>
+          <pc:sldLayoutMkLst>
+            <pc:docMk/>
+            <pc:sldMasterMk cId="2884937734" sldId="2147483672"/>
+            <pc:sldLayoutMk cId="900907835" sldId="2147483681"/>
+          </pc:sldLayoutMkLst>
+        </pc:sldLayoutChg>
+        <pc:sldLayoutChg chg="modTransition">
+          <pc:chgData name="Sanghrajka, Nilay" userId="S::nsanghrajka@qa.com::90676bf2-d554-49a4-8c85-d6c77d9d4985" providerId="AD" clId="Web-{F06ED97F-00B3-442B-C074-1F6BC97B68B5}" dt="2020-09-09T08:51:55.487" v="2"/>
+          <pc:sldLayoutMkLst>
+            <pc:docMk/>
+            <pc:sldMasterMk cId="2884937734" sldId="2147483672"/>
+            <pc:sldLayoutMk cId="3994983434" sldId="2147483682"/>
+          </pc:sldLayoutMkLst>
+        </pc:sldLayoutChg>
+        <pc:sldLayoutChg chg="modTransition">
+          <pc:chgData name="Sanghrajka, Nilay" userId="S::nsanghrajka@qa.com::90676bf2-d554-49a4-8c85-d6c77d9d4985" providerId="AD" clId="Web-{F06ED97F-00B3-442B-C074-1F6BC97B68B5}" dt="2020-09-09T08:51:55.487" v="2"/>
+          <pc:sldLayoutMkLst>
+            <pc:docMk/>
+            <pc:sldMasterMk cId="2884937734" sldId="2147483672"/>
+            <pc:sldLayoutMk cId="563830316" sldId="2147483683"/>
+          </pc:sldLayoutMkLst>
+        </pc:sldLayoutChg>
+      </pc:sldMasterChg>
+    </pc:docChg>
+  </pc:docChgLst>
   <pc:docChgLst>
     <pc:chgData name="Nilay Sanghrajka" userId="247b90a400b52899" providerId="LiveId" clId="{3EDA844C-9A51-4B6B-9BE3-BC5CC54C0E35}"/>
     <pc:docChg chg="undo custSel mod delSld modSld sldOrd">
@@ -602,6 +816,1132 @@
           </ac:picMkLst>
         </pc:picChg>
       </pc:sldChg>
+    </pc:docChg>
+  </pc:docChgLst>
+  <pc:docChgLst>
+    <pc:chgData name="Nilay Sanghrajka" userId="247b90a400b52899" providerId="LiveId" clId="{BB77FE85-67DC-4D30-8EFA-E31A1BC27F29}"/>
+    <pc:docChg chg="custSel addSld modSld">
+      <pc:chgData name="Nilay Sanghrajka" userId="247b90a400b52899" providerId="LiveId" clId="{BB77FE85-67DC-4D30-8EFA-E31A1BC27F29}" dt="2020-09-09T08:25:08.681" v="172" actId="207"/>
+      <pc:docMkLst>
+        <pc:docMk/>
+      </pc:docMkLst>
+      <pc:sldChg chg="modSp mod setBg">
+        <pc:chgData name="Nilay Sanghrajka" userId="247b90a400b52899" providerId="LiveId" clId="{BB77FE85-67DC-4D30-8EFA-E31A1BC27F29}" dt="2020-09-09T08:21:36.978" v="129" actId="404"/>
+        <pc:sldMkLst>
+          <pc:docMk/>
+          <pc:sldMk cId="0" sldId="256"/>
+        </pc:sldMkLst>
+        <pc:spChg chg="mod">
+          <ac:chgData name="Nilay Sanghrajka" userId="247b90a400b52899" providerId="LiveId" clId="{BB77FE85-67DC-4D30-8EFA-E31A1BC27F29}" dt="2020-09-09T08:21:36.978" v="129" actId="404"/>
+          <ac:spMkLst>
+            <pc:docMk/>
+            <pc:sldMk cId="0" sldId="256"/>
+            <ac:spMk id="2" creationId="{D31D2728-CBB6-4C0C-AC4C-174303D16BC7}"/>
+          </ac:spMkLst>
+        </pc:spChg>
+      </pc:sldChg>
+      <pc:sldChg chg="addSp modSp mod setBg">
+        <pc:chgData name="Nilay Sanghrajka" userId="247b90a400b52899" providerId="LiveId" clId="{BB77FE85-67DC-4D30-8EFA-E31A1BC27F29}" dt="2020-09-09T08:24:07.086" v="157" actId="404"/>
+        <pc:sldMkLst>
+          <pc:docMk/>
+          <pc:sldMk cId="0" sldId="257"/>
+        </pc:sldMkLst>
+        <pc:spChg chg="mod">
+          <ac:chgData name="Nilay Sanghrajka" userId="247b90a400b52899" providerId="LiveId" clId="{BB77FE85-67DC-4D30-8EFA-E31A1BC27F29}" dt="2020-09-09T08:24:07.086" v="157" actId="404"/>
+          <ac:spMkLst>
+            <pc:docMk/>
+            <pc:sldMk cId="0" sldId="257"/>
+            <ac:spMk id="2" creationId="{3ED1EB96-A315-417F-A86D-11B83777531F}"/>
+          </ac:spMkLst>
+        </pc:spChg>
+        <pc:picChg chg="add mod">
+          <ac:chgData name="Nilay Sanghrajka" userId="247b90a400b52899" providerId="LiveId" clId="{BB77FE85-67DC-4D30-8EFA-E31A1BC27F29}" dt="2020-09-09T08:17:06.803" v="87" actId="1076"/>
+          <ac:picMkLst>
+            <pc:docMk/>
+            <pc:sldMk cId="0" sldId="257"/>
+            <ac:picMk id="5" creationId="{F91DBA1F-177E-4A53-927A-1B44D02357A7}"/>
+          </ac:picMkLst>
+        </pc:picChg>
+        <pc:picChg chg="add mod">
+          <ac:chgData name="Nilay Sanghrajka" userId="247b90a400b52899" providerId="LiveId" clId="{BB77FE85-67DC-4D30-8EFA-E31A1BC27F29}" dt="2020-09-09T08:22:40.591" v="137" actId="1076"/>
+          <ac:picMkLst>
+            <pc:docMk/>
+            <pc:sldMk cId="0" sldId="257"/>
+            <ac:picMk id="7" creationId="{B467E6CA-4A36-4048-830C-114EC949F80B}"/>
+          </ac:picMkLst>
+        </pc:picChg>
+      </pc:sldChg>
+      <pc:sldChg chg="addSp modSp mod setBg">
+        <pc:chgData name="Nilay Sanghrajka" userId="247b90a400b52899" providerId="LiveId" clId="{BB77FE85-67DC-4D30-8EFA-E31A1BC27F29}" dt="2020-09-09T08:23:45.342" v="153" actId="403"/>
+        <pc:sldMkLst>
+          <pc:docMk/>
+          <pc:sldMk cId="0" sldId="258"/>
+        </pc:sldMkLst>
+        <pc:spChg chg="mod">
+          <ac:chgData name="Nilay Sanghrajka" userId="247b90a400b52899" providerId="LiveId" clId="{BB77FE85-67DC-4D30-8EFA-E31A1BC27F29}" dt="2020-09-09T08:23:45.342" v="153" actId="403"/>
+          <ac:spMkLst>
+            <pc:docMk/>
+            <pc:sldMk cId="0" sldId="258"/>
+            <ac:spMk id="2" creationId="{5F8EF9F7-9FE7-480A-B60F-CED71D1D93C2}"/>
+          </ac:spMkLst>
+        </pc:spChg>
+        <pc:picChg chg="add">
+          <ac:chgData name="Nilay Sanghrajka" userId="247b90a400b52899" providerId="LiveId" clId="{BB77FE85-67DC-4D30-8EFA-E31A1BC27F29}" dt="2020-09-09T08:17:17.514" v="88" actId="22"/>
+          <ac:picMkLst>
+            <pc:docMk/>
+            <pc:sldMk cId="0" sldId="258"/>
+            <ac:picMk id="5" creationId="{70050698-2D2A-4275-B25F-8704E7A897A7}"/>
+          </ac:picMkLst>
+        </pc:picChg>
+        <pc:picChg chg="add">
+          <ac:chgData name="Nilay Sanghrajka" userId="247b90a400b52899" providerId="LiveId" clId="{BB77FE85-67DC-4D30-8EFA-E31A1BC27F29}" dt="2020-09-09T08:22:45.349" v="138" actId="22"/>
+          <ac:picMkLst>
+            <pc:docMk/>
+            <pc:sldMk cId="0" sldId="258"/>
+            <ac:picMk id="7" creationId="{D7C9E5C7-6499-4594-8658-716781D0648A}"/>
+          </ac:picMkLst>
+        </pc:picChg>
+      </pc:sldChg>
+      <pc:sldChg chg="addSp modSp mod setBg">
+        <pc:chgData name="Nilay Sanghrajka" userId="247b90a400b52899" providerId="LiveId" clId="{BB77FE85-67DC-4D30-8EFA-E31A1BC27F29}" dt="2020-09-09T08:23:53.650" v="155" actId="207"/>
+        <pc:sldMkLst>
+          <pc:docMk/>
+          <pc:sldMk cId="3739178887" sldId="264"/>
+        </pc:sldMkLst>
+        <pc:spChg chg="mod">
+          <ac:chgData name="Nilay Sanghrajka" userId="247b90a400b52899" providerId="LiveId" clId="{BB77FE85-67DC-4D30-8EFA-E31A1BC27F29}" dt="2020-09-09T08:23:53.650" v="155" actId="207"/>
+          <ac:spMkLst>
+            <pc:docMk/>
+            <pc:sldMk cId="3739178887" sldId="264"/>
+            <ac:spMk id="2" creationId="{DF91F68C-DB8F-4C8C-A358-301FE86C5C69}"/>
+          </ac:spMkLst>
+        </pc:spChg>
+        <pc:picChg chg="add">
+          <ac:chgData name="Nilay Sanghrajka" userId="247b90a400b52899" providerId="LiveId" clId="{BB77FE85-67DC-4D30-8EFA-E31A1BC27F29}" dt="2020-09-09T08:17:19.718" v="89" actId="22"/>
+          <ac:picMkLst>
+            <pc:docMk/>
+            <pc:sldMk cId="3739178887" sldId="264"/>
+            <ac:picMk id="4" creationId="{D8CD00CE-0DE7-4572-8F05-D680EED059FD}"/>
+          </ac:picMkLst>
+        </pc:picChg>
+        <pc:picChg chg="add">
+          <ac:chgData name="Nilay Sanghrajka" userId="247b90a400b52899" providerId="LiveId" clId="{BB77FE85-67DC-4D30-8EFA-E31A1BC27F29}" dt="2020-09-09T08:22:47.792" v="139" actId="22"/>
+          <ac:picMkLst>
+            <pc:docMk/>
+            <pc:sldMk cId="3739178887" sldId="264"/>
+            <ac:picMk id="6" creationId="{0E0078BC-0DEB-43D1-8932-4D1E4A8F786C}"/>
+          </ac:picMkLst>
+        </pc:picChg>
+      </pc:sldChg>
+      <pc:sldChg chg="addSp modSp mod setBg">
+        <pc:chgData name="Nilay Sanghrajka" userId="247b90a400b52899" providerId="LiveId" clId="{BB77FE85-67DC-4D30-8EFA-E31A1BC27F29}" dt="2020-09-09T08:24:25.840" v="161" actId="207"/>
+        <pc:sldMkLst>
+          <pc:docMk/>
+          <pc:sldMk cId="441691546" sldId="265"/>
+        </pc:sldMkLst>
+        <pc:spChg chg="mod">
+          <ac:chgData name="Nilay Sanghrajka" userId="247b90a400b52899" providerId="LiveId" clId="{BB77FE85-67DC-4D30-8EFA-E31A1BC27F29}" dt="2020-09-09T08:24:25.840" v="161" actId="207"/>
+          <ac:spMkLst>
+            <pc:docMk/>
+            <pc:sldMk cId="441691546" sldId="265"/>
+            <ac:spMk id="2" creationId="{DF91F68C-DB8F-4C8C-A358-301FE86C5C69}"/>
+          </ac:spMkLst>
+        </pc:spChg>
+        <pc:picChg chg="add">
+          <ac:chgData name="Nilay Sanghrajka" userId="247b90a400b52899" providerId="LiveId" clId="{BB77FE85-67DC-4D30-8EFA-E31A1BC27F29}" dt="2020-09-09T08:17:26.284" v="91" actId="22"/>
+          <ac:picMkLst>
+            <pc:docMk/>
+            <pc:sldMk cId="441691546" sldId="265"/>
+            <ac:picMk id="3" creationId="{769B53C2-CFB3-4DD2-8D47-B2BF960FCCDD}"/>
+          </ac:picMkLst>
+        </pc:picChg>
+        <pc:picChg chg="add">
+          <ac:chgData name="Nilay Sanghrajka" userId="247b90a400b52899" providerId="LiveId" clId="{BB77FE85-67DC-4D30-8EFA-E31A1BC27F29}" dt="2020-09-09T08:22:49.911" v="140" actId="22"/>
+          <ac:picMkLst>
+            <pc:docMk/>
+            <pc:sldMk cId="441691546" sldId="265"/>
+            <ac:picMk id="4" creationId="{9E29EB97-EA83-47A4-8A58-AAF0B4356D17}"/>
+          </ac:picMkLst>
+        </pc:picChg>
+      </pc:sldChg>
+      <pc:sldChg chg="addSp modSp mod setBg">
+        <pc:chgData name="Nilay Sanghrajka" userId="247b90a400b52899" providerId="LiveId" clId="{BB77FE85-67DC-4D30-8EFA-E31A1BC27F29}" dt="2020-09-09T08:24:56.099" v="169" actId="207"/>
+        <pc:sldMkLst>
+          <pc:docMk/>
+          <pc:sldMk cId="28597378" sldId="267"/>
+        </pc:sldMkLst>
+        <pc:spChg chg="mod">
+          <ac:chgData name="Nilay Sanghrajka" userId="247b90a400b52899" providerId="LiveId" clId="{BB77FE85-67DC-4D30-8EFA-E31A1BC27F29}" dt="2020-09-09T08:24:56.099" v="169" actId="207"/>
+          <ac:spMkLst>
+            <pc:docMk/>
+            <pc:sldMk cId="28597378" sldId="267"/>
+            <ac:spMk id="2" creationId="{DF91F68C-DB8F-4C8C-A358-301FE86C5C69}"/>
+          </ac:spMkLst>
+        </pc:spChg>
+        <pc:picChg chg="add">
+          <ac:chgData name="Nilay Sanghrajka" userId="247b90a400b52899" providerId="LiveId" clId="{BB77FE85-67DC-4D30-8EFA-E31A1BC27F29}" dt="2020-09-09T08:17:38.216" v="96" actId="22"/>
+          <ac:picMkLst>
+            <pc:docMk/>
+            <pc:sldMk cId="28597378" sldId="267"/>
+            <ac:picMk id="5" creationId="{9032E3F4-EDFC-498E-AA3A-9F77A8462274}"/>
+          </ac:picMkLst>
+        </pc:picChg>
+        <pc:picChg chg="add">
+          <ac:chgData name="Nilay Sanghrajka" userId="247b90a400b52899" providerId="LiveId" clId="{BB77FE85-67DC-4D30-8EFA-E31A1BC27F29}" dt="2020-09-09T08:23:02.893" v="145" actId="22"/>
+          <ac:picMkLst>
+            <pc:docMk/>
+            <pc:sldMk cId="28597378" sldId="267"/>
+            <ac:picMk id="7" creationId="{91A23FE8-B0C7-4680-8135-A1296CE75E92}"/>
+          </ac:picMkLst>
+        </pc:picChg>
+      </pc:sldChg>
+      <pc:sldChg chg="addSp modSp mod setBg">
+        <pc:chgData name="Nilay Sanghrajka" userId="247b90a400b52899" providerId="LiveId" clId="{BB77FE85-67DC-4D30-8EFA-E31A1BC27F29}" dt="2020-09-09T08:25:08.681" v="172" actId="207"/>
+        <pc:sldMkLst>
+          <pc:docMk/>
+          <pc:sldMk cId="1248662091" sldId="268"/>
+        </pc:sldMkLst>
+        <pc:spChg chg="mod">
+          <ac:chgData name="Nilay Sanghrajka" userId="247b90a400b52899" providerId="LiveId" clId="{BB77FE85-67DC-4D30-8EFA-E31A1BC27F29}" dt="2020-09-09T08:25:08.681" v="172" actId="207"/>
+          <ac:spMkLst>
+            <pc:docMk/>
+            <pc:sldMk cId="1248662091" sldId="268"/>
+            <ac:spMk id="2" creationId="{DF91F68C-DB8F-4C8C-A358-301FE86C5C69}"/>
+          </ac:spMkLst>
+        </pc:spChg>
+        <pc:picChg chg="add">
+          <ac:chgData name="Nilay Sanghrajka" userId="247b90a400b52899" providerId="LiveId" clId="{BB77FE85-67DC-4D30-8EFA-E31A1BC27F29}" dt="2020-09-09T08:17:40.066" v="97" actId="22"/>
+          <ac:picMkLst>
+            <pc:docMk/>
+            <pc:sldMk cId="1248662091" sldId="268"/>
+            <ac:picMk id="3" creationId="{9B7E692B-FA3F-422C-B057-7D4FA0D7550D}"/>
+          </ac:picMkLst>
+        </pc:picChg>
+        <pc:picChg chg="add">
+          <ac:chgData name="Nilay Sanghrajka" userId="247b90a400b52899" providerId="LiveId" clId="{BB77FE85-67DC-4D30-8EFA-E31A1BC27F29}" dt="2020-09-09T08:23:04.994" v="146" actId="22"/>
+          <ac:picMkLst>
+            <pc:docMk/>
+            <pc:sldMk cId="1248662091" sldId="268"/>
+            <ac:picMk id="4" creationId="{C679B675-BC80-4957-AE1E-132D580DFFD8}"/>
+          </ac:picMkLst>
+        </pc:picChg>
+      </pc:sldChg>
+      <pc:sldChg chg="addSp delSp modSp mod setBg">
+        <pc:chgData name="Nilay Sanghrajka" userId="247b90a400b52899" providerId="LiveId" clId="{BB77FE85-67DC-4D30-8EFA-E31A1BC27F29}" dt="2020-09-09T08:24:47.789" v="167" actId="2711"/>
+        <pc:sldMkLst>
+          <pc:docMk/>
+          <pc:sldMk cId="3849870464" sldId="270"/>
+        </pc:sldMkLst>
+        <pc:spChg chg="mod">
+          <ac:chgData name="Nilay Sanghrajka" userId="247b90a400b52899" providerId="LiveId" clId="{BB77FE85-67DC-4D30-8EFA-E31A1BC27F29}" dt="2020-09-09T08:24:47.789" v="167" actId="2711"/>
+          <ac:spMkLst>
+            <pc:docMk/>
+            <pc:sldMk cId="3849870464" sldId="270"/>
+            <ac:spMk id="2" creationId="{DF91F68C-DB8F-4C8C-A358-301FE86C5C69}"/>
+          </ac:spMkLst>
+        </pc:spChg>
+        <pc:picChg chg="add">
+          <ac:chgData name="Nilay Sanghrajka" userId="247b90a400b52899" providerId="LiveId" clId="{BB77FE85-67DC-4D30-8EFA-E31A1BC27F29}" dt="2020-09-09T08:17:32.756" v="94" actId="22"/>
+          <ac:picMkLst>
+            <pc:docMk/>
+            <pc:sldMk cId="3849870464" sldId="270"/>
+            <ac:picMk id="5" creationId="{6B64CB02-8854-43EE-A76E-EB5DCA1BCC25}"/>
+          </ac:picMkLst>
+        </pc:picChg>
+        <pc:picChg chg="add del">
+          <ac:chgData name="Nilay Sanghrajka" userId="247b90a400b52899" providerId="LiveId" clId="{BB77FE85-67DC-4D30-8EFA-E31A1BC27F29}" dt="2020-09-09T08:17:45.347" v="98" actId="478"/>
+          <ac:picMkLst>
+            <pc:docMk/>
+            <pc:sldMk cId="3849870464" sldId="270"/>
+            <ac:picMk id="7" creationId="{C1281FFD-8C09-4B32-A98C-3C46705FD29A}"/>
+          </ac:picMkLst>
+        </pc:picChg>
+        <pc:picChg chg="add">
+          <ac:chgData name="Nilay Sanghrajka" userId="247b90a400b52899" providerId="LiveId" clId="{BB77FE85-67DC-4D30-8EFA-E31A1BC27F29}" dt="2020-09-09T08:22:59.083" v="144" actId="22"/>
+          <ac:picMkLst>
+            <pc:docMk/>
+            <pc:sldMk cId="3849870464" sldId="270"/>
+            <ac:picMk id="9" creationId="{92700659-6793-48B5-AE3F-D5BAF4B1172F}"/>
+          </ac:picMkLst>
+        </pc:picChg>
+      </pc:sldChg>
+      <pc:sldChg chg="addSp modSp mod setBg">
+        <pc:chgData name="Nilay Sanghrajka" userId="247b90a400b52899" providerId="LiveId" clId="{BB77FE85-67DC-4D30-8EFA-E31A1BC27F29}" dt="2020-09-09T08:24:16.635" v="159" actId="2711"/>
+        <pc:sldMkLst>
+          <pc:docMk/>
+          <pc:sldMk cId="121747750" sldId="271"/>
+        </pc:sldMkLst>
+        <pc:spChg chg="mod">
+          <ac:chgData name="Nilay Sanghrajka" userId="247b90a400b52899" providerId="LiveId" clId="{BB77FE85-67DC-4D30-8EFA-E31A1BC27F29}" dt="2020-09-09T08:24:16.635" v="159" actId="2711"/>
+          <ac:spMkLst>
+            <pc:docMk/>
+            <pc:sldMk cId="121747750" sldId="271"/>
+            <ac:spMk id="2" creationId="{DF91F68C-DB8F-4C8C-A358-301FE86C5C69}"/>
+          </ac:spMkLst>
+        </pc:spChg>
+        <pc:picChg chg="add">
+          <ac:chgData name="Nilay Sanghrajka" userId="247b90a400b52899" providerId="LiveId" clId="{BB77FE85-67DC-4D30-8EFA-E31A1BC27F29}" dt="2020-09-09T08:17:23.250" v="90" actId="22"/>
+          <ac:picMkLst>
+            <pc:docMk/>
+            <pc:sldMk cId="121747750" sldId="271"/>
+            <ac:picMk id="3" creationId="{083F3A9F-CB05-4B14-AE52-9962C61C4987}"/>
+          </ac:picMkLst>
+        </pc:picChg>
+        <pc:picChg chg="add">
+          <ac:chgData name="Nilay Sanghrajka" userId="247b90a400b52899" providerId="LiveId" clId="{BB77FE85-67DC-4D30-8EFA-E31A1BC27F29}" dt="2020-09-09T08:22:52.949" v="141" actId="22"/>
+          <ac:picMkLst>
+            <pc:docMk/>
+            <pc:sldMk cId="121747750" sldId="271"/>
+            <ac:picMk id="6" creationId="{E8440F1A-57DA-4F84-975D-9AB0933257A1}"/>
+          </ac:picMkLst>
+        </pc:picChg>
+      </pc:sldChg>
+      <pc:sldChg chg="addSp delSp modSp add mod setBg">
+        <pc:chgData name="Nilay Sanghrajka" userId="247b90a400b52899" providerId="LiveId" clId="{BB77FE85-67DC-4D30-8EFA-E31A1BC27F29}" dt="2020-09-09T08:24:32.689" v="163" actId="207"/>
+        <pc:sldMkLst>
+          <pc:docMk/>
+          <pc:sldMk cId="3378173908" sldId="272"/>
+        </pc:sldMkLst>
+        <pc:spChg chg="mod">
+          <ac:chgData name="Nilay Sanghrajka" userId="247b90a400b52899" providerId="LiveId" clId="{BB77FE85-67DC-4D30-8EFA-E31A1BC27F29}" dt="2020-09-09T08:24:32.689" v="163" actId="207"/>
+          <ac:spMkLst>
+            <pc:docMk/>
+            <pc:sldMk cId="3378173908" sldId="272"/>
+            <ac:spMk id="2" creationId="{DF91F68C-DB8F-4C8C-A358-301FE86C5C69}"/>
+          </ac:spMkLst>
+        </pc:spChg>
+        <pc:spChg chg="del">
+          <ac:chgData name="Nilay Sanghrajka" userId="247b90a400b52899" providerId="LiveId" clId="{BB77FE85-67DC-4D30-8EFA-E31A1BC27F29}" dt="2020-09-09T07:55:35.831" v="37" actId="478"/>
+          <ac:spMkLst>
+            <pc:docMk/>
+            <pc:sldMk cId="3378173908" sldId="272"/>
+            <ac:spMk id="49" creationId="{D1B7E509-B012-437C-9F5E-0D8DA83B4673}"/>
+          </ac:spMkLst>
+        </pc:spChg>
+        <pc:picChg chg="add mod">
+          <ac:chgData name="Nilay Sanghrajka" userId="247b90a400b52899" providerId="LiveId" clId="{BB77FE85-67DC-4D30-8EFA-E31A1BC27F29}" dt="2020-09-09T07:56:23.473" v="49" actId="1076"/>
+          <ac:picMkLst>
+            <pc:docMk/>
+            <pc:sldMk cId="3378173908" sldId="272"/>
+            <ac:picMk id="3" creationId="{5E37E79F-87A7-4108-9845-FA91CF9F539E}"/>
+          </ac:picMkLst>
+        </pc:picChg>
+        <pc:picChg chg="add mod">
+          <ac:chgData name="Nilay Sanghrajka" userId="247b90a400b52899" providerId="LiveId" clId="{BB77FE85-67DC-4D30-8EFA-E31A1BC27F29}" dt="2020-09-09T07:56:27.310" v="50" actId="1076"/>
+          <ac:picMkLst>
+            <pc:docMk/>
+            <pc:sldMk cId="3378173908" sldId="272"/>
+            <ac:picMk id="4" creationId="{1DCC3D24-D989-4F08-B2A8-E66B2CF04534}"/>
+          </ac:picMkLst>
+        </pc:picChg>
+        <pc:picChg chg="del">
+          <ac:chgData name="Nilay Sanghrajka" userId="247b90a400b52899" providerId="LiveId" clId="{BB77FE85-67DC-4D30-8EFA-E31A1BC27F29}" dt="2020-09-09T07:55:36.614" v="38" actId="478"/>
+          <ac:picMkLst>
+            <pc:docMk/>
+            <pc:sldMk cId="3378173908" sldId="272"/>
+            <ac:picMk id="5" creationId="{809CABAF-D0C6-4ECB-AE66-5ED583DF9943}"/>
+          </ac:picMkLst>
+        </pc:picChg>
+        <pc:picChg chg="add">
+          <ac:chgData name="Nilay Sanghrajka" userId="247b90a400b52899" providerId="LiveId" clId="{BB77FE85-67DC-4D30-8EFA-E31A1BC27F29}" dt="2020-09-09T08:17:29.893" v="92" actId="22"/>
+          <ac:picMkLst>
+            <pc:docMk/>
+            <pc:sldMk cId="3378173908" sldId="272"/>
+            <ac:picMk id="6" creationId="{C9921095-0D2A-41D5-A9A8-789F11106B4C}"/>
+          </ac:picMkLst>
+        </pc:picChg>
+        <pc:picChg chg="add">
+          <ac:chgData name="Nilay Sanghrajka" userId="247b90a400b52899" providerId="LiveId" clId="{BB77FE85-67DC-4D30-8EFA-E31A1BC27F29}" dt="2020-09-09T08:22:56.282" v="142" actId="22"/>
+          <ac:picMkLst>
+            <pc:docMk/>
+            <pc:sldMk cId="3378173908" sldId="272"/>
+            <ac:picMk id="8" creationId="{44C8B3EA-19B7-4BBA-A447-087BB7DBE28F}"/>
+          </ac:picMkLst>
+        </pc:picChg>
+      </pc:sldChg>
+      <pc:sldChg chg="addSp delSp modSp add mod setBg">
+        <pc:chgData name="Nilay Sanghrajka" userId="247b90a400b52899" providerId="LiveId" clId="{BB77FE85-67DC-4D30-8EFA-E31A1BC27F29}" dt="2020-09-09T08:24:40.079" v="165" actId="207"/>
+        <pc:sldMkLst>
+          <pc:docMk/>
+          <pc:sldMk cId="880682679" sldId="273"/>
+        </pc:sldMkLst>
+        <pc:spChg chg="mod">
+          <ac:chgData name="Nilay Sanghrajka" userId="247b90a400b52899" providerId="LiveId" clId="{BB77FE85-67DC-4D30-8EFA-E31A1BC27F29}" dt="2020-09-09T08:24:40.079" v="165" actId="207"/>
+          <ac:spMkLst>
+            <pc:docMk/>
+            <pc:sldMk cId="880682679" sldId="273"/>
+            <ac:spMk id="2" creationId="{DF91F68C-DB8F-4C8C-A358-301FE86C5C69}"/>
+          </ac:spMkLst>
+        </pc:spChg>
+        <pc:picChg chg="del mod">
+          <ac:chgData name="Nilay Sanghrajka" userId="247b90a400b52899" providerId="LiveId" clId="{BB77FE85-67DC-4D30-8EFA-E31A1BC27F29}" dt="2020-09-09T07:58:11.752" v="73" actId="478"/>
+          <ac:picMkLst>
+            <pc:docMk/>
+            <pc:sldMk cId="880682679" sldId="273"/>
+            <ac:picMk id="3" creationId="{5E37E79F-87A7-4108-9845-FA91CF9F539E}"/>
+          </ac:picMkLst>
+        </pc:picChg>
+        <pc:picChg chg="add">
+          <ac:chgData name="Nilay Sanghrajka" userId="247b90a400b52899" providerId="LiveId" clId="{BB77FE85-67DC-4D30-8EFA-E31A1BC27F29}" dt="2020-09-09T08:17:32.027" v="93" actId="22"/>
+          <ac:picMkLst>
+            <pc:docMk/>
+            <pc:sldMk cId="880682679" sldId="273"/>
+            <ac:picMk id="3" creationId="{829185F5-57F0-4775-94D0-7772A6129587}"/>
+          </ac:picMkLst>
+        </pc:picChg>
+        <pc:picChg chg="del">
+          <ac:chgData name="Nilay Sanghrajka" userId="247b90a400b52899" providerId="LiveId" clId="{BB77FE85-67DC-4D30-8EFA-E31A1BC27F29}" dt="2020-09-09T07:57:11.258" v="61" actId="478"/>
+          <ac:picMkLst>
+            <pc:docMk/>
+            <pc:sldMk cId="880682679" sldId="273"/>
+            <ac:picMk id="4" creationId="{1DCC3D24-D989-4F08-B2A8-E66B2CF04534}"/>
+          </ac:picMkLst>
+        </pc:picChg>
+        <pc:picChg chg="add">
+          <ac:chgData name="Nilay Sanghrajka" userId="247b90a400b52899" providerId="LiveId" clId="{BB77FE85-67DC-4D30-8EFA-E31A1BC27F29}" dt="2020-09-09T08:22:57.462" v="143" actId="22"/>
+          <ac:picMkLst>
+            <pc:docMk/>
+            <pc:sldMk cId="880682679" sldId="273"/>
+            <ac:picMk id="4" creationId="{1F219B7E-A70D-4530-AAE3-261FB8228C8A}"/>
+          </ac:picMkLst>
+        </pc:picChg>
+        <pc:picChg chg="add mod">
+          <ac:chgData name="Nilay Sanghrajka" userId="247b90a400b52899" providerId="LiveId" clId="{BB77FE85-67DC-4D30-8EFA-E31A1BC27F29}" dt="2020-09-09T07:58:22.329" v="75" actId="1076"/>
+          <ac:picMkLst>
+            <pc:docMk/>
+            <pc:sldMk cId="880682679" sldId="273"/>
+            <ac:picMk id="5" creationId="{B322BEBE-86D8-477D-99C9-90E93CF86485}"/>
+          </ac:picMkLst>
+        </pc:picChg>
+        <pc:picChg chg="add mod">
+          <ac:chgData name="Nilay Sanghrajka" userId="247b90a400b52899" providerId="LiveId" clId="{BB77FE85-67DC-4D30-8EFA-E31A1BC27F29}" dt="2020-09-09T07:58:24.479" v="76" actId="1076"/>
+          <ac:picMkLst>
+            <pc:docMk/>
+            <pc:sldMk cId="880682679" sldId="273"/>
+            <ac:picMk id="6" creationId="{60D064C4-79FC-47F0-8ABA-3B305D8A12C1}"/>
+          </ac:picMkLst>
+        </pc:picChg>
+      </pc:sldChg>
+    </pc:docChg>
+  </pc:docChgLst>
+  <pc:docChgLst>
+    <pc:chgData name="Sanghrajka, Nilay" userId="S::nsanghrajka@qa.com::90676bf2-d554-49a4-8c85-d6c77d9d4985" providerId="AD" clId="Web-{18F3DEA8-FA2B-4D4B-301A-17AF3F475127}"/>
+    <pc:docChg chg="modSld">
+      <pc:chgData name="Sanghrajka, Nilay" userId="S::nsanghrajka@qa.com::90676bf2-d554-49a4-8c85-d6c77d9d4985" providerId="AD" clId="Web-{18F3DEA8-FA2B-4D4B-301A-17AF3F475127}" dt="2020-09-09T09:17:12.556" v="370" actId="20577"/>
+      <pc:docMkLst>
+        <pc:docMk/>
+      </pc:docMkLst>
+      <pc:sldChg chg="modSp">
+        <pc:chgData name="Sanghrajka, Nilay" userId="S::nsanghrajka@qa.com::90676bf2-d554-49a4-8c85-d6c77d9d4985" providerId="AD" clId="Web-{18F3DEA8-FA2B-4D4B-301A-17AF3F475127}" dt="2020-09-09T09:14:46.818" v="56" actId="20577"/>
+        <pc:sldMkLst>
+          <pc:docMk/>
+          <pc:sldMk cId="0" sldId="257"/>
+        </pc:sldMkLst>
+        <pc:spChg chg="mod">
+          <ac:chgData name="Sanghrajka, Nilay" userId="S::nsanghrajka@qa.com::90676bf2-d554-49a4-8c85-d6c77d9d4985" providerId="AD" clId="Web-{18F3DEA8-FA2B-4D4B-301A-17AF3F475127}" dt="2020-09-09T09:14:46.818" v="56" actId="20577"/>
+          <ac:spMkLst>
+            <pc:docMk/>
+            <pc:sldMk cId="0" sldId="257"/>
+            <ac:spMk id="3" creationId="{F1E1249E-9923-4776-8A2E-C8A87BE3F013}"/>
+          </ac:spMkLst>
+        </pc:spChg>
+      </pc:sldChg>
+      <pc:sldChg chg="modSp">
+        <pc:chgData name="Sanghrajka, Nilay" userId="S::nsanghrajka@qa.com::90676bf2-d554-49a4-8c85-d6c77d9d4985" providerId="AD" clId="Web-{18F3DEA8-FA2B-4D4B-301A-17AF3F475127}" dt="2020-09-09T09:17:12.556" v="369" actId="20577"/>
+        <pc:sldMkLst>
+          <pc:docMk/>
+          <pc:sldMk cId="0" sldId="258"/>
+        </pc:sldMkLst>
+        <pc:spChg chg="mod">
+          <ac:chgData name="Sanghrajka, Nilay" userId="S::nsanghrajka@qa.com::90676bf2-d554-49a4-8c85-d6c77d9d4985" providerId="AD" clId="Web-{18F3DEA8-FA2B-4D4B-301A-17AF3F475127}" dt="2020-09-09T09:17:12.556" v="369" actId="20577"/>
+          <ac:spMkLst>
+            <pc:docMk/>
+            <pc:sldMk cId="0" sldId="258"/>
+            <ac:spMk id="3" creationId="{C00655D3-43C9-4DD4-AA59-0DE5FF5C74CD}"/>
+          </ac:spMkLst>
+        </pc:spChg>
+      </pc:sldChg>
+    </pc:docChg>
+  </pc:docChgLst>
+  <pc:docChgLst>
+    <pc:chgData name="Sanghrajka, Nilay" userId="S::nsanghrajka@qa.com::90676bf2-d554-49a4-8c85-d6c77d9d4985" providerId="AD" clId="Web-{A6F6A7F1-DF8D-4EA6-C020-66027388421C}"/>
+    <pc:docChg chg="modSld addMainMaster delMainMaster modMainMaster">
+      <pc:chgData name="Sanghrajka, Nilay" userId="S::nsanghrajka@qa.com::90676bf2-d554-49a4-8c85-d6c77d9d4985" providerId="AD" clId="Web-{A6F6A7F1-DF8D-4EA6-C020-66027388421C}" dt="2020-09-09T08:49:29.938" v="52" actId="1076"/>
+      <pc:docMkLst>
+        <pc:docMk/>
+      </pc:docMkLst>
+      <pc:sldChg chg="addSp delSp modSp mod setBg modClrScheme delDesignElem chgLayout">
+        <pc:chgData name="Sanghrajka, Nilay" userId="S::nsanghrajka@qa.com::90676bf2-d554-49a4-8c85-d6c77d9d4985" providerId="AD" clId="Web-{A6F6A7F1-DF8D-4EA6-C020-66027388421C}" dt="2020-09-09T08:37:18.484" v="39"/>
+        <pc:sldMkLst>
+          <pc:docMk/>
+          <pc:sldMk cId="0" sldId="256"/>
+        </pc:sldMkLst>
+        <pc:spChg chg="mod ord">
+          <ac:chgData name="Sanghrajka, Nilay" userId="S::nsanghrajka@qa.com::90676bf2-d554-49a4-8c85-d6c77d9d4985" providerId="AD" clId="Web-{A6F6A7F1-DF8D-4EA6-C020-66027388421C}" dt="2020-09-09T08:36:35.374" v="20" actId="20577"/>
+          <ac:spMkLst>
+            <pc:docMk/>
+            <pc:sldMk cId="0" sldId="256"/>
+            <ac:spMk id="2" creationId="{D31D2728-CBB6-4C0C-AC4C-174303D16BC7}"/>
+          </ac:spMkLst>
+        </pc:spChg>
+        <pc:spChg chg="mod ord">
+          <ac:chgData name="Sanghrajka, Nilay" userId="S::nsanghrajka@qa.com::90676bf2-d554-49a4-8c85-d6c77d9d4985" providerId="AD" clId="Web-{A6F6A7F1-DF8D-4EA6-C020-66027388421C}" dt="2020-09-09T08:36:45.046" v="34" actId="20577"/>
+          <ac:spMkLst>
+            <pc:docMk/>
+            <pc:sldMk cId="0" sldId="256"/>
+            <ac:spMk id="3" creationId="{EA38CE1D-E3BB-4D67-8E35-3398AD91E697}"/>
+          </ac:spMkLst>
+        </pc:spChg>
+        <pc:spChg chg="del">
+          <ac:chgData name="Sanghrajka, Nilay" userId="S::nsanghrajka@qa.com::90676bf2-d554-49a4-8c85-d6c77d9d4985" providerId="AD" clId="Web-{A6F6A7F1-DF8D-4EA6-C020-66027388421C}" dt="2020-09-09T08:35:52.748" v="8"/>
+          <ac:spMkLst>
+            <pc:docMk/>
+            <pc:sldMk cId="0" sldId="256"/>
+            <ac:spMk id="5" creationId="{CC828AE3-FA58-43DF-B083-6AA3C102AF0C}"/>
+          </ac:spMkLst>
+        </pc:spChg>
+        <pc:spChg chg="del">
+          <ac:chgData name="Sanghrajka, Nilay" userId="S::nsanghrajka@qa.com::90676bf2-d554-49a4-8c85-d6c77d9d4985" providerId="AD" clId="Web-{A6F6A7F1-DF8D-4EA6-C020-66027388421C}" dt="2020-09-09T08:35:52.748" v="8"/>
+          <ac:spMkLst>
+            <pc:docMk/>
+            <pc:sldMk cId="0" sldId="256"/>
+            <ac:spMk id="6" creationId="{14AF9CD9-31C2-43D9-9F5C-A0E097262D5E}"/>
+          </ac:spMkLst>
+        </pc:spChg>
+        <pc:spChg chg="del">
+          <ac:chgData name="Sanghrajka, Nilay" userId="S::nsanghrajka@qa.com::90676bf2-d554-49a4-8c85-d6c77d9d4985" providerId="AD" clId="Web-{A6F6A7F1-DF8D-4EA6-C020-66027388421C}" dt="2020-09-09T08:35:52.748" v="8"/>
+          <ac:spMkLst>
+            <pc:docMk/>
+            <pc:sldMk cId="0" sldId="256"/>
+            <ac:spMk id="12" creationId="{C0A57A26-ECBF-4A8A-B307-41F0BDD94B37}"/>
+          </ac:spMkLst>
+        </pc:spChg>
+        <pc:spChg chg="add del">
+          <ac:chgData name="Sanghrajka, Nilay" userId="S::nsanghrajka@qa.com::90676bf2-d554-49a4-8c85-d6c77d9d4985" providerId="AD" clId="Web-{A6F6A7F1-DF8D-4EA6-C020-66027388421C}" dt="2020-09-09T08:36:01.388" v="9"/>
+          <ac:spMkLst>
+            <pc:docMk/>
+            <pc:sldMk cId="0" sldId="256"/>
+            <ac:spMk id="17" creationId="{C6D1D399-BF36-47E7-B5BF-5362EEE20A5B}"/>
+          </ac:spMkLst>
+        </pc:spChg>
+        <pc:spChg chg="add del">
+          <ac:chgData name="Sanghrajka, Nilay" userId="S::nsanghrajka@qa.com::90676bf2-d554-49a4-8c85-d6c77d9d4985" providerId="AD" clId="Web-{A6F6A7F1-DF8D-4EA6-C020-66027388421C}" dt="2020-09-09T08:36:01.388" v="9"/>
+          <ac:spMkLst>
+            <pc:docMk/>
+            <pc:sldMk cId="0" sldId="256"/>
+            <ac:spMk id="19" creationId="{5531F876-DD64-45F5-9D2F-5B0329068DA7}"/>
+          </ac:spMkLst>
+        </pc:spChg>
+        <pc:picChg chg="add">
+          <ac:chgData name="Sanghrajka, Nilay" userId="S::nsanghrajka@qa.com::90676bf2-d554-49a4-8c85-d6c77d9d4985" providerId="AD" clId="Web-{A6F6A7F1-DF8D-4EA6-C020-66027388421C}" dt="2020-09-09T08:37:08.921" v="36"/>
+          <ac:picMkLst>
+            <pc:docMk/>
+            <pc:sldMk cId="0" sldId="256"/>
+            <ac:picMk id="4" creationId="{A1C20DB1-7C21-4E06-B87E-9D6584E49BC0}"/>
+          </ac:picMkLst>
+        </pc:picChg>
+        <pc:picChg chg="add">
+          <ac:chgData name="Sanghrajka, Nilay" userId="S::nsanghrajka@qa.com::90676bf2-d554-49a4-8c85-d6c77d9d4985" providerId="AD" clId="Web-{A6F6A7F1-DF8D-4EA6-C020-66027388421C}" dt="2020-09-09T08:37:18.484" v="39"/>
+          <ac:picMkLst>
+            <pc:docMk/>
+            <pc:sldMk cId="0" sldId="256"/>
+            <ac:picMk id="7" creationId="{099F258B-6F14-4AD7-9258-DD2E27DAFB21}"/>
+          </ac:picMkLst>
+        </pc:picChg>
+      </pc:sldChg>
+      <pc:sldChg chg="addSp delSp modSp mod modClrScheme chgLayout">
+        <pc:chgData name="Sanghrajka, Nilay" userId="S::nsanghrajka@qa.com::90676bf2-d554-49a4-8c85-d6c77d9d4985" providerId="AD" clId="Web-{A6F6A7F1-DF8D-4EA6-C020-66027388421C}" dt="2020-09-09T08:37:14.218" v="38"/>
+        <pc:sldMkLst>
+          <pc:docMk/>
+          <pc:sldMk cId="0" sldId="257"/>
+        </pc:sldMkLst>
+        <pc:spChg chg="mod ord">
+          <ac:chgData name="Sanghrajka, Nilay" userId="S::nsanghrajka@qa.com::90676bf2-d554-49a4-8c85-d6c77d9d4985" providerId="AD" clId="Web-{A6F6A7F1-DF8D-4EA6-C020-66027388421C}" dt="2020-09-09T08:36:01.388" v="9"/>
+          <ac:spMkLst>
+            <pc:docMk/>
+            <pc:sldMk cId="0" sldId="257"/>
+            <ac:spMk id="2" creationId="{3ED1EB96-A315-417F-A86D-11B83777531F}"/>
+          </ac:spMkLst>
+        </pc:spChg>
+        <pc:spChg chg="mod ord">
+          <ac:chgData name="Sanghrajka, Nilay" userId="S::nsanghrajka@qa.com::90676bf2-d554-49a4-8c85-d6c77d9d4985" providerId="AD" clId="Web-{A6F6A7F1-DF8D-4EA6-C020-66027388421C}" dt="2020-09-09T08:36:01.388" v="9"/>
+          <ac:spMkLst>
+            <pc:docMk/>
+            <pc:sldMk cId="0" sldId="257"/>
+            <ac:spMk id="3" creationId="{F1E1249E-9923-4776-8A2E-C8A87BE3F013}"/>
+          </ac:spMkLst>
+        </pc:spChg>
+        <pc:picChg chg="add del">
+          <ac:chgData name="Sanghrajka, Nilay" userId="S::nsanghrajka@qa.com::90676bf2-d554-49a4-8c85-d6c77d9d4985" providerId="AD" clId="Web-{A6F6A7F1-DF8D-4EA6-C020-66027388421C}" dt="2020-09-09T08:37:14.218" v="38"/>
+          <ac:picMkLst>
+            <pc:docMk/>
+            <pc:sldMk cId="0" sldId="257"/>
+            <ac:picMk id="8" creationId="{597C30AC-7495-4130-BB38-E92A229DBEA9}"/>
+          </ac:picMkLst>
+        </pc:picChg>
+      </pc:sldChg>
+      <pc:sldChg chg="modSp mod modClrScheme chgLayout">
+        <pc:chgData name="Sanghrajka, Nilay" userId="S::nsanghrajka@qa.com::90676bf2-d554-49a4-8c85-d6c77d9d4985" providerId="AD" clId="Web-{A6F6A7F1-DF8D-4EA6-C020-66027388421C}" dt="2020-09-09T08:36:01.388" v="9"/>
+        <pc:sldMkLst>
+          <pc:docMk/>
+          <pc:sldMk cId="0" sldId="258"/>
+        </pc:sldMkLst>
+        <pc:spChg chg="mod ord">
+          <ac:chgData name="Sanghrajka, Nilay" userId="S::nsanghrajka@qa.com::90676bf2-d554-49a4-8c85-d6c77d9d4985" providerId="AD" clId="Web-{A6F6A7F1-DF8D-4EA6-C020-66027388421C}" dt="2020-09-09T08:36:01.388" v="9"/>
+          <ac:spMkLst>
+            <pc:docMk/>
+            <pc:sldMk cId="0" sldId="258"/>
+            <ac:spMk id="2" creationId="{5F8EF9F7-9FE7-480A-B60F-CED71D1D93C2}"/>
+          </ac:spMkLst>
+        </pc:spChg>
+        <pc:spChg chg="mod ord">
+          <ac:chgData name="Sanghrajka, Nilay" userId="S::nsanghrajka@qa.com::90676bf2-d554-49a4-8c85-d6c77d9d4985" providerId="AD" clId="Web-{A6F6A7F1-DF8D-4EA6-C020-66027388421C}" dt="2020-09-09T08:36:01.388" v="9"/>
+          <ac:spMkLst>
+            <pc:docMk/>
+            <pc:sldMk cId="0" sldId="258"/>
+            <ac:spMk id="3" creationId="{C00655D3-43C9-4DD4-AA59-0DE5FF5C74CD}"/>
+          </ac:spMkLst>
+        </pc:spChg>
+      </pc:sldChg>
+      <pc:sldChg chg="modSp mod modClrScheme chgLayout">
+        <pc:chgData name="Sanghrajka, Nilay" userId="S::nsanghrajka@qa.com::90676bf2-d554-49a4-8c85-d6c77d9d4985" providerId="AD" clId="Web-{A6F6A7F1-DF8D-4EA6-C020-66027388421C}" dt="2020-09-09T08:49:29.938" v="52" actId="1076"/>
+        <pc:sldMkLst>
+          <pc:docMk/>
+          <pc:sldMk cId="3739178887" sldId="264"/>
+        </pc:sldMkLst>
+        <pc:spChg chg="mod ord">
+          <ac:chgData name="Sanghrajka, Nilay" userId="S::nsanghrajka@qa.com::90676bf2-d554-49a4-8c85-d6c77d9d4985" providerId="AD" clId="Web-{A6F6A7F1-DF8D-4EA6-C020-66027388421C}" dt="2020-09-09T08:36:01.388" v="9"/>
+          <ac:spMkLst>
+            <pc:docMk/>
+            <pc:sldMk cId="3739178887" sldId="264"/>
+            <ac:spMk id="2" creationId="{DF91F68C-DB8F-4C8C-A358-301FE86C5C69}"/>
+          </ac:spMkLst>
+        </pc:spChg>
+        <pc:picChg chg="mod">
+          <ac:chgData name="Sanghrajka, Nilay" userId="S::nsanghrajka@qa.com::90676bf2-d554-49a4-8c85-d6c77d9d4985" providerId="AD" clId="Web-{A6F6A7F1-DF8D-4EA6-C020-66027388421C}" dt="2020-09-09T08:49:29.938" v="52" actId="1076"/>
+          <ac:picMkLst>
+            <pc:docMk/>
+            <pc:sldMk cId="3739178887" sldId="264"/>
+            <ac:picMk id="3" creationId="{153220D1-CF2A-4E71-BDBC-B6C40AD8F50F}"/>
+          </ac:picMkLst>
+        </pc:picChg>
+      </pc:sldChg>
+      <pc:sldChg chg="delSp modSp mod modClrScheme chgLayout">
+        <pc:chgData name="Sanghrajka, Nilay" userId="S::nsanghrajka@qa.com::90676bf2-d554-49a4-8c85-d6c77d9d4985" providerId="AD" clId="Web-{A6F6A7F1-DF8D-4EA6-C020-66027388421C}" dt="2020-09-09T08:49:19.094" v="50" actId="1076"/>
+        <pc:sldMkLst>
+          <pc:docMk/>
+          <pc:sldMk cId="441691546" sldId="265"/>
+        </pc:sldMkLst>
+        <pc:spChg chg="mod ord">
+          <ac:chgData name="Sanghrajka, Nilay" userId="S::nsanghrajka@qa.com::90676bf2-d554-49a4-8c85-d6c77d9d4985" providerId="AD" clId="Web-{A6F6A7F1-DF8D-4EA6-C020-66027388421C}" dt="2020-09-09T08:36:01.388" v="9"/>
+          <ac:spMkLst>
+            <pc:docMk/>
+            <pc:sldMk cId="441691546" sldId="265"/>
+            <ac:spMk id="2" creationId="{DF91F68C-DB8F-4C8C-A358-301FE86C5C69}"/>
+          </ac:spMkLst>
+        </pc:spChg>
+        <pc:spChg chg="del mod ord">
+          <ac:chgData name="Sanghrajka, Nilay" userId="S::nsanghrajka@qa.com::90676bf2-d554-49a4-8c85-d6c77d9d4985" providerId="AD" clId="Web-{A6F6A7F1-DF8D-4EA6-C020-66027388421C}" dt="2020-09-09T08:49:09.328" v="47"/>
+          <ac:spMkLst>
+            <pc:docMk/>
+            <pc:sldMk cId="441691546" sldId="265"/>
+            <ac:spMk id="49" creationId="{D1B7E509-B012-437C-9F5E-0D8DA83B4673}"/>
+          </ac:spMkLst>
+        </pc:spChg>
+        <pc:picChg chg="mod">
+          <ac:chgData name="Sanghrajka, Nilay" userId="S::nsanghrajka@qa.com::90676bf2-d554-49a4-8c85-d6c77d9d4985" providerId="AD" clId="Web-{A6F6A7F1-DF8D-4EA6-C020-66027388421C}" dt="2020-09-09T08:49:19.094" v="50" actId="1076"/>
+          <ac:picMkLst>
+            <pc:docMk/>
+            <pc:sldMk cId="441691546" sldId="265"/>
+            <ac:picMk id="5" creationId="{809CABAF-D0C6-4ECB-AE66-5ED583DF9943}"/>
+          </ac:picMkLst>
+        </pc:picChg>
+      </pc:sldChg>
+      <pc:sldChg chg="modSp mod modClrScheme chgLayout">
+        <pc:chgData name="Sanghrajka, Nilay" userId="S::nsanghrajka@qa.com::90676bf2-d554-49a4-8c85-d6c77d9d4985" providerId="AD" clId="Web-{A6F6A7F1-DF8D-4EA6-C020-66027388421C}" dt="2020-09-09T08:36:01.388" v="9"/>
+        <pc:sldMkLst>
+          <pc:docMk/>
+          <pc:sldMk cId="28597378" sldId="267"/>
+        </pc:sldMkLst>
+        <pc:spChg chg="mod ord">
+          <ac:chgData name="Sanghrajka, Nilay" userId="S::nsanghrajka@qa.com::90676bf2-d554-49a4-8c85-d6c77d9d4985" providerId="AD" clId="Web-{A6F6A7F1-DF8D-4EA6-C020-66027388421C}" dt="2020-09-09T08:36:01.388" v="9"/>
+          <ac:spMkLst>
+            <pc:docMk/>
+            <pc:sldMk cId="28597378" sldId="267"/>
+            <ac:spMk id="2" creationId="{DF91F68C-DB8F-4C8C-A358-301FE86C5C69}"/>
+          </ac:spMkLst>
+        </pc:spChg>
+      </pc:sldChg>
+      <pc:sldChg chg="modSp mod modClrScheme chgLayout">
+        <pc:chgData name="Sanghrajka, Nilay" userId="S::nsanghrajka@qa.com::90676bf2-d554-49a4-8c85-d6c77d9d4985" providerId="AD" clId="Web-{A6F6A7F1-DF8D-4EA6-C020-66027388421C}" dt="2020-09-09T08:36:01.388" v="9"/>
+        <pc:sldMkLst>
+          <pc:docMk/>
+          <pc:sldMk cId="1248662091" sldId="268"/>
+        </pc:sldMkLst>
+        <pc:spChg chg="mod ord">
+          <ac:chgData name="Sanghrajka, Nilay" userId="S::nsanghrajka@qa.com::90676bf2-d554-49a4-8c85-d6c77d9d4985" providerId="AD" clId="Web-{A6F6A7F1-DF8D-4EA6-C020-66027388421C}" dt="2020-09-09T08:36:01.388" v="9"/>
+          <ac:spMkLst>
+            <pc:docMk/>
+            <pc:sldMk cId="1248662091" sldId="268"/>
+            <ac:spMk id="2" creationId="{DF91F68C-DB8F-4C8C-A358-301FE86C5C69}"/>
+          </ac:spMkLst>
+        </pc:spChg>
+        <pc:spChg chg="mod ord">
+          <ac:chgData name="Sanghrajka, Nilay" userId="S::nsanghrajka@qa.com::90676bf2-d554-49a4-8c85-d6c77d9d4985" providerId="AD" clId="Web-{A6F6A7F1-DF8D-4EA6-C020-66027388421C}" dt="2020-09-09T08:36:01.388" v="9"/>
+          <ac:spMkLst>
+            <pc:docMk/>
+            <pc:sldMk cId="1248662091" sldId="268"/>
+            <ac:spMk id="5" creationId="{A63E397D-D3DD-401B-91CF-02F4777CE849}"/>
+          </ac:spMkLst>
+        </pc:spChg>
+      </pc:sldChg>
+      <pc:sldChg chg="modSp mod modClrScheme chgLayout">
+        <pc:chgData name="Sanghrajka, Nilay" userId="S::nsanghrajka@qa.com::90676bf2-d554-49a4-8c85-d6c77d9d4985" providerId="AD" clId="Web-{A6F6A7F1-DF8D-4EA6-C020-66027388421C}" dt="2020-09-09T08:36:01.388" v="9"/>
+        <pc:sldMkLst>
+          <pc:docMk/>
+          <pc:sldMk cId="3849870464" sldId="270"/>
+        </pc:sldMkLst>
+        <pc:spChg chg="mod ord">
+          <ac:chgData name="Sanghrajka, Nilay" userId="S::nsanghrajka@qa.com::90676bf2-d554-49a4-8c85-d6c77d9d4985" providerId="AD" clId="Web-{A6F6A7F1-DF8D-4EA6-C020-66027388421C}" dt="2020-09-09T08:36:01.388" v="9"/>
+          <ac:spMkLst>
+            <pc:docMk/>
+            <pc:sldMk cId="3849870464" sldId="270"/>
+            <ac:spMk id="2" creationId="{DF91F68C-DB8F-4C8C-A358-301FE86C5C69}"/>
+          </ac:spMkLst>
+        </pc:spChg>
+        <pc:picChg chg="mod ord">
+          <ac:chgData name="Sanghrajka, Nilay" userId="S::nsanghrajka@qa.com::90676bf2-d554-49a4-8c85-d6c77d9d4985" providerId="AD" clId="Web-{A6F6A7F1-DF8D-4EA6-C020-66027388421C}" dt="2020-09-09T08:36:01.388" v="9"/>
+          <ac:picMkLst>
+            <pc:docMk/>
+            <pc:sldMk cId="3849870464" sldId="270"/>
+            <ac:picMk id="3" creationId="{0E7E76A1-A64D-44DA-9D54-C2BBD7405DEC}"/>
+          </ac:picMkLst>
+        </pc:picChg>
+      </pc:sldChg>
+      <pc:sldChg chg="modSp mod modClrScheme chgLayout">
+        <pc:chgData name="Sanghrajka, Nilay" userId="S::nsanghrajka@qa.com::90676bf2-d554-49a4-8c85-d6c77d9d4985" providerId="AD" clId="Web-{A6F6A7F1-DF8D-4EA6-C020-66027388421C}" dt="2020-09-09T08:49:23.688" v="51" actId="1076"/>
+        <pc:sldMkLst>
+          <pc:docMk/>
+          <pc:sldMk cId="121747750" sldId="271"/>
+        </pc:sldMkLst>
+        <pc:spChg chg="mod ord">
+          <ac:chgData name="Sanghrajka, Nilay" userId="S::nsanghrajka@qa.com::90676bf2-d554-49a4-8c85-d6c77d9d4985" providerId="AD" clId="Web-{A6F6A7F1-DF8D-4EA6-C020-66027388421C}" dt="2020-09-09T08:36:01.388" v="9"/>
+          <ac:spMkLst>
+            <pc:docMk/>
+            <pc:sldMk cId="121747750" sldId="271"/>
+            <ac:spMk id="2" creationId="{DF91F68C-DB8F-4C8C-A358-301FE86C5C69}"/>
+          </ac:spMkLst>
+        </pc:spChg>
+        <pc:picChg chg="mod">
+          <ac:chgData name="Sanghrajka, Nilay" userId="S::nsanghrajka@qa.com::90676bf2-d554-49a4-8c85-d6c77d9d4985" providerId="AD" clId="Web-{A6F6A7F1-DF8D-4EA6-C020-66027388421C}" dt="2020-09-09T08:49:23.688" v="51" actId="1076"/>
+          <ac:picMkLst>
+            <pc:docMk/>
+            <pc:sldMk cId="121747750" sldId="271"/>
+            <ac:picMk id="4" creationId="{A95E7A09-77D6-46E3-BBB9-27E327EDA110}"/>
+          </ac:picMkLst>
+        </pc:picChg>
+      </pc:sldChg>
+      <pc:sldChg chg="modSp mod modClrScheme chgLayout">
+        <pc:chgData name="Sanghrajka, Nilay" userId="S::nsanghrajka@qa.com::90676bf2-d554-49a4-8c85-d6c77d9d4985" providerId="AD" clId="Web-{A6F6A7F1-DF8D-4EA6-C020-66027388421C}" dt="2020-09-09T08:36:01.388" v="9"/>
+        <pc:sldMkLst>
+          <pc:docMk/>
+          <pc:sldMk cId="3378173908" sldId="272"/>
+        </pc:sldMkLst>
+        <pc:spChg chg="mod ord">
+          <ac:chgData name="Sanghrajka, Nilay" userId="S::nsanghrajka@qa.com::90676bf2-d554-49a4-8c85-d6c77d9d4985" providerId="AD" clId="Web-{A6F6A7F1-DF8D-4EA6-C020-66027388421C}" dt="2020-09-09T08:36:01.388" v="9"/>
+          <ac:spMkLst>
+            <pc:docMk/>
+            <pc:sldMk cId="3378173908" sldId="272"/>
+            <ac:spMk id="2" creationId="{DF91F68C-DB8F-4C8C-A358-301FE86C5C69}"/>
+          </ac:spMkLst>
+        </pc:spChg>
+      </pc:sldChg>
+      <pc:sldChg chg="modSp mod modClrScheme chgLayout">
+        <pc:chgData name="Sanghrajka, Nilay" userId="S::nsanghrajka@qa.com::90676bf2-d554-49a4-8c85-d6c77d9d4985" providerId="AD" clId="Web-{A6F6A7F1-DF8D-4EA6-C020-66027388421C}" dt="2020-09-09T08:36:01.388" v="9"/>
+        <pc:sldMkLst>
+          <pc:docMk/>
+          <pc:sldMk cId="880682679" sldId="273"/>
+        </pc:sldMkLst>
+        <pc:spChg chg="mod ord">
+          <ac:chgData name="Sanghrajka, Nilay" userId="S::nsanghrajka@qa.com::90676bf2-d554-49a4-8c85-d6c77d9d4985" providerId="AD" clId="Web-{A6F6A7F1-DF8D-4EA6-C020-66027388421C}" dt="2020-09-09T08:36:01.388" v="9"/>
+          <ac:spMkLst>
+            <pc:docMk/>
+            <pc:sldMk cId="880682679" sldId="273"/>
+            <ac:spMk id="2" creationId="{DF91F68C-DB8F-4C8C-A358-301FE86C5C69}"/>
+          </ac:spMkLst>
+        </pc:spChg>
+      </pc:sldChg>
+      <pc:sldMasterChg chg="del mod setBg delSldLayout modSldLayout">
+        <pc:chgData name="Sanghrajka, Nilay" userId="S::nsanghrajka@qa.com::90676bf2-d554-49a4-8c85-d6c77d9d4985" providerId="AD" clId="Web-{A6F6A7F1-DF8D-4EA6-C020-66027388421C}" dt="2020-09-09T08:36:01.388" v="9"/>
+        <pc:sldMasterMkLst>
+          <pc:docMk/>
+          <pc:sldMasterMk cId="747619563" sldId="2147483660"/>
+        </pc:sldMasterMkLst>
+        <pc:sldLayoutChg chg="del mod setFolMasterObjs">
+          <pc:chgData name="Sanghrajka, Nilay" userId="S::nsanghrajka@qa.com::90676bf2-d554-49a4-8c85-d6c77d9d4985" providerId="AD" clId="Web-{A6F6A7F1-DF8D-4EA6-C020-66027388421C}" dt="2020-09-09T08:36:01.388" v="9"/>
+          <pc:sldLayoutMkLst>
+            <pc:docMk/>
+            <pc:sldMasterMk cId="747619563" sldId="2147483660"/>
+            <pc:sldLayoutMk cId="1363536477" sldId="2147483661"/>
+          </pc:sldLayoutMkLst>
+        </pc:sldLayoutChg>
+        <pc:sldLayoutChg chg="del mod">
+          <pc:chgData name="Sanghrajka, Nilay" userId="S::nsanghrajka@qa.com::90676bf2-d554-49a4-8c85-d6c77d9d4985" providerId="AD" clId="Web-{A6F6A7F1-DF8D-4EA6-C020-66027388421C}" dt="2020-09-09T08:36:01.388" v="9"/>
+          <pc:sldLayoutMkLst>
+            <pc:docMk/>
+            <pc:sldMasterMk cId="747619563" sldId="2147483660"/>
+            <pc:sldLayoutMk cId="4082175634" sldId="2147483662"/>
+          </pc:sldLayoutMkLst>
+        </pc:sldLayoutChg>
+        <pc:sldLayoutChg chg="del mod setFolMasterObjs">
+          <pc:chgData name="Sanghrajka, Nilay" userId="S::nsanghrajka@qa.com::90676bf2-d554-49a4-8c85-d6c77d9d4985" providerId="AD" clId="Web-{A6F6A7F1-DF8D-4EA6-C020-66027388421C}" dt="2020-09-09T08:36:01.388" v="9"/>
+          <pc:sldLayoutMkLst>
+            <pc:docMk/>
+            <pc:sldMasterMk cId="747619563" sldId="2147483660"/>
+            <pc:sldLayoutMk cId="2809430582" sldId="2147483663"/>
+          </pc:sldLayoutMkLst>
+        </pc:sldLayoutChg>
+        <pc:sldLayoutChg chg="del mod">
+          <pc:chgData name="Sanghrajka, Nilay" userId="S::nsanghrajka@qa.com::90676bf2-d554-49a4-8c85-d6c77d9d4985" providerId="AD" clId="Web-{A6F6A7F1-DF8D-4EA6-C020-66027388421C}" dt="2020-09-09T08:36:01.388" v="9"/>
+          <pc:sldLayoutMkLst>
+            <pc:docMk/>
+            <pc:sldMasterMk cId="747619563" sldId="2147483660"/>
+            <pc:sldLayoutMk cId="3460079454" sldId="2147483664"/>
+          </pc:sldLayoutMkLst>
+        </pc:sldLayoutChg>
+        <pc:sldLayoutChg chg="del mod">
+          <pc:chgData name="Sanghrajka, Nilay" userId="S::nsanghrajka@qa.com::90676bf2-d554-49a4-8c85-d6c77d9d4985" providerId="AD" clId="Web-{A6F6A7F1-DF8D-4EA6-C020-66027388421C}" dt="2020-09-09T08:36:01.388" v="9"/>
+          <pc:sldLayoutMkLst>
+            <pc:docMk/>
+            <pc:sldMasterMk cId="747619563" sldId="2147483660"/>
+            <pc:sldLayoutMk cId="3606676941" sldId="2147483665"/>
+          </pc:sldLayoutMkLst>
+        </pc:sldLayoutChg>
+        <pc:sldLayoutChg chg="del mod">
+          <pc:chgData name="Sanghrajka, Nilay" userId="S::nsanghrajka@qa.com::90676bf2-d554-49a4-8c85-d6c77d9d4985" providerId="AD" clId="Web-{A6F6A7F1-DF8D-4EA6-C020-66027388421C}" dt="2020-09-09T08:36:01.388" v="9"/>
+          <pc:sldLayoutMkLst>
+            <pc:docMk/>
+            <pc:sldMasterMk cId="747619563" sldId="2147483660"/>
+            <pc:sldLayoutMk cId="1834288298" sldId="2147483666"/>
+          </pc:sldLayoutMkLst>
+        </pc:sldLayoutChg>
+        <pc:sldLayoutChg chg="del mod setFolMasterObjs">
+          <pc:chgData name="Sanghrajka, Nilay" userId="S::nsanghrajka@qa.com::90676bf2-d554-49a4-8c85-d6c77d9d4985" providerId="AD" clId="Web-{A6F6A7F1-DF8D-4EA6-C020-66027388421C}" dt="2020-09-09T08:36:01.388" v="9"/>
+          <pc:sldLayoutMkLst>
+            <pc:docMk/>
+            <pc:sldMasterMk cId="747619563" sldId="2147483660"/>
+            <pc:sldLayoutMk cId="2092328053" sldId="2147483667"/>
+          </pc:sldLayoutMkLst>
+        </pc:sldLayoutChg>
+        <pc:sldLayoutChg chg="del mod">
+          <pc:chgData name="Sanghrajka, Nilay" userId="S::nsanghrajka@qa.com::90676bf2-d554-49a4-8c85-d6c77d9d4985" providerId="AD" clId="Web-{A6F6A7F1-DF8D-4EA6-C020-66027388421C}" dt="2020-09-09T08:36:01.388" v="9"/>
+          <pc:sldLayoutMkLst>
+            <pc:docMk/>
+            <pc:sldMasterMk cId="747619563" sldId="2147483660"/>
+            <pc:sldLayoutMk cId="4281286813" sldId="2147483668"/>
+          </pc:sldLayoutMkLst>
+        </pc:sldLayoutChg>
+        <pc:sldLayoutChg chg="del mod">
+          <pc:chgData name="Sanghrajka, Nilay" userId="S::nsanghrajka@qa.com::90676bf2-d554-49a4-8c85-d6c77d9d4985" providerId="AD" clId="Web-{A6F6A7F1-DF8D-4EA6-C020-66027388421C}" dt="2020-09-09T08:36:01.388" v="9"/>
+          <pc:sldLayoutMkLst>
+            <pc:docMk/>
+            <pc:sldMasterMk cId="747619563" sldId="2147483660"/>
+            <pc:sldLayoutMk cId="2288321782" sldId="2147483669"/>
+          </pc:sldLayoutMkLst>
+        </pc:sldLayoutChg>
+        <pc:sldLayoutChg chg="del mod">
+          <pc:chgData name="Sanghrajka, Nilay" userId="S::nsanghrajka@qa.com::90676bf2-d554-49a4-8c85-d6c77d9d4985" providerId="AD" clId="Web-{A6F6A7F1-DF8D-4EA6-C020-66027388421C}" dt="2020-09-09T08:36:01.388" v="9"/>
+          <pc:sldLayoutMkLst>
+            <pc:docMk/>
+            <pc:sldMasterMk cId="747619563" sldId="2147483660"/>
+            <pc:sldLayoutMk cId="3677330844" sldId="2147483670"/>
+          </pc:sldLayoutMkLst>
+        </pc:sldLayoutChg>
+        <pc:sldLayoutChg chg="del mod setFolMasterObjs">
+          <pc:chgData name="Sanghrajka, Nilay" userId="S::nsanghrajka@qa.com::90676bf2-d554-49a4-8c85-d6c77d9d4985" providerId="AD" clId="Web-{A6F6A7F1-DF8D-4EA6-C020-66027388421C}" dt="2020-09-09T08:36:01.388" v="9"/>
+          <pc:sldLayoutMkLst>
+            <pc:docMk/>
+            <pc:sldMasterMk cId="747619563" sldId="2147483660"/>
+            <pc:sldLayoutMk cId="2482985998" sldId="2147483671"/>
+          </pc:sldLayoutMkLst>
+        </pc:sldLayoutChg>
+      </pc:sldMasterChg>
+      <pc:sldMasterChg chg="add addSldLayout modSldLayout">
+        <pc:chgData name="Sanghrajka, Nilay" userId="S::nsanghrajka@qa.com::90676bf2-d554-49a4-8c85-d6c77d9d4985" providerId="AD" clId="Web-{A6F6A7F1-DF8D-4EA6-C020-66027388421C}" dt="2020-09-09T08:36:01.388" v="9"/>
+        <pc:sldMasterMkLst>
+          <pc:docMk/>
+          <pc:sldMasterMk cId="2884937734" sldId="2147483672"/>
+        </pc:sldMasterMkLst>
+        <pc:sldLayoutChg chg="add mod replId">
+          <pc:chgData name="Sanghrajka, Nilay" userId="S::nsanghrajka@qa.com::90676bf2-d554-49a4-8c85-d6c77d9d4985" providerId="AD" clId="Web-{A6F6A7F1-DF8D-4EA6-C020-66027388421C}" dt="2020-09-09T08:36:01.388" v="9"/>
+          <pc:sldLayoutMkLst>
+            <pc:docMk/>
+            <pc:sldMasterMk cId="2884937734" sldId="2147483672"/>
+            <pc:sldLayoutMk cId="3841996719" sldId="2147483673"/>
+          </pc:sldLayoutMkLst>
+        </pc:sldLayoutChg>
+        <pc:sldLayoutChg chg="add mod replId">
+          <pc:chgData name="Sanghrajka, Nilay" userId="S::nsanghrajka@qa.com::90676bf2-d554-49a4-8c85-d6c77d9d4985" providerId="AD" clId="Web-{A6F6A7F1-DF8D-4EA6-C020-66027388421C}" dt="2020-09-09T08:36:01.388" v="9"/>
+          <pc:sldLayoutMkLst>
+            <pc:docMk/>
+            <pc:sldMasterMk cId="2884937734" sldId="2147483672"/>
+            <pc:sldLayoutMk cId="4127993942" sldId="2147483674"/>
+          </pc:sldLayoutMkLst>
+        </pc:sldLayoutChg>
+        <pc:sldLayoutChg chg="add mod replId">
+          <pc:chgData name="Sanghrajka, Nilay" userId="S::nsanghrajka@qa.com::90676bf2-d554-49a4-8c85-d6c77d9d4985" providerId="AD" clId="Web-{A6F6A7F1-DF8D-4EA6-C020-66027388421C}" dt="2020-09-09T08:36:01.388" v="9"/>
+          <pc:sldLayoutMkLst>
+            <pc:docMk/>
+            <pc:sldMasterMk cId="2884937734" sldId="2147483672"/>
+            <pc:sldLayoutMk cId="4007926140" sldId="2147483675"/>
+          </pc:sldLayoutMkLst>
+        </pc:sldLayoutChg>
+        <pc:sldLayoutChg chg="add mod replId">
+          <pc:chgData name="Sanghrajka, Nilay" userId="S::nsanghrajka@qa.com::90676bf2-d554-49a4-8c85-d6c77d9d4985" providerId="AD" clId="Web-{A6F6A7F1-DF8D-4EA6-C020-66027388421C}" dt="2020-09-09T08:36:01.388" v="9"/>
+          <pc:sldLayoutMkLst>
+            <pc:docMk/>
+            <pc:sldMasterMk cId="2884937734" sldId="2147483672"/>
+            <pc:sldLayoutMk cId="4216807092" sldId="2147483676"/>
+          </pc:sldLayoutMkLst>
+        </pc:sldLayoutChg>
+        <pc:sldLayoutChg chg="add mod replId">
+          <pc:chgData name="Sanghrajka, Nilay" userId="S::nsanghrajka@qa.com::90676bf2-d554-49a4-8c85-d6c77d9d4985" providerId="AD" clId="Web-{A6F6A7F1-DF8D-4EA6-C020-66027388421C}" dt="2020-09-09T08:36:01.388" v="9"/>
+          <pc:sldLayoutMkLst>
+            <pc:docMk/>
+            <pc:sldMasterMk cId="2884937734" sldId="2147483672"/>
+            <pc:sldLayoutMk cId="3884933974" sldId="2147483677"/>
+          </pc:sldLayoutMkLst>
+        </pc:sldLayoutChg>
+        <pc:sldLayoutChg chg="add mod replId">
+          <pc:chgData name="Sanghrajka, Nilay" userId="S::nsanghrajka@qa.com::90676bf2-d554-49a4-8c85-d6c77d9d4985" providerId="AD" clId="Web-{A6F6A7F1-DF8D-4EA6-C020-66027388421C}" dt="2020-09-09T08:36:01.388" v="9"/>
+          <pc:sldLayoutMkLst>
+            <pc:docMk/>
+            <pc:sldMasterMk cId="2884937734" sldId="2147483672"/>
+            <pc:sldLayoutMk cId="410995617" sldId="2147483678"/>
+          </pc:sldLayoutMkLst>
+        </pc:sldLayoutChg>
+        <pc:sldLayoutChg chg="add mod replId">
+          <pc:chgData name="Sanghrajka, Nilay" userId="S::nsanghrajka@qa.com::90676bf2-d554-49a4-8c85-d6c77d9d4985" providerId="AD" clId="Web-{A6F6A7F1-DF8D-4EA6-C020-66027388421C}" dt="2020-09-09T08:36:01.388" v="9"/>
+          <pc:sldLayoutMkLst>
+            <pc:docMk/>
+            <pc:sldMasterMk cId="2884937734" sldId="2147483672"/>
+            <pc:sldLayoutMk cId="3864645308" sldId="2147483679"/>
+          </pc:sldLayoutMkLst>
+        </pc:sldLayoutChg>
+        <pc:sldLayoutChg chg="add mod replId">
+          <pc:chgData name="Sanghrajka, Nilay" userId="S::nsanghrajka@qa.com::90676bf2-d554-49a4-8c85-d6c77d9d4985" providerId="AD" clId="Web-{A6F6A7F1-DF8D-4EA6-C020-66027388421C}" dt="2020-09-09T08:36:01.388" v="9"/>
+          <pc:sldLayoutMkLst>
+            <pc:docMk/>
+            <pc:sldMasterMk cId="2884937734" sldId="2147483672"/>
+            <pc:sldLayoutMk cId="1828770426" sldId="2147483680"/>
+          </pc:sldLayoutMkLst>
+        </pc:sldLayoutChg>
+        <pc:sldLayoutChg chg="add mod replId">
+          <pc:chgData name="Sanghrajka, Nilay" userId="S::nsanghrajka@qa.com::90676bf2-d554-49a4-8c85-d6c77d9d4985" providerId="AD" clId="Web-{A6F6A7F1-DF8D-4EA6-C020-66027388421C}" dt="2020-09-09T08:36:01.388" v="9"/>
+          <pc:sldLayoutMkLst>
+            <pc:docMk/>
+            <pc:sldMasterMk cId="2884937734" sldId="2147483672"/>
+            <pc:sldLayoutMk cId="900907835" sldId="2147483681"/>
+          </pc:sldLayoutMkLst>
+        </pc:sldLayoutChg>
+        <pc:sldLayoutChg chg="add mod replId">
+          <pc:chgData name="Sanghrajka, Nilay" userId="S::nsanghrajka@qa.com::90676bf2-d554-49a4-8c85-d6c77d9d4985" providerId="AD" clId="Web-{A6F6A7F1-DF8D-4EA6-C020-66027388421C}" dt="2020-09-09T08:36:01.388" v="9"/>
+          <pc:sldLayoutMkLst>
+            <pc:docMk/>
+            <pc:sldMasterMk cId="2884937734" sldId="2147483672"/>
+            <pc:sldLayoutMk cId="3994983434" sldId="2147483682"/>
+          </pc:sldLayoutMkLst>
+        </pc:sldLayoutChg>
+        <pc:sldLayoutChg chg="add mod replId">
+          <pc:chgData name="Sanghrajka, Nilay" userId="S::nsanghrajka@qa.com::90676bf2-d554-49a4-8c85-d6c77d9d4985" providerId="AD" clId="Web-{A6F6A7F1-DF8D-4EA6-C020-66027388421C}" dt="2020-09-09T08:36:01.388" v="9"/>
+          <pc:sldLayoutMkLst>
+            <pc:docMk/>
+            <pc:sldMasterMk cId="2884937734" sldId="2147483672"/>
+            <pc:sldLayoutMk cId="563830316" sldId="2147483683"/>
+          </pc:sldLayoutMkLst>
+        </pc:sldLayoutChg>
+      </pc:sldMasterChg>
+    </pc:docChg>
+  </pc:docChgLst>
+  <pc:docChgLst>
+    <pc:chgData name="Sanghrajka, Nilay" userId="S::nsanghrajka@qa.com::90676bf2-d554-49a4-8c85-d6c77d9d4985" providerId="AD" clId="Web-{BEB68589-F349-453C-4CE9-4A47EF303C9E}"/>
+    <pc:docChg chg="modSld sldOrd modMainMaster">
+      <pc:chgData name="Sanghrajka, Nilay" userId="S::nsanghrajka@qa.com::90676bf2-d554-49a4-8c85-d6c77d9d4985" providerId="AD" clId="Web-{BEB68589-F349-453C-4CE9-4A47EF303C9E}" dt="2020-09-09T09:06:09.634" v="45"/>
+      <pc:docMkLst>
+        <pc:docMk/>
+      </pc:docMkLst>
+      <pc:sldChg chg="modTransition">
+        <pc:chgData name="Sanghrajka, Nilay" userId="S::nsanghrajka@qa.com::90676bf2-d554-49a4-8c85-d6c77d9d4985" providerId="AD" clId="Web-{BEB68589-F349-453C-4CE9-4A47EF303C9E}" dt="2020-09-09T08:59:58.006" v="12"/>
+        <pc:sldMkLst>
+          <pc:docMk/>
+          <pc:sldMk cId="0" sldId="256"/>
+        </pc:sldMkLst>
+      </pc:sldChg>
+      <pc:sldChg chg="modTransition">
+        <pc:chgData name="Sanghrajka, Nilay" userId="S::nsanghrajka@qa.com::90676bf2-d554-49a4-8c85-d6c77d9d4985" providerId="AD" clId="Web-{BEB68589-F349-453C-4CE9-4A47EF303C9E}" dt="2020-09-09T09:06:09.634" v="45"/>
+        <pc:sldMkLst>
+          <pc:docMk/>
+          <pc:sldMk cId="0" sldId="257"/>
+        </pc:sldMkLst>
+      </pc:sldChg>
+      <pc:sldChg chg="modTransition">
+        <pc:chgData name="Sanghrajka, Nilay" userId="S::nsanghrajka@qa.com::90676bf2-d554-49a4-8c85-d6c77d9d4985" providerId="AD" clId="Web-{BEB68589-F349-453C-4CE9-4A47EF303C9E}" dt="2020-09-09T09:05:47.087" v="33"/>
+        <pc:sldMkLst>
+          <pc:docMk/>
+          <pc:sldMk cId="0" sldId="258"/>
+        </pc:sldMkLst>
+      </pc:sldChg>
+      <pc:sldChg chg="modTransition">
+        <pc:chgData name="Sanghrajka, Nilay" userId="S::nsanghrajka@qa.com::90676bf2-d554-49a4-8c85-d6c77d9d4985" providerId="AD" clId="Web-{BEB68589-F349-453C-4CE9-4A47EF303C9E}" dt="2020-09-09T09:05:41.430" v="32"/>
+        <pc:sldMkLst>
+          <pc:docMk/>
+          <pc:sldMk cId="3739178887" sldId="264"/>
+        </pc:sldMkLst>
+      </pc:sldChg>
+      <pc:sldChg chg="modTransition">
+        <pc:chgData name="Sanghrajka, Nilay" userId="S::nsanghrajka@qa.com::90676bf2-d554-49a4-8c85-d6c77d9d4985" providerId="AD" clId="Web-{BEB68589-F349-453C-4CE9-4A47EF303C9E}" dt="2020-09-09T09:05:25.774" v="30"/>
+        <pc:sldMkLst>
+          <pc:docMk/>
+          <pc:sldMk cId="441691546" sldId="265"/>
+        </pc:sldMkLst>
+      </pc:sldChg>
+      <pc:sldChg chg="modTransition">
+        <pc:chgData name="Sanghrajka, Nilay" userId="S::nsanghrajka@qa.com::90676bf2-d554-49a4-8c85-d6c77d9d4985" providerId="AD" clId="Web-{BEB68589-F349-453C-4CE9-4A47EF303C9E}" dt="2020-09-09T09:05:04.883" v="26"/>
+        <pc:sldMkLst>
+          <pc:docMk/>
+          <pc:sldMk cId="28597378" sldId="267"/>
+        </pc:sldMkLst>
+      </pc:sldChg>
+      <pc:sldChg chg="modTransition">
+        <pc:chgData name="Sanghrajka, Nilay" userId="S::nsanghrajka@qa.com::90676bf2-d554-49a4-8c85-d6c77d9d4985" providerId="AD" clId="Web-{BEB68589-F349-453C-4CE9-4A47EF303C9E}" dt="2020-09-09T09:04:59.117" v="25"/>
+        <pc:sldMkLst>
+          <pc:docMk/>
+          <pc:sldMk cId="1248662091" sldId="268"/>
+        </pc:sldMkLst>
+      </pc:sldChg>
+      <pc:sldChg chg="modTransition">
+        <pc:chgData name="Sanghrajka, Nilay" userId="S::nsanghrajka@qa.com::90676bf2-d554-49a4-8c85-d6c77d9d4985" providerId="AD" clId="Web-{BEB68589-F349-453C-4CE9-4A47EF303C9E}" dt="2020-09-09T09:05:10.789" v="27"/>
+        <pc:sldMkLst>
+          <pc:docMk/>
+          <pc:sldMk cId="3849870464" sldId="270"/>
+        </pc:sldMkLst>
+      </pc:sldChg>
+      <pc:sldChg chg="modTransition">
+        <pc:chgData name="Sanghrajka, Nilay" userId="S::nsanghrajka@qa.com::90676bf2-d554-49a4-8c85-d6c77d9d4985" providerId="AD" clId="Web-{BEB68589-F349-453C-4CE9-4A47EF303C9E}" dt="2020-09-09T09:05:30.446" v="31"/>
+        <pc:sldMkLst>
+          <pc:docMk/>
+          <pc:sldMk cId="121747750" sldId="271"/>
+        </pc:sldMkLst>
+      </pc:sldChg>
+      <pc:sldChg chg="modTransition">
+        <pc:chgData name="Sanghrajka, Nilay" userId="S::nsanghrajka@qa.com::90676bf2-d554-49a4-8c85-d6c77d9d4985" providerId="AD" clId="Web-{BEB68589-F349-453C-4CE9-4A47EF303C9E}" dt="2020-09-09T09:05:16.727" v="28"/>
+        <pc:sldMkLst>
+          <pc:docMk/>
+          <pc:sldMk cId="3378173908" sldId="272"/>
+        </pc:sldMkLst>
+      </pc:sldChg>
+      <pc:sldChg chg="ord modTransition">
+        <pc:chgData name="Sanghrajka, Nilay" userId="S::nsanghrajka@qa.com::90676bf2-d554-49a4-8c85-d6c77d9d4985" providerId="AD" clId="Web-{BEB68589-F349-453C-4CE9-4A47EF303C9E}" dt="2020-09-09T09:05:21.524" v="29"/>
+        <pc:sldMkLst>
+          <pc:docMk/>
+          <pc:sldMk cId="880682679" sldId="273"/>
+        </pc:sldMkLst>
+      </pc:sldChg>
+      <pc:sldMasterChg chg="modTransition modSldLayout">
+        <pc:chgData name="Sanghrajka, Nilay" userId="S::nsanghrajka@qa.com::90676bf2-d554-49a4-8c85-d6c77d9d4985" providerId="AD" clId="Web-{BEB68589-F349-453C-4CE9-4A47EF303C9E}" dt="2020-09-09T08:57:39.849" v="6"/>
+        <pc:sldMasterMkLst>
+          <pc:docMk/>
+          <pc:sldMasterMk cId="2884937734" sldId="2147483672"/>
+        </pc:sldMasterMkLst>
+        <pc:sldLayoutChg chg="modTransition">
+          <pc:chgData name="Sanghrajka, Nilay" userId="S::nsanghrajka@qa.com::90676bf2-d554-49a4-8c85-d6c77d9d4985" providerId="AD" clId="Web-{BEB68589-F349-453C-4CE9-4A47EF303C9E}" dt="2020-09-09T08:57:39.849" v="6"/>
+          <pc:sldLayoutMkLst>
+            <pc:docMk/>
+            <pc:sldMasterMk cId="2884937734" sldId="2147483672"/>
+            <pc:sldLayoutMk cId="3841996719" sldId="2147483673"/>
+          </pc:sldLayoutMkLst>
+        </pc:sldLayoutChg>
+        <pc:sldLayoutChg chg="modTransition">
+          <pc:chgData name="Sanghrajka, Nilay" userId="S::nsanghrajka@qa.com::90676bf2-d554-49a4-8c85-d6c77d9d4985" providerId="AD" clId="Web-{BEB68589-F349-453C-4CE9-4A47EF303C9E}" dt="2020-09-09T08:57:39.849" v="6"/>
+          <pc:sldLayoutMkLst>
+            <pc:docMk/>
+            <pc:sldMasterMk cId="2884937734" sldId="2147483672"/>
+            <pc:sldLayoutMk cId="4127993942" sldId="2147483674"/>
+          </pc:sldLayoutMkLst>
+        </pc:sldLayoutChg>
+        <pc:sldLayoutChg chg="modTransition">
+          <pc:chgData name="Sanghrajka, Nilay" userId="S::nsanghrajka@qa.com::90676bf2-d554-49a4-8c85-d6c77d9d4985" providerId="AD" clId="Web-{BEB68589-F349-453C-4CE9-4A47EF303C9E}" dt="2020-09-09T08:57:39.849" v="6"/>
+          <pc:sldLayoutMkLst>
+            <pc:docMk/>
+            <pc:sldMasterMk cId="2884937734" sldId="2147483672"/>
+            <pc:sldLayoutMk cId="4007926140" sldId="2147483675"/>
+          </pc:sldLayoutMkLst>
+        </pc:sldLayoutChg>
+        <pc:sldLayoutChg chg="modTransition">
+          <pc:chgData name="Sanghrajka, Nilay" userId="S::nsanghrajka@qa.com::90676bf2-d554-49a4-8c85-d6c77d9d4985" providerId="AD" clId="Web-{BEB68589-F349-453C-4CE9-4A47EF303C9E}" dt="2020-09-09T08:57:39.849" v="6"/>
+          <pc:sldLayoutMkLst>
+            <pc:docMk/>
+            <pc:sldMasterMk cId="2884937734" sldId="2147483672"/>
+            <pc:sldLayoutMk cId="4216807092" sldId="2147483676"/>
+          </pc:sldLayoutMkLst>
+        </pc:sldLayoutChg>
+        <pc:sldLayoutChg chg="modTransition">
+          <pc:chgData name="Sanghrajka, Nilay" userId="S::nsanghrajka@qa.com::90676bf2-d554-49a4-8c85-d6c77d9d4985" providerId="AD" clId="Web-{BEB68589-F349-453C-4CE9-4A47EF303C9E}" dt="2020-09-09T08:57:39.849" v="6"/>
+          <pc:sldLayoutMkLst>
+            <pc:docMk/>
+            <pc:sldMasterMk cId="2884937734" sldId="2147483672"/>
+            <pc:sldLayoutMk cId="3884933974" sldId="2147483677"/>
+          </pc:sldLayoutMkLst>
+        </pc:sldLayoutChg>
+        <pc:sldLayoutChg chg="modTransition">
+          <pc:chgData name="Sanghrajka, Nilay" userId="S::nsanghrajka@qa.com::90676bf2-d554-49a4-8c85-d6c77d9d4985" providerId="AD" clId="Web-{BEB68589-F349-453C-4CE9-4A47EF303C9E}" dt="2020-09-09T08:57:39.849" v="6"/>
+          <pc:sldLayoutMkLst>
+            <pc:docMk/>
+            <pc:sldMasterMk cId="2884937734" sldId="2147483672"/>
+            <pc:sldLayoutMk cId="410995617" sldId="2147483678"/>
+          </pc:sldLayoutMkLst>
+        </pc:sldLayoutChg>
+        <pc:sldLayoutChg chg="modTransition">
+          <pc:chgData name="Sanghrajka, Nilay" userId="S::nsanghrajka@qa.com::90676bf2-d554-49a4-8c85-d6c77d9d4985" providerId="AD" clId="Web-{BEB68589-F349-453C-4CE9-4A47EF303C9E}" dt="2020-09-09T08:57:39.849" v="6"/>
+          <pc:sldLayoutMkLst>
+            <pc:docMk/>
+            <pc:sldMasterMk cId="2884937734" sldId="2147483672"/>
+            <pc:sldLayoutMk cId="3864645308" sldId="2147483679"/>
+          </pc:sldLayoutMkLst>
+        </pc:sldLayoutChg>
+        <pc:sldLayoutChg chg="modTransition">
+          <pc:chgData name="Sanghrajka, Nilay" userId="S::nsanghrajka@qa.com::90676bf2-d554-49a4-8c85-d6c77d9d4985" providerId="AD" clId="Web-{BEB68589-F349-453C-4CE9-4A47EF303C9E}" dt="2020-09-09T08:57:39.849" v="6"/>
+          <pc:sldLayoutMkLst>
+            <pc:docMk/>
+            <pc:sldMasterMk cId="2884937734" sldId="2147483672"/>
+            <pc:sldLayoutMk cId="1828770426" sldId="2147483680"/>
+          </pc:sldLayoutMkLst>
+        </pc:sldLayoutChg>
+        <pc:sldLayoutChg chg="modTransition">
+          <pc:chgData name="Sanghrajka, Nilay" userId="S::nsanghrajka@qa.com::90676bf2-d554-49a4-8c85-d6c77d9d4985" providerId="AD" clId="Web-{BEB68589-F349-453C-4CE9-4A47EF303C9E}" dt="2020-09-09T08:57:39.849" v="6"/>
+          <pc:sldLayoutMkLst>
+            <pc:docMk/>
+            <pc:sldMasterMk cId="2884937734" sldId="2147483672"/>
+            <pc:sldLayoutMk cId="900907835" sldId="2147483681"/>
+          </pc:sldLayoutMkLst>
+        </pc:sldLayoutChg>
+        <pc:sldLayoutChg chg="modTransition">
+          <pc:chgData name="Sanghrajka, Nilay" userId="S::nsanghrajka@qa.com::90676bf2-d554-49a4-8c85-d6c77d9d4985" providerId="AD" clId="Web-{BEB68589-F349-453C-4CE9-4A47EF303C9E}" dt="2020-09-09T08:57:39.849" v="6"/>
+          <pc:sldLayoutMkLst>
+            <pc:docMk/>
+            <pc:sldMasterMk cId="2884937734" sldId="2147483672"/>
+            <pc:sldLayoutMk cId="3994983434" sldId="2147483682"/>
+          </pc:sldLayoutMkLst>
+        </pc:sldLayoutChg>
+        <pc:sldLayoutChg chg="modTransition">
+          <pc:chgData name="Sanghrajka, Nilay" userId="S::nsanghrajka@qa.com::90676bf2-d554-49a4-8c85-d6c77d9d4985" providerId="AD" clId="Web-{BEB68589-F349-453C-4CE9-4A47EF303C9E}" dt="2020-09-09T08:57:39.849" v="6"/>
+          <pc:sldLayoutMkLst>
+            <pc:docMk/>
+            <pc:sldMasterMk cId="2884937734" sldId="2147483672"/>
+            <pc:sldLayoutMk cId="563830316" sldId="2147483683"/>
+          </pc:sldLayoutMkLst>
+        </pc:sldLayoutChg>
+      </pc:sldMasterChg>
     </pc:docChg>
   </pc:docChgLst>
   <pc:docChgLst>
@@ -774,109 +2114,6 @@
     </pc:docChg>
   </pc:docChgLst>
   <pc:docChgLst>
-    <pc:chgData name="Nilay Sanghrajka" userId="247b90a400b52899" providerId="LiveId" clId="{BB77FE85-67DC-4D30-8EFA-E31A1BC27F29}"/>
-    <pc:docChg chg="custSel addSld modSld">
-      <pc:chgData name="Nilay Sanghrajka" userId="247b90a400b52899" providerId="LiveId" clId="{BB77FE85-67DC-4D30-8EFA-E31A1BC27F29}" dt="2020-09-09T07:58:24.479" v="76" actId="1076"/>
-      <pc:docMkLst>
-        <pc:docMk/>
-      </pc:docMkLst>
-      <pc:sldChg chg="addSp delSp modSp add mod">
-        <pc:chgData name="Nilay Sanghrajka" userId="247b90a400b52899" providerId="LiveId" clId="{BB77FE85-67DC-4D30-8EFA-E31A1BC27F29}" dt="2020-09-09T07:56:27.310" v="50" actId="1076"/>
-        <pc:sldMkLst>
-          <pc:docMk/>
-          <pc:sldMk cId="3378173908" sldId="272"/>
-        </pc:sldMkLst>
-        <pc:spChg chg="mod">
-          <ac:chgData name="Nilay Sanghrajka" userId="247b90a400b52899" providerId="LiveId" clId="{BB77FE85-67DC-4D30-8EFA-E31A1BC27F29}" dt="2020-09-09T07:55:31.607" v="36" actId="6549"/>
-          <ac:spMkLst>
-            <pc:docMk/>
-            <pc:sldMk cId="3378173908" sldId="272"/>
-            <ac:spMk id="2" creationId="{DF91F68C-DB8F-4C8C-A358-301FE86C5C69}"/>
-          </ac:spMkLst>
-        </pc:spChg>
-        <pc:spChg chg="del">
-          <ac:chgData name="Nilay Sanghrajka" userId="247b90a400b52899" providerId="LiveId" clId="{BB77FE85-67DC-4D30-8EFA-E31A1BC27F29}" dt="2020-09-09T07:55:35.831" v="37" actId="478"/>
-          <ac:spMkLst>
-            <pc:docMk/>
-            <pc:sldMk cId="3378173908" sldId="272"/>
-            <ac:spMk id="49" creationId="{D1B7E509-B012-437C-9F5E-0D8DA83B4673}"/>
-          </ac:spMkLst>
-        </pc:spChg>
-        <pc:picChg chg="add mod">
-          <ac:chgData name="Nilay Sanghrajka" userId="247b90a400b52899" providerId="LiveId" clId="{BB77FE85-67DC-4D30-8EFA-E31A1BC27F29}" dt="2020-09-09T07:56:23.473" v="49" actId="1076"/>
-          <ac:picMkLst>
-            <pc:docMk/>
-            <pc:sldMk cId="3378173908" sldId="272"/>
-            <ac:picMk id="3" creationId="{5E37E79F-87A7-4108-9845-FA91CF9F539E}"/>
-          </ac:picMkLst>
-        </pc:picChg>
-        <pc:picChg chg="add mod">
-          <ac:chgData name="Nilay Sanghrajka" userId="247b90a400b52899" providerId="LiveId" clId="{BB77FE85-67DC-4D30-8EFA-E31A1BC27F29}" dt="2020-09-09T07:56:27.310" v="50" actId="1076"/>
-          <ac:picMkLst>
-            <pc:docMk/>
-            <pc:sldMk cId="3378173908" sldId="272"/>
-            <ac:picMk id="4" creationId="{1DCC3D24-D989-4F08-B2A8-E66B2CF04534}"/>
-          </ac:picMkLst>
-        </pc:picChg>
-        <pc:picChg chg="del">
-          <ac:chgData name="Nilay Sanghrajka" userId="247b90a400b52899" providerId="LiveId" clId="{BB77FE85-67DC-4D30-8EFA-E31A1BC27F29}" dt="2020-09-09T07:55:36.614" v="38" actId="478"/>
-          <ac:picMkLst>
-            <pc:docMk/>
-            <pc:sldMk cId="3378173908" sldId="272"/>
-            <ac:picMk id="5" creationId="{809CABAF-D0C6-4ECB-AE66-5ED583DF9943}"/>
-          </ac:picMkLst>
-        </pc:picChg>
-      </pc:sldChg>
-      <pc:sldChg chg="addSp delSp modSp add mod">
-        <pc:chgData name="Nilay Sanghrajka" userId="247b90a400b52899" providerId="LiveId" clId="{BB77FE85-67DC-4D30-8EFA-E31A1BC27F29}" dt="2020-09-09T07:58:24.479" v="76" actId="1076"/>
-        <pc:sldMkLst>
-          <pc:docMk/>
-          <pc:sldMk cId="880682679" sldId="273"/>
-        </pc:sldMkLst>
-        <pc:spChg chg="mod">
-          <ac:chgData name="Nilay Sanghrajka" userId="247b90a400b52899" providerId="LiveId" clId="{BB77FE85-67DC-4D30-8EFA-E31A1BC27F29}" dt="2020-09-09T07:56:40.904" v="57" actId="6549"/>
-          <ac:spMkLst>
-            <pc:docMk/>
-            <pc:sldMk cId="880682679" sldId="273"/>
-            <ac:spMk id="2" creationId="{DF91F68C-DB8F-4C8C-A358-301FE86C5C69}"/>
-          </ac:spMkLst>
-        </pc:spChg>
-        <pc:picChg chg="del mod">
-          <ac:chgData name="Nilay Sanghrajka" userId="247b90a400b52899" providerId="LiveId" clId="{BB77FE85-67DC-4D30-8EFA-E31A1BC27F29}" dt="2020-09-09T07:58:11.752" v="73" actId="478"/>
-          <ac:picMkLst>
-            <pc:docMk/>
-            <pc:sldMk cId="880682679" sldId="273"/>
-            <ac:picMk id="3" creationId="{5E37E79F-87A7-4108-9845-FA91CF9F539E}"/>
-          </ac:picMkLst>
-        </pc:picChg>
-        <pc:picChg chg="del">
-          <ac:chgData name="Nilay Sanghrajka" userId="247b90a400b52899" providerId="LiveId" clId="{BB77FE85-67DC-4D30-8EFA-E31A1BC27F29}" dt="2020-09-09T07:57:11.258" v="61" actId="478"/>
-          <ac:picMkLst>
-            <pc:docMk/>
-            <pc:sldMk cId="880682679" sldId="273"/>
-            <ac:picMk id="4" creationId="{1DCC3D24-D989-4F08-B2A8-E66B2CF04534}"/>
-          </ac:picMkLst>
-        </pc:picChg>
-        <pc:picChg chg="add mod">
-          <ac:chgData name="Nilay Sanghrajka" userId="247b90a400b52899" providerId="LiveId" clId="{BB77FE85-67DC-4D30-8EFA-E31A1BC27F29}" dt="2020-09-09T07:58:22.329" v="75" actId="1076"/>
-          <ac:picMkLst>
-            <pc:docMk/>
-            <pc:sldMk cId="880682679" sldId="273"/>
-            <ac:picMk id="5" creationId="{B322BEBE-86D8-477D-99C9-90E93CF86485}"/>
-          </ac:picMkLst>
-        </pc:picChg>
-        <pc:picChg chg="add mod">
-          <ac:chgData name="Nilay Sanghrajka" userId="247b90a400b52899" providerId="LiveId" clId="{BB77FE85-67DC-4D30-8EFA-E31A1BC27F29}" dt="2020-09-09T07:58:24.479" v="76" actId="1076"/>
-          <ac:picMkLst>
-            <pc:docMk/>
-            <pc:sldMk cId="880682679" sldId="273"/>
-            <ac:picMk id="6" creationId="{60D064C4-79FC-47F0-8ABA-3B305D8A12C1}"/>
-          </ac:picMkLst>
-        </pc:picChg>
-      </pc:sldChg>
-    </pc:docChg>
-  </pc:docChgLst>
-  <pc:docChgLst>
     <pc:chgData name="Nilay Sanghrajka" userId="247b90a400b52899" providerId="LiveId" clId="{E698673C-049D-4AC4-8506-AFFAC6458979}"/>
     <pc:docChg chg="addSld modSld">
       <pc:chgData name="Nilay Sanghrajka" userId="247b90a400b52899" providerId="LiveId" clId="{E698673C-049D-4AC4-8506-AFFAC6458979}" dt="2020-07-17T10:45:27.349" v="14"/>
@@ -916,7 +2153,566 @@
       </pc:sldChg>
     </pc:docChg>
   </pc:docChgLst>
+  <pc:docChgLst>
+    <pc:chgData name="Sanghrajka, Nilay" userId="S::nsanghrajka@qa.com::90676bf2-d554-49a4-8c85-d6c77d9d4985" providerId="AD" clId="Web-{C9D554A2-A716-49AC-B174-644E06A7253D}"/>
+    <pc:docChg chg="modSld">
+      <pc:chgData name="Sanghrajka, Nilay" userId="S::nsanghrajka@qa.com::90676bf2-d554-49a4-8c85-d6c77d9d4985" providerId="AD" clId="Web-{C9D554A2-A716-49AC-B174-644E06A7253D}" dt="2020-09-09T08:33:26.812" v="28" actId="20577"/>
+      <pc:docMkLst>
+        <pc:docMk/>
+      </pc:docMkLst>
+      <pc:sldChg chg="addSp delSp modSp mod setBg">
+        <pc:chgData name="Sanghrajka, Nilay" userId="S::nsanghrajka@qa.com::90676bf2-d554-49a4-8c85-d6c77d9d4985" providerId="AD" clId="Web-{C9D554A2-A716-49AC-B174-644E06A7253D}" dt="2020-09-09T08:33:25.577" v="26" actId="20577"/>
+        <pc:sldMkLst>
+          <pc:docMk/>
+          <pc:sldMk cId="0" sldId="256"/>
+        </pc:sldMkLst>
+        <pc:spChg chg="mod">
+          <ac:chgData name="Sanghrajka, Nilay" userId="S::nsanghrajka@qa.com::90676bf2-d554-49a4-8c85-d6c77d9d4985" providerId="AD" clId="Web-{C9D554A2-A716-49AC-B174-644E06A7253D}" dt="2020-09-09T08:33:25.577" v="26" actId="20577"/>
+          <ac:spMkLst>
+            <pc:docMk/>
+            <pc:sldMk cId="0" sldId="256"/>
+            <ac:spMk id="2" creationId="{D31D2728-CBB6-4C0C-AC4C-174303D16BC7}"/>
+          </ac:spMkLst>
+        </pc:spChg>
+        <pc:spChg chg="mod">
+          <ac:chgData name="Sanghrajka, Nilay" userId="S::nsanghrajka@qa.com::90676bf2-d554-49a4-8c85-d6c77d9d4985" providerId="AD" clId="Web-{C9D554A2-A716-49AC-B174-644E06A7253D}" dt="2020-09-09T08:33:20.468" v="22" actId="1076"/>
+          <ac:spMkLst>
+            <pc:docMk/>
+            <pc:sldMk cId="0" sldId="256"/>
+            <ac:spMk id="3" creationId="{EA38CE1D-E3BB-4D67-8E35-3398AD91E697}"/>
+          </ac:spMkLst>
+        </pc:spChg>
+        <pc:spChg chg="add">
+          <ac:chgData name="Sanghrajka, Nilay" userId="S::nsanghrajka@qa.com::90676bf2-d554-49a4-8c85-d6c77d9d4985" providerId="AD" clId="Web-{C9D554A2-A716-49AC-B174-644E06A7253D}" dt="2020-09-09T08:33:05.062" v="17"/>
+          <ac:spMkLst>
+            <pc:docMk/>
+            <pc:sldMk cId="0" sldId="256"/>
+            <ac:spMk id="5" creationId="{CC828AE3-FA58-43DF-B083-6AA3C102AF0C}"/>
+          </ac:spMkLst>
+        </pc:spChg>
+        <pc:spChg chg="add">
+          <ac:chgData name="Sanghrajka, Nilay" userId="S::nsanghrajka@qa.com::90676bf2-d554-49a4-8c85-d6c77d9d4985" providerId="AD" clId="Web-{C9D554A2-A716-49AC-B174-644E06A7253D}" dt="2020-09-09T08:33:05.062" v="17"/>
+          <ac:spMkLst>
+            <pc:docMk/>
+            <pc:sldMk cId="0" sldId="256"/>
+            <ac:spMk id="6" creationId="{14AF9CD9-31C2-43D9-9F5C-A0E097262D5E}"/>
+          </ac:spMkLst>
+        </pc:spChg>
+        <pc:spChg chg="add del">
+          <ac:chgData name="Sanghrajka, Nilay" userId="S::nsanghrajka@qa.com::90676bf2-d554-49a4-8c85-d6c77d9d4985" providerId="AD" clId="Web-{C9D554A2-A716-49AC-B174-644E06A7253D}" dt="2020-09-09T08:32:42.265" v="16"/>
+          <ac:spMkLst>
+            <pc:docMk/>
+            <pc:sldMk cId="0" sldId="256"/>
+            <ac:spMk id="8" creationId="{04B3A732-BD30-43B3-B22F-86F94190750E}"/>
+          </ac:spMkLst>
+        </pc:spChg>
+        <pc:spChg chg="add del">
+          <ac:chgData name="Sanghrajka, Nilay" userId="S::nsanghrajka@qa.com::90676bf2-d554-49a4-8c85-d6c77d9d4985" providerId="AD" clId="Web-{C9D554A2-A716-49AC-B174-644E06A7253D}" dt="2020-09-09T08:32:42.265" v="16"/>
+          <ac:spMkLst>
+            <pc:docMk/>
+            <pc:sldMk cId="0" sldId="256"/>
+            <ac:spMk id="10" creationId="{CB5978F0-8D3C-4B12-B071-F1254173E35D}"/>
+          </ac:spMkLst>
+        </pc:spChg>
+        <pc:spChg chg="add">
+          <ac:chgData name="Sanghrajka, Nilay" userId="S::nsanghrajka@qa.com::90676bf2-d554-49a4-8c85-d6c77d9d4985" providerId="AD" clId="Web-{C9D554A2-A716-49AC-B174-644E06A7253D}" dt="2020-09-09T08:33:05.062" v="17"/>
+          <ac:spMkLst>
+            <pc:docMk/>
+            <pc:sldMk cId="0" sldId="256"/>
+            <ac:spMk id="12" creationId="{C0A57A26-ECBF-4A8A-B307-41F0BDD94B37}"/>
+          </ac:spMkLst>
+        </pc:spChg>
+      </pc:sldChg>
+      <pc:sldChg chg="addSp modSp">
+        <pc:chgData name="Sanghrajka, Nilay" userId="S::nsanghrajka@qa.com::90676bf2-d554-49a4-8c85-d6c77d9d4985" providerId="AD" clId="Web-{C9D554A2-A716-49AC-B174-644E06A7253D}" dt="2020-09-09T08:29:02.735" v="6" actId="1076"/>
+        <pc:sldMkLst>
+          <pc:docMk/>
+          <pc:sldMk cId="0" sldId="257"/>
+        </pc:sldMkLst>
+        <pc:picChg chg="add mod">
+          <ac:chgData name="Sanghrajka, Nilay" userId="S::nsanghrajka@qa.com::90676bf2-d554-49a4-8c85-d6c77d9d4985" providerId="AD" clId="Web-{C9D554A2-A716-49AC-B174-644E06A7253D}" dt="2020-09-09T08:29:02.735" v="6" actId="1076"/>
+          <ac:picMkLst>
+            <pc:docMk/>
+            <pc:sldMk cId="0" sldId="257"/>
+            <ac:picMk id="4" creationId="{294B0C34-D7C2-4219-938B-9D7830AB239C}"/>
+          </ac:picMkLst>
+        </pc:picChg>
+      </pc:sldChg>
+      <pc:sldChg chg="delSp modSp">
+        <pc:chgData name="Sanghrajka, Nilay" userId="S::nsanghrajka@qa.com::90676bf2-d554-49a4-8c85-d6c77d9d4985" providerId="AD" clId="Web-{C9D554A2-A716-49AC-B174-644E06A7253D}" dt="2020-09-09T08:29:22.985" v="13" actId="1076"/>
+        <pc:sldMkLst>
+          <pc:docMk/>
+          <pc:sldMk cId="3739178887" sldId="264"/>
+        </pc:sldMkLst>
+        <pc:spChg chg="del">
+          <ac:chgData name="Sanghrajka, Nilay" userId="S::nsanghrajka@qa.com::90676bf2-d554-49a4-8c85-d6c77d9d4985" providerId="AD" clId="Web-{C9D554A2-A716-49AC-B174-644E06A7253D}" dt="2020-09-09T08:29:10.016" v="7"/>
+          <ac:spMkLst>
+            <pc:docMk/>
+            <pc:sldMk cId="3739178887" sldId="264"/>
+            <ac:spMk id="7" creationId="{C02301FE-18FF-4457-B142-AD5FF6407A48}"/>
+          </ac:spMkLst>
+        </pc:spChg>
+        <pc:picChg chg="mod">
+          <ac:chgData name="Sanghrajka, Nilay" userId="S::nsanghrajka@qa.com::90676bf2-d554-49a4-8c85-d6c77d9d4985" providerId="AD" clId="Web-{C9D554A2-A716-49AC-B174-644E06A7253D}" dt="2020-09-09T08:29:22.985" v="13" actId="1076"/>
+          <ac:picMkLst>
+            <pc:docMk/>
+            <pc:sldMk cId="3739178887" sldId="264"/>
+            <ac:picMk id="3" creationId="{153220D1-CF2A-4E71-BDBC-B6C40AD8F50F}"/>
+          </ac:picMkLst>
+        </pc:picChg>
+      </pc:sldChg>
+      <pc:sldChg chg="delSp">
+        <pc:chgData name="Sanghrajka, Nilay" userId="S::nsanghrajka@qa.com::90676bf2-d554-49a4-8c85-d6c77d9d4985" providerId="AD" clId="Web-{C9D554A2-A716-49AC-B174-644E06A7253D}" dt="2020-09-09T08:29:44.079" v="14"/>
+        <pc:sldMkLst>
+          <pc:docMk/>
+          <pc:sldMk cId="121747750" sldId="271"/>
+        </pc:sldMkLst>
+        <pc:spChg chg="del">
+          <ac:chgData name="Sanghrajka, Nilay" userId="S::nsanghrajka@qa.com::90676bf2-d554-49a4-8c85-d6c77d9d4985" providerId="AD" clId="Web-{C9D554A2-A716-49AC-B174-644E06A7253D}" dt="2020-09-09T08:29:44.079" v="14"/>
+          <ac:spMkLst>
+            <pc:docMk/>
+            <pc:sldMk cId="121747750" sldId="271"/>
+            <ac:spMk id="7" creationId="{C02301FE-18FF-4457-B142-AD5FF6407A48}"/>
+          </ac:spMkLst>
+        </pc:spChg>
+      </pc:sldChg>
+    </pc:docChg>
+  </pc:docChgLst>
 </pc:chgInfo>
+</file>
+
+<file path=ppt/notesMasters/notesMaster1.xml><?xml version="1.0" encoding="utf-8"?>
+<p:notesMaster xmlns:a="http://schemas.openxmlformats.org/drawingml/2006/main" xmlns:r="http://schemas.openxmlformats.org/officeDocument/2006/relationships" xmlns:p="http://schemas.openxmlformats.org/presentationml/2006/main">
+  <p:cSld>
+    <p:bg>
+      <p:bgRef idx="1001">
+        <a:schemeClr val="bg1"/>
+      </p:bgRef>
+    </p:bg>
+    <p:spTree>
+      <p:nvGrpSpPr>
+        <p:cNvPr id="1" name=""/>
+        <p:cNvGrpSpPr/>
+        <p:nvPr/>
+      </p:nvGrpSpPr>
+      <p:grpSpPr>
+        <a:xfrm>
+          <a:off x="0" y="0"/>
+          <a:ext cx="0" cy="0"/>
+          <a:chOff x="0" y="0"/>
+          <a:chExt cx="0" cy="0"/>
+        </a:xfrm>
+      </p:grpSpPr>
+      <p:sp>
+        <p:nvSpPr>
+          <p:cNvPr id="2" name="Header Placeholder 1"/>
+          <p:cNvSpPr>
+            <a:spLocks noGrp="1"/>
+          </p:cNvSpPr>
+          <p:nvPr>
+            <p:ph type="hdr" sz="quarter"/>
+          </p:nvPr>
+        </p:nvSpPr>
+        <p:spPr>
+          <a:xfrm>
+            <a:off x="0" y="0"/>
+            <a:ext cx="2971800" cy="458788"/>
+          </a:xfrm>
+          <a:prstGeom prst="rect">
+            <a:avLst/>
+          </a:prstGeom>
+        </p:spPr>
+        <p:txBody>
+          <a:bodyPr vert="horz" lIns="91440" tIns="45720" rIns="91440" bIns="45720" rtlCol="0"/>
+          <a:lstStyle>
+            <a:lvl1pPr algn="l">
+              <a:defRPr sz="1200"/>
+            </a:lvl1pPr>
+          </a:lstStyle>
+          <a:p>
+            <a:endParaRPr lang="en-GB"/>
+          </a:p>
+        </p:txBody>
+      </p:sp>
+      <p:sp>
+        <p:nvSpPr>
+          <p:cNvPr id="3" name="Date Placeholder 2"/>
+          <p:cNvSpPr>
+            <a:spLocks noGrp="1"/>
+          </p:cNvSpPr>
+          <p:nvPr>
+            <p:ph type="dt" idx="1"/>
+          </p:nvPr>
+        </p:nvSpPr>
+        <p:spPr>
+          <a:xfrm>
+            <a:off x="3884613" y="0"/>
+            <a:ext cx="2971800" cy="458788"/>
+          </a:xfrm>
+          <a:prstGeom prst="rect">
+            <a:avLst/>
+          </a:prstGeom>
+        </p:spPr>
+        <p:txBody>
+          <a:bodyPr vert="horz" lIns="91440" tIns="45720" rIns="91440" bIns="45720" rtlCol="0"/>
+          <a:lstStyle>
+            <a:lvl1pPr algn="r">
+              <a:defRPr sz="1200"/>
+            </a:lvl1pPr>
+          </a:lstStyle>
+          <a:p>
+            <a:fld id="{0151E480-3B72-46A0-B259-0E0ACB7629EB}" type="datetimeFigureOut">
+              <a:rPr lang="en-GB" smtClean="0"/>
+              <a:t>09/09/2020</a:t>
+            </a:fld>
+            <a:endParaRPr lang="en-GB"/>
+          </a:p>
+        </p:txBody>
+      </p:sp>
+      <p:sp>
+        <p:nvSpPr>
+          <p:cNvPr id="4" name="Slide Image Placeholder 3"/>
+          <p:cNvSpPr>
+            <a:spLocks noGrp="1" noRot="1" noChangeAspect="1"/>
+          </p:cNvSpPr>
+          <p:nvPr>
+            <p:ph type="sldImg" idx="2"/>
+          </p:nvPr>
+        </p:nvSpPr>
+        <p:spPr>
+          <a:xfrm>
+            <a:off x="685800" y="1143000"/>
+            <a:ext cx="5486400" cy="3086100"/>
+          </a:xfrm>
+          <a:prstGeom prst="rect">
+            <a:avLst/>
+          </a:prstGeom>
+          <a:noFill/>
+          <a:ln w="12700">
+            <a:solidFill>
+              <a:prstClr val="black"/>
+            </a:solidFill>
+          </a:ln>
+        </p:spPr>
+        <p:txBody>
+          <a:bodyPr vert="horz" lIns="91440" tIns="45720" rIns="91440" bIns="45720" rtlCol="0" anchor="ctr"/>
+          <a:lstStyle/>
+          <a:p>
+            <a:endParaRPr lang="en-GB"/>
+          </a:p>
+        </p:txBody>
+      </p:sp>
+      <p:sp>
+        <p:nvSpPr>
+          <p:cNvPr id="5" name="Notes Placeholder 4"/>
+          <p:cNvSpPr>
+            <a:spLocks noGrp="1"/>
+          </p:cNvSpPr>
+          <p:nvPr>
+            <p:ph type="body" sz="quarter" idx="3"/>
+          </p:nvPr>
+        </p:nvSpPr>
+        <p:spPr>
+          <a:xfrm>
+            <a:off x="685800" y="4400550"/>
+            <a:ext cx="5486400" cy="3600450"/>
+          </a:xfrm>
+          <a:prstGeom prst="rect">
+            <a:avLst/>
+          </a:prstGeom>
+        </p:spPr>
+        <p:txBody>
+          <a:bodyPr vert="horz" lIns="91440" tIns="45720" rIns="91440" bIns="45720" rtlCol="0"/>
+          <a:lstStyle/>
+          <a:p>
+            <a:pPr lvl="0"/>
+            <a:r>
+              <a:rPr lang="en-US"/>
+              <a:t>Click to edit Master text styles</a:t>
+            </a:r>
+          </a:p>
+          <a:p>
+            <a:pPr lvl="1"/>
+            <a:r>
+              <a:rPr lang="en-US"/>
+              <a:t>Second level</a:t>
+            </a:r>
+          </a:p>
+          <a:p>
+            <a:pPr lvl="2"/>
+            <a:r>
+              <a:rPr lang="en-US"/>
+              <a:t>Third level</a:t>
+            </a:r>
+          </a:p>
+          <a:p>
+            <a:pPr lvl="3"/>
+            <a:r>
+              <a:rPr lang="en-US"/>
+              <a:t>Fourth level</a:t>
+            </a:r>
+          </a:p>
+          <a:p>
+            <a:pPr lvl="4"/>
+            <a:r>
+              <a:rPr lang="en-US"/>
+              <a:t>Fifth level</a:t>
+            </a:r>
+            <a:endParaRPr lang="en-GB"/>
+          </a:p>
+        </p:txBody>
+      </p:sp>
+      <p:sp>
+        <p:nvSpPr>
+          <p:cNvPr id="6" name="Footer Placeholder 5"/>
+          <p:cNvSpPr>
+            <a:spLocks noGrp="1"/>
+          </p:cNvSpPr>
+          <p:nvPr>
+            <p:ph type="ftr" sz="quarter" idx="4"/>
+          </p:nvPr>
+        </p:nvSpPr>
+        <p:spPr>
+          <a:xfrm>
+            <a:off x="0" y="8685213"/>
+            <a:ext cx="2971800" cy="458787"/>
+          </a:xfrm>
+          <a:prstGeom prst="rect">
+            <a:avLst/>
+          </a:prstGeom>
+        </p:spPr>
+        <p:txBody>
+          <a:bodyPr vert="horz" lIns="91440" tIns="45720" rIns="91440" bIns="45720" rtlCol="0" anchor="b"/>
+          <a:lstStyle>
+            <a:lvl1pPr algn="l">
+              <a:defRPr sz="1200"/>
+            </a:lvl1pPr>
+          </a:lstStyle>
+          <a:p>
+            <a:endParaRPr lang="en-GB"/>
+          </a:p>
+        </p:txBody>
+      </p:sp>
+      <p:sp>
+        <p:nvSpPr>
+          <p:cNvPr id="7" name="Slide Number Placeholder 6"/>
+          <p:cNvSpPr>
+            <a:spLocks noGrp="1"/>
+          </p:cNvSpPr>
+          <p:nvPr>
+            <p:ph type="sldNum" sz="quarter" idx="5"/>
+          </p:nvPr>
+        </p:nvSpPr>
+        <p:spPr>
+          <a:xfrm>
+            <a:off x="3884613" y="8685213"/>
+            <a:ext cx="2971800" cy="458787"/>
+          </a:xfrm>
+          <a:prstGeom prst="rect">
+            <a:avLst/>
+          </a:prstGeom>
+        </p:spPr>
+        <p:txBody>
+          <a:bodyPr vert="horz" lIns="91440" tIns="45720" rIns="91440" bIns="45720" rtlCol="0" anchor="b"/>
+          <a:lstStyle>
+            <a:lvl1pPr algn="r">
+              <a:defRPr sz="1200"/>
+            </a:lvl1pPr>
+          </a:lstStyle>
+          <a:p>
+            <a:fld id="{5B2D138A-362D-435E-8718-7776AF01687D}" type="slidenum">
+              <a:rPr lang="en-GB" smtClean="0"/>
+              <a:t>‹#›</a:t>
+            </a:fld>
+            <a:endParaRPr lang="en-GB"/>
+          </a:p>
+        </p:txBody>
+      </p:sp>
+    </p:spTree>
+    <p:extLst>
+      <p:ext uri="{BB962C8B-B14F-4D97-AF65-F5344CB8AC3E}">
+        <p14:creationId xmlns:p14="http://schemas.microsoft.com/office/powerpoint/2010/main" val="3359533605"/>
+      </p:ext>
+    </p:extLst>
+  </p:cSld>
+  <p:clrMap bg1="lt1" tx1="dk1" bg2="lt2" tx2="dk2" accent1="accent1" accent2="accent2" accent3="accent3" accent4="accent4" accent5="accent5" accent6="accent6" hlink="hlink" folHlink="folHlink"/>
+  <p:notesStyle>
+    <a:lvl1pPr marL="0" algn="l" defTabSz="914400" rtl="0" eaLnBrk="1" latinLnBrk="0" hangingPunct="1">
+      <a:defRPr sz="1200" kern="1200">
+        <a:solidFill>
+          <a:schemeClr val="tx1"/>
+        </a:solidFill>
+        <a:latin typeface="+mn-lt"/>
+        <a:ea typeface="+mn-ea"/>
+        <a:cs typeface="+mn-cs"/>
+      </a:defRPr>
+    </a:lvl1pPr>
+    <a:lvl2pPr marL="457200" algn="l" defTabSz="914400" rtl="0" eaLnBrk="1" latinLnBrk="0" hangingPunct="1">
+      <a:defRPr sz="1200" kern="1200">
+        <a:solidFill>
+          <a:schemeClr val="tx1"/>
+        </a:solidFill>
+        <a:latin typeface="+mn-lt"/>
+        <a:ea typeface="+mn-ea"/>
+        <a:cs typeface="+mn-cs"/>
+      </a:defRPr>
+    </a:lvl2pPr>
+    <a:lvl3pPr marL="914400" algn="l" defTabSz="914400" rtl="0" eaLnBrk="1" latinLnBrk="0" hangingPunct="1">
+      <a:defRPr sz="1200" kern="1200">
+        <a:solidFill>
+          <a:schemeClr val="tx1"/>
+        </a:solidFill>
+        <a:latin typeface="+mn-lt"/>
+        <a:ea typeface="+mn-ea"/>
+        <a:cs typeface="+mn-cs"/>
+      </a:defRPr>
+    </a:lvl3pPr>
+    <a:lvl4pPr marL="1371600" algn="l" defTabSz="914400" rtl="0" eaLnBrk="1" latinLnBrk="0" hangingPunct="1">
+      <a:defRPr sz="1200" kern="1200">
+        <a:solidFill>
+          <a:schemeClr val="tx1"/>
+        </a:solidFill>
+        <a:latin typeface="+mn-lt"/>
+        <a:ea typeface="+mn-ea"/>
+        <a:cs typeface="+mn-cs"/>
+      </a:defRPr>
+    </a:lvl4pPr>
+    <a:lvl5pPr marL="1828800" algn="l" defTabSz="914400" rtl="0" eaLnBrk="1" latinLnBrk="0" hangingPunct="1">
+      <a:defRPr sz="1200" kern="1200">
+        <a:solidFill>
+          <a:schemeClr val="tx1"/>
+        </a:solidFill>
+        <a:latin typeface="+mn-lt"/>
+        <a:ea typeface="+mn-ea"/>
+        <a:cs typeface="+mn-cs"/>
+      </a:defRPr>
+    </a:lvl5pPr>
+    <a:lvl6pPr marL="2286000" algn="l" defTabSz="914400" rtl="0" eaLnBrk="1" latinLnBrk="0" hangingPunct="1">
+      <a:defRPr sz="1200" kern="1200">
+        <a:solidFill>
+          <a:schemeClr val="tx1"/>
+        </a:solidFill>
+        <a:latin typeface="+mn-lt"/>
+        <a:ea typeface="+mn-ea"/>
+        <a:cs typeface="+mn-cs"/>
+      </a:defRPr>
+    </a:lvl6pPr>
+    <a:lvl7pPr marL="2743200" algn="l" defTabSz="914400" rtl="0" eaLnBrk="1" latinLnBrk="0" hangingPunct="1">
+      <a:defRPr sz="1200" kern="1200">
+        <a:solidFill>
+          <a:schemeClr val="tx1"/>
+        </a:solidFill>
+        <a:latin typeface="+mn-lt"/>
+        <a:ea typeface="+mn-ea"/>
+        <a:cs typeface="+mn-cs"/>
+      </a:defRPr>
+    </a:lvl7pPr>
+    <a:lvl8pPr marL="3200400" algn="l" defTabSz="914400" rtl="0" eaLnBrk="1" latinLnBrk="0" hangingPunct="1">
+      <a:defRPr sz="1200" kern="1200">
+        <a:solidFill>
+          <a:schemeClr val="tx1"/>
+        </a:solidFill>
+        <a:latin typeface="+mn-lt"/>
+        <a:ea typeface="+mn-ea"/>
+        <a:cs typeface="+mn-cs"/>
+      </a:defRPr>
+    </a:lvl8pPr>
+    <a:lvl9pPr marL="3657600" algn="l" defTabSz="914400" rtl="0" eaLnBrk="1" latinLnBrk="0" hangingPunct="1">
+      <a:defRPr sz="1200" kern="1200">
+        <a:solidFill>
+          <a:schemeClr val="tx1"/>
+        </a:solidFill>
+        <a:latin typeface="+mn-lt"/>
+        <a:ea typeface="+mn-ea"/>
+        <a:cs typeface="+mn-cs"/>
+      </a:defRPr>
+    </a:lvl9pPr>
+  </p:notesStyle>
+</p:notesMaster>
+</file>
+
+<file path=ppt/notesSlides/notesSlide1.xml><?xml version="1.0" encoding="utf-8"?>
+<p:notes xmlns:a="http://schemas.openxmlformats.org/drawingml/2006/main" xmlns:r="http://schemas.openxmlformats.org/officeDocument/2006/relationships" xmlns:p="http://schemas.openxmlformats.org/presentationml/2006/main">
+  <p:cSld>
+    <p:spTree>
+      <p:nvGrpSpPr>
+        <p:cNvPr id="1" name=""/>
+        <p:cNvGrpSpPr/>
+        <p:nvPr/>
+      </p:nvGrpSpPr>
+      <p:grpSpPr>
+        <a:xfrm>
+          <a:off x="0" y="0"/>
+          <a:ext cx="0" cy="0"/>
+          <a:chOff x="0" y="0"/>
+          <a:chExt cx="0" cy="0"/>
+        </a:xfrm>
+      </p:grpSpPr>
+      <p:sp>
+        <p:nvSpPr>
+          <p:cNvPr id="2" name="Slide Image Placeholder 1"/>
+          <p:cNvSpPr>
+            <a:spLocks noGrp="1" noRot="1" noChangeAspect="1"/>
+          </p:cNvSpPr>
+          <p:nvPr>
+            <p:ph type="sldImg"/>
+          </p:nvPr>
+        </p:nvSpPr>
+        <p:spPr/>
+      </p:sp>
+      <p:sp>
+        <p:nvSpPr>
+          <p:cNvPr id="3" name="Notes Placeholder 2"/>
+          <p:cNvSpPr>
+            <a:spLocks noGrp="1"/>
+          </p:cNvSpPr>
+          <p:nvPr>
+            <p:ph type="body" idx="1"/>
+          </p:nvPr>
+        </p:nvSpPr>
+        <p:spPr/>
+        <p:txBody>
+          <a:bodyPr/>
+          <a:lstStyle/>
+          <a:p>
+            <a:endParaRPr lang="en-GB"/>
+          </a:p>
+        </p:txBody>
+      </p:sp>
+      <p:sp>
+        <p:nvSpPr>
+          <p:cNvPr id="4" name="Slide Number Placeholder 3"/>
+          <p:cNvSpPr>
+            <a:spLocks noGrp="1"/>
+          </p:cNvSpPr>
+          <p:nvPr>
+            <p:ph type="sldNum" sz="quarter" idx="5"/>
+          </p:nvPr>
+        </p:nvSpPr>
+        <p:spPr/>
+        <p:txBody>
+          <a:bodyPr/>
+          <a:lstStyle/>
+          <a:p>
+            <a:fld id="{5B2D138A-362D-435E-8718-7776AF01687D}" type="slidenum">
+              <a:rPr lang="en-GB" smtClean="0"/>
+              <a:t>2</a:t>
+            </a:fld>
+            <a:endParaRPr lang="en-GB"/>
+          </a:p>
+        </p:txBody>
+      </p:sp>
+    </p:spTree>
+    <p:extLst>
+      <p:ext uri="{BB962C8B-B14F-4D97-AF65-F5344CB8AC3E}">
+        <p14:creationId xmlns:p14="http://schemas.microsoft.com/office/powerpoint/2010/main" val="3960994758"/>
+      </p:ext>
+    </p:extLst>
+  </p:cSld>
+  <p:clrMapOvr>
+    <a:masterClrMapping/>
+  </p:clrMapOvr>
+</p:notes>
 </file>
 
 <file path=ppt/slideLayouts/slideLayout1.xml><?xml version="1.0" encoding="utf-8"?>
@@ -1007,7 +2803,6 @@
               <a:rPr lang="en-US"/>
               <a:t>Click to edit Master title style</a:t>
             </a:r>
-            <a:endParaRPr lang="en-US" dirty="0"/>
           </a:p>
         </p:txBody>
       </p:sp>
@@ -1074,7 +2869,6 @@
               <a:rPr lang="en-US"/>
               <a:t>Click to edit Master subtitle style</a:t>
             </a:r>
-            <a:endParaRPr lang="en-US" dirty="0"/>
           </a:p>
         </p:txBody>
       </p:sp>
@@ -1093,13 +2887,11 @@
           <a:bodyPr/>
           <a:lstStyle/>
           <a:p>
-            <a:pPr lvl="0"/>
-            <a:fld id="{F00C7BEF-8D95-4F6C-B7E3-FA532C401BD6}" type="datetime1">
-              <a:rPr lang="en-GB" smtClean="0"/>
-              <a:pPr lvl="0"/>
-              <a:t>09/09/2020</a:t>
+            <a:fld id="{96DFF08F-DC6B-4601-B491-B0F83F6DD2DA}" type="datetimeFigureOut">
+              <a:rPr lang="en-US" dirty="0"/>
+              <a:t>9/9/2020</a:t>
             </a:fld>
-            <a:endParaRPr lang="en-GB"/>
+            <a:endParaRPr lang="en-US"/>
           </a:p>
         </p:txBody>
       </p:sp>
@@ -1118,8 +2910,7 @@
           <a:bodyPr/>
           <a:lstStyle/>
           <a:p>
-            <a:pPr lvl="0"/>
-            <a:endParaRPr lang="en-GB"/>
+            <a:endParaRPr lang="en-US"/>
           </a:p>
         </p:txBody>
       </p:sp>
@@ -1138,26 +2929,36 @@
           <a:bodyPr/>
           <a:lstStyle/>
           <a:p>
-            <a:pPr lvl="0"/>
-            <a:fld id="{9A774E77-B9FD-4AC6-AD90-9E1AEF3C65FC}" type="slidenum">
-              <a:rPr lang="en-GB" smtClean="0"/>
+            <a:fld id="{4FAB73BC-B049-4115-A692-8D63A059BFB8}" type="slidenum">
+              <a:rPr lang="en-US" dirty="0"/>
               <a:t>‹#›</a:t>
             </a:fld>
-            <a:endParaRPr lang="en-GB"/>
+            <a:endParaRPr lang="en-US"/>
           </a:p>
         </p:txBody>
       </p:sp>
     </p:spTree>
     <p:extLst>
       <p:ext uri="{BB962C8B-B14F-4D97-AF65-F5344CB8AC3E}">
-        <p14:creationId xmlns:p14="http://schemas.microsoft.com/office/powerpoint/2010/main" val="1363536477"/>
+        <p14:creationId xmlns:p14="http://schemas.microsoft.com/office/powerpoint/2010/main" val="3841996719"/>
       </p:ext>
     </p:extLst>
   </p:cSld>
   <p:clrMapOvr>
     <a:masterClrMapping/>
   </p:clrMapOvr>
-  <p:hf sldNum="0" hdr="0" ftr="0" dt="0"/>
+  <mc:AlternateContent xmlns:mc="http://schemas.openxmlformats.org/markup-compatibility/2006" xmlns:p14="http://schemas.microsoft.com/office/powerpoint/2010/main">
+    <mc:Choice Requires="p14">
+      <p:transition spd="slow" p14:dur="2000">
+        <p:random/>
+      </p:transition>
+    </mc:Choice>
+    <mc:Fallback xmlns="">
+      <p:transition spd="slow">
+        <p:random/>
+      </p:transition>
+    </mc:Fallback>
+  </mc:AlternateContent>
 </p:sldLayout>
 </file>
 
@@ -1197,7 +2998,6 @@
               <a:rPr lang="en-US"/>
               <a:t>Click to edit Master title style</a:t>
             </a:r>
-            <a:endParaRPr lang="en-US" dirty="0"/>
           </a:p>
         </p:txBody>
       </p:sp>
@@ -1249,7 +3049,6 @@
               <a:rPr lang="en-US"/>
               <a:t>Fifth level</a:t>
             </a:r>
-            <a:endParaRPr lang="en-US" dirty="0"/>
           </a:p>
         </p:txBody>
       </p:sp>
@@ -1268,13 +3067,11 @@
           <a:bodyPr/>
           <a:lstStyle/>
           <a:p>
-            <a:pPr lvl="0"/>
-            <a:fld id="{3E7D3C49-DFD4-49C7-8CA6-AC69BA822AE0}" type="datetime1">
-              <a:rPr lang="en-GB" smtClean="0"/>
-              <a:pPr lvl="0"/>
-              <a:t>09/09/2020</a:t>
+            <a:fld id="{96DFF08F-DC6B-4601-B491-B0F83F6DD2DA}" type="datetimeFigureOut">
+              <a:rPr lang="en-US" dirty="0"/>
+              <a:t>9/9/2020</a:t>
             </a:fld>
-            <a:endParaRPr lang="en-GB"/>
+            <a:endParaRPr lang="en-US"/>
           </a:p>
         </p:txBody>
       </p:sp>
@@ -1293,8 +3090,7 @@
           <a:bodyPr/>
           <a:lstStyle/>
           <a:p>
-            <a:pPr lvl="0"/>
-            <a:endParaRPr lang="en-GB"/>
+            <a:endParaRPr lang="en-US"/>
           </a:p>
         </p:txBody>
       </p:sp>
@@ -1313,25 +3109,36 @@
           <a:bodyPr/>
           <a:lstStyle/>
           <a:p>
-            <a:pPr lvl="0"/>
-            <a:fld id="{FE974E08-8EC3-48D7-A413-804549AEE157}" type="slidenum">
-              <a:rPr lang="en-GB" smtClean="0"/>
+            <a:fld id="{4FAB73BC-B049-4115-A692-8D63A059BFB8}" type="slidenum">
+              <a:rPr lang="en-US" dirty="0"/>
               <a:t>‹#›</a:t>
             </a:fld>
-            <a:endParaRPr lang="en-GB"/>
+            <a:endParaRPr lang="en-US"/>
           </a:p>
         </p:txBody>
       </p:sp>
     </p:spTree>
     <p:extLst>
       <p:ext uri="{BB962C8B-B14F-4D97-AF65-F5344CB8AC3E}">
-        <p14:creationId xmlns:p14="http://schemas.microsoft.com/office/powerpoint/2010/main" val="3677330844"/>
+        <p14:creationId xmlns:p14="http://schemas.microsoft.com/office/powerpoint/2010/main" val="3994983434"/>
       </p:ext>
     </p:extLst>
   </p:cSld>
   <p:clrMapOvr>
     <a:masterClrMapping/>
   </p:clrMapOvr>
+  <mc:AlternateContent xmlns:mc="http://schemas.openxmlformats.org/markup-compatibility/2006" xmlns:p14="http://schemas.microsoft.com/office/powerpoint/2010/main">
+    <mc:Choice Requires="p14">
+      <p:transition spd="slow" p14:dur="2000">
+        <p:random/>
+      </p:transition>
+    </mc:Choice>
+    <mc:Fallback xmlns="">
+      <p:transition spd="slow">
+        <p:random/>
+      </p:transition>
+    </mc:Fallback>
+  </mc:AlternateContent>
 </p:sldLayout>
 </file>
 
@@ -1414,7 +3221,6 @@
               <a:rPr lang="en-US"/>
               <a:t>Click to edit Master title style</a:t>
             </a:r>
-            <a:endParaRPr lang="en-US" dirty="0"/>
           </a:p>
         </p:txBody>
       </p:sp>
@@ -1471,7 +3277,6 @@
               <a:rPr lang="en-US"/>
               <a:t>Fifth level</a:t>
             </a:r>
-            <a:endParaRPr lang="en-US" dirty="0"/>
           </a:p>
         </p:txBody>
       </p:sp>
@@ -1495,13 +3300,11 @@
           <a:bodyPr/>
           <a:lstStyle/>
           <a:p>
-            <a:pPr lvl="0"/>
-            <a:fld id="{2DA45339-828F-4998-91B0-AAEC4B6AEA6C}" type="datetime1">
-              <a:rPr lang="en-GB" smtClean="0"/>
-              <a:pPr lvl="0"/>
-              <a:t>09/09/2020</a:t>
+            <a:fld id="{96DFF08F-DC6B-4601-B491-B0F83F6DD2DA}" type="datetimeFigureOut">
+              <a:rPr lang="en-US" dirty="0"/>
+              <a:t>9/9/2020</a:t>
             </a:fld>
-            <a:endParaRPr lang="en-GB"/>
+            <a:endParaRPr lang="en-US"/>
           </a:p>
         </p:txBody>
       </p:sp>
@@ -1525,8 +3328,7 @@
           <a:bodyPr/>
           <a:lstStyle/>
           <a:p>
-            <a:pPr lvl="0"/>
-            <a:endParaRPr lang="en-GB"/>
+            <a:endParaRPr lang="en-US"/>
           </a:p>
         </p:txBody>
       </p:sp>
@@ -1550,25 +3352,36 @@
           <a:bodyPr/>
           <a:lstStyle/>
           <a:p>
-            <a:pPr lvl="0"/>
-            <a:fld id="{F293DD0B-E120-4DD1-86D2-E97E82C5B17C}" type="slidenum">
-              <a:rPr lang="en-GB" smtClean="0"/>
+            <a:fld id="{4FAB73BC-B049-4115-A692-8D63A059BFB8}" type="slidenum">
+              <a:rPr lang="en-US" dirty="0"/>
               <a:t>‹#›</a:t>
             </a:fld>
-            <a:endParaRPr lang="en-GB"/>
+            <a:endParaRPr lang="en-US"/>
           </a:p>
         </p:txBody>
       </p:sp>
     </p:spTree>
     <p:extLst>
       <p:ext uri="{BB962C8B-B14F-4D97-AF65-F5344CB8AC3E}">
-        <p14:creationId xmlns:p14="http://schemas.microsoft.com/office/powerpoint/2010/main" val="2482985998"/>
+        <p14:creationId xmlns:p14="http://schemas.microsoft.com/office/powerpoint/2010/main" val="563830316"/>
       </p:ext>
     </p:extLst>
   </p:cSld>
   <p:clrMapOvr>
     <a:masterClrMapping/>
   </p:clrMapOvr>
+  <mc:AlternateContent xmlns:mc="http://schemas.openxmlformats.org/markup-compatibility/2006" xmlns:p14="http://schemas.microsoft.com/office/powerpoint/2010/main">
+    <mc:Choice Requires="p14">
+      <p:transition spd="slow" p14:dur="2000">
+        <p:random/>
+      </p:transition>
+    </mc:Choice>
+    <mc:Fallback xmlns="">
+      <p:transition spd="slow">
+        <p:random/>
+      </p:transition>
+    </mc:Fallback>
+  </mc:AlternateContent>
 </p:sldLayout>
 </file>
 
@@ -1608,7 +3421,6 @@
               <a:rPr lang="en-US"/>
               <a:t>Click to edit Master title style</a:t>
             </a:r>
-            <a:endParaRPr lang="en-US" dirty="0"/>
           </a:p>
         </p:txBody>
       </p:sp>
@@ -1660,7 +3472,6 @@
               <a:rPr lang="en-US"/>
               <a:t>Fifth level</a:t>
             </a:r>
-            <a:endParaRPr lang="en-US" dirty="0"/>
           </a:p>
         </p:txBody>
       </p:sp>
@@ -1679,13 +3490,11 @@
           <a:bodyPr/>
           <a:lstStyle/>
           <a:p>
-            <a:pPr lvl="0"/>
-            <a:fld id="{00C004C0-11C9-4CBD-B5A3-2795002367BE}" type="datetime1">
-              <a:rPr lang="en-GB" smtClean="0"/>
-              <a:pPr lvl="0"/>
-              <a:t>09/09/2020</a:t>
+            <a:fld id="{96DFF08F-DC6B-4601-B491-B0F83F6DD2DA}" type="datetimeFigureOut">
+              <a:rPr lang="en-US" dirty="0"/>
+              <a:t>9/9/2020</a:t>
             </a:fld>
-            <a:endParaRPr lang="en-GB"/>
+            <a:endParaRPr lang="en-US"/>
           </a:p>
         </p:txBody>
       </p:sp>
@@ -1704,8 +3513,7 @@
           <a:bodyPr/>
           <a:lstStyle/>
           <a:p>
-            <a:pPr lvl="0"/>
-            <a:endParaRPr lang="en-GB"/>
+            <a:endParaRPr lang="en-US"/>
           </a:p>
         </p:txBody>
       </p:sp>
@@ -1724,26 +3532,36 @@
           <a:bodyPr/>
           <a:lstStyle/>
           <a:p>
-            <a:pPr lvl="0"/>
-            <a:fld id="{426CD78C-9EF1-45DD-BE3E-80C7C901BD93}" type="slidenum">
-              <a:rPr lang="en-GB" smtClean="0"/>
+            <a:fld id="{4FAB73BC-B049-4115-A692-8D63A059BFB8}" type="slidenum">
+              <a:rPr lang="en-US" dirty="0"/>
               <a:t>‹#›</a:t>
             </a:fld>
-            <a:endParaRPr lang="en-GB"/>
+            <a:endParaRPr lang="en-US"/>
           </a:p>
         </p:txBody>
       </p:sp>
     </p:spTree>
     <p:extLst>
       <p:ext uri="{BB962C8B-B14F-4D97-AF65-F5344CB8AC3E}">
-        <p14:creationId xmlns:p14="http://schemas.microsoft.com/office/powerpoint/2010/main" val="4082175634"/>
+        <p14:creationId xmlns:p14="http://schemas.microsoft.com/office/powerpoint/2010/main" val="4127993942"/>
       </p:ext>
     </p:extLst>
   </p:cSld>
   <p:clrMapOvr>
     <a:masterClrMapping/>
   </p:clrMapOvr>
-  <p:hf sldNum="0" hdr="0" ftr="0" dt="0"/>
+  <mc:AlternateContent xmlns:mc="http://schemas.openxmlformats.org/markup-compatibility/2006" xmlns:p14="http://schemas.microsoft.com/office/powerpoint/2010/main">
+    <mc:Choice Requires="p14">
+      <p:transition spd="slow" p14:dur="2000">
+        <p:random/>
+      </p:transition>
+    </mc:Choice>
+    <mc:Fallback xmlns="">
+      <p:transition spd="slow">
+        <p:random/>
+      </p:transition>
+    </mc:Fallback>
+  </mc:AlternateContent>
 </p:sldLayout>
 </file>
 
@@ -1844,7 +3662,6 @@
               <a:rPr lang="en-US"/>
               <a:t>Click to edit Master title style</a:t>
             </a:r>
-            <a:endParaRPr lang="en-US" dirty="0"/>
           </a:p>
         </p:txBody>
       </p:sp>
@@ -1990,13 +3807,12 @@
             </a:lvl1pPr>
           </a:lstStyle>
           <a:p>
-            <a:pPr lvl="0"/>
-            <a:fld id="{A4FDE157-C7D3-4BC6-80AB-1E621C793340}" type="datetime1">
-              <a:rPr lang="en-GB" smtClean="0"/>
-              <a:pPr lvl="0"/>
-              <a:t>09/09/2020</a:t>
+            <a:fld id="{96DFF08F-DC6B-4601-B491-B0F83F6DD2DA}" type="datetimeFigureOut">
+              <a:rPr lang="en-US" dirty="0"/>
+              <a:pPr/>
+              <a:t>9/9/2020</a:t>
             </a:fld>
-            <a:endParaRPr lang="en-GB"/>
+            <a:endParaRPr lang="en-US"/>
           </a:p>
         </p:txBody>
       </p:sp>
@@ -2023,8 +3839,7 @@
             </a:lvl1pPr>
           </a:lstStyle>
           <a:p>
-            <a:pPr lvl="0"/>
-            <a:endParaRPr lang="en-GB"/>
+            <a:endParaRPr lang="en-US"/>
           </a:p>
         </p:txBody>
       </p:sp>
@@ -2051,25 +3866,37 @@
             </a:lvl1pPr>
           </a:lstStyle>
           <a:p>
-            <a:pPr lvl="0"/>
-            <a:fld id="{F1CEBE44-ABF0-495A-B0E6-014D716CD904}" type="slidenum">
-              <a:rPr lang="en-GB" smtClean="0"/>
+            <a:fld id="{4FAB73BC-B049-4115-A692-8D63A059BFB8}" type="slidenum">
+              <a:rPr lang="en-US" dirty="0"/>
+              <a:pPr/>
               <a:t>‹#›</a:t>
             </a:fld>
-            <a:endParaRPr lang="en-GB"/>
+            <a:endParaRPr lang="en-US"/>
           </a:p>
         </p:txBody>
       </p:sp>
     </p:spTree>
     <p:extLst>
       <p:ext uri="{BB962C8B-B14F-4D97-AF65-F5344CB8AC3E}">
-        <p14:creationId xmlns:p14="http://schemas.microsoft.com/office/powerpoint/2010/main" val="2809430582"/>
+        <p14:creationId xmlns:p14="http://schemas.microsoft.com/office/powerpoint/2010/main" val="4007926140"/>
       </p:ext>
     </p:extLst>
   </p:cSld>
   <p:clrMapOvr>
     <a:overrideClrMapping bg1="lt1" tx1="dk1" bg2="lt2" tx2="dk2" accent1="accent1" accent2="accent2" accent3="accent3" accent4="accent4" accent5="accent5" accent6="accent6" hlink="hlink" folHlink="folHlink"/>
   </p:clrMapOvr>
+  <mc:AlternateContent xmlns:mc="http://schemas.openxmlformats.org/markup-compatibility/2006" xmlns:p14="http://schemas.microsoft.com/office/powerpoint/2010/main">
+    <mc:Choice Requires="p14">
+      <p:transition spd="slow" p14:dur="2000">
+        <p:random/>
+      </p:transition>
+    </mc:Choice>
+    <mc:Fallback xmlns="">
+      <p:transition spd="slow">
+        <p:random/>
+      </p:transition>
+    </mc:Fallback>
+  </mc:AlternateContent>
 </p:sldLayout>
 </file>
 
@@ -2109,7 +3936,6 @@
               <a:rPr lang="en-US"/>
               <a:t>Click to edit Master title style</a:t>
             </a:r>
-            <a:endParaRPr lang="en-US" dirty="0"/>
           </a:p>
         </p:txBody>
       </p:sp>
@@ -2194,7 +4020,6 @@
               <a:rPr lang="en-US"/>
               <a:t>Fifth level</a:t>
             </a:r>
-            <a:endParaRPr lang="en-US" dirty="0"/>
           </a:p>
         </p:txBody>
       </p:sp>
@@ -2279,7 +4104,6 @@
               <a:rPr lang="en-US"/>
               <a:t>Fifth level</a:t>
             </a:r>
-            <a:endParaRPr lang="en-US" dirty="0"/>
           </a:p>
         </p:txBody>
       </p:sp>
@@ -2298,13 +4122,11 @@
           <a:bodyPr/>
           <a:lstStyle/>
           <a:p>
-            <a:pPr lvl="0"/>
-            <a:fld id="{20C8F2DE-A6F5-4D35-B0AE-5D844400F582}" type="datetime1">
-              <a:rPr lang="en-GB" smtClean="0"/>
-              <a:pPr lvl="0"/>
-              <a:t>09/09/2020</a:t>
+            <a:fld id="{96DFF08F-DC6B-4601-B491-B0F83F6DD2DA}" type="datetimeFigureOut">
+              <a:rPr lang="en-US" dirty="0"/>
+              <a:t>9/9/2020</a:t>
             </a:fld>
-            <a:endParaRPr lang="en-GB"/>
+            <a:endParaRPr lang="en-US"/>
           </a:p>
         </p:txBody>
       </p:sp>
@@ -2323,8 +4145,7 @@
           <a:bodyPr/>
           <a:lstStyle/>
           <a:p>
-            <a:pPr lvl="0"/>
-            <a:endParaRPr lang="en-GB"/>
+            <a:endParaRPr lang="en-US"/>
           </a:p>
         </p:txBody>
       </p:sp>
@@ -2343,25 +4164,36 @@
           <a:bodyPr/>
           <a:lstStyle/>
           <a:p>
-            <a:pPr lvl="0"/>
-            <a:fld id="{E2B10009-9DFF-40D1-BB60-ED5AA5B646A8}" type="slidenum">
-              <a:rPr lang="en-GB" smtClean="0"/>
+            <a:fld id="{4FAB73BC-B049-4115-A692-8D63A059BFB8}" type="slidenum">
+              <a:rPr lang="en-US" dirty="0"/>
               <a:t>‹#›</a:t>
             </a:fld>
-            <a:endParaRPr lang="en-GB"/>
+            <a:endParaRPr lang="en-US"/>
           </a:p>
         </p:txBody>
       </p:sp>
     </p:spTree>
     <p:extLst>
       <p:ext uri="{BB962C8B-B14F-4D97-AF65-F5344CB8AC3E}">
-        <p14:creationId xmlns:p14="http://schemas.microsoft.com/office/powerpoint/2010/main" val="3460079454"/>
+        <p14:creationId xmlns:p14="http://schemas.microsoft.com/office/powerpoint/2010/main" val="4216807092"/>
       </p:ext>
     </p:extLst>
   </p:cSld>
   <p:clrMapOvr>
     <a:masterClrMapping/>
   </p:clrMapOvr>
+  <mc:AlternateContent xmlns:mc="http://schemas.openxmlformats.org/markup-compatibility/2006" xmlns:p14="http://schemas.microsoft.com/office/powerpoint/2010/main">
+    <mc:Choice Requires="p14">
+      <p:transition spd="slow" p14:dur="2000">
+        <p:random/>
+      </p:transition>
+    </mc:Choice>
+    <mc:Fallback xmlns="">
+      <p:transition spd="slow">
+        <p:random/>
+      </p:transition>
+    </mc:Fallback>
+  </mc:AlternateContent>
 </p:sldLayout>
 </file>
 
@@ -2401,7 +4233,6 @@
               <a:rPr lang="en-US"/>
               <a:t>Click to edit Master title style</a:t>
             </a:r>
-            <a:endParaRPr lang="en-US" dirty="0"/>
           </a:p>
         </p:txBody>
       </p:sp>
@@ -2553,7 +4384,6 @@
               <a:rPr lang="en-US"/>
               <a:t>Fifth level</a:t>
             </a:r>
-            <a:endParaRPr lang="en-US" dirty="0"/>
           </a:p>
         </p:txBody>
       </p:sp>
@@ -2705,7 +4535,6 @@
               <a:rPr lang="en-US"/>
               <a:t>Fifth level</a:t>
             </a:r>
-            <a:endParaRPr lang="en-US" dirty="0"/>
           </a:p>
         </p:txBody>
       </p:sp>
@@ -2724,13 +4553,11 @@
           <a:bodyPr/>
           <a:lstStyle/>
           <a:p>
-            <a:pPr lvl="0"/>
-            <a:fld id="{61FB993A-42FC-48BD-8A90-30AB489E09BE}" type="datetime1">
-              <a:rPr lang="en-GB" smtClean="0"/>
-              <a:pPr lvl="0"/>
-              <a:t>09/09/2020</a:t>
+            <a:fld id="{96DFF08F-DC6B-4601-B491-B0F83F6DD2DA}" type="datetimeFigureOut">
+              <a:rPr lang="en-US" dirty="0"/>
+              <a:t>9/9/2020</a:t>
             </a:fld>
-            <a:endParaRPr lang="en-GB"/>
+            <a:endParaRPr lang="en-US"/>
           </a:p>
         </p:txBody>
       </p:sp>
@@ -2749,8 +4576,7 @@
           <a:bodyPr/>
           <a:lstStyle/>
           <a:p>
-            <a:pPr lvl="0"/>
-            <a:endParaRPr lang="en-GB"/>
+            <a:endParaRPr lang="en-US"/>
           </a:p>
         </p:txBody>
       </p:sp>
@@ -2769,25 +4595,36 @@
           <a:bodyPr/>
           <a:lstStyle/>
           <a:p>
-            <a:pPr lvl="0"/>
-            <a:fld id="{C66D9B3C-0DE0-4639-B961-029A5433DE62}" type="slidenum">
-              <a:rPr lang="en-GB" smtClean="0"/>
+            <a:fld id="{4FAB73BC-B049-4115-A692-8D63A059BFB8}" type="slidenum">
+              <a:rPr lang="en-US" dirty="0"/>
               <a:t>‹#›</a:t>
             </a:fld>
-            <a:endParaRPr lang="en-GB"/>
+            <a:endParaRPr lang="en-US"/>
           </a:p>
         </p:txBody>
       </p:sp>
     </p:spTree>
     <p:extLst>
       <p:ext uri="{BB962C8B-B14F-4D97-AF65-F5344CB8AC3E}">
-        <p14:creationId xmlns:p14="http://schemas.microsoft.com/office/powerpoint/2010/main" val="3606676941"/>
+        <p14:creationId xmlns:p14="http://schemas.microsoft.com/office/powerpoint/2010/main" val="3884933974"/>
       </p:ext>
     </p:extLst>
   </p:cSld>
   <p:clrMapOvr>
     <a:masterClrMapping/>
   </p:clrMapOvr>
+  <mc:AlternateContent xmlns:mc="http://schemas.openxmlformats.org/markup-compatibility/2006" xmlns:p14="http://schemas.microsoft.com/office/powerpoint/2010/main">
+    <mc:Choice Requires="p14">
+      <p:transition spd="slow" p14:dur="2000">
+        <p:random/>
+      </p:transition>
+    </mc:Choice>
+    <mc:Fallback xmlns="">
+      <p:transition spd="slow">
+        <p:random/>
+      </p:transition>
+    </mc:Fallback>
+  </mc:AlternateContent>
 </p:sldLayout>
 </file>
 
@@ -2827,7 +4664,6 @@
               <a:rPr lang="en-US"/>
               <a:t>Click to edit Master title style</a:t>
             </a:r>
-            <a:endParaRPr lang="en-US" dirty="0"/>
           </a:p>
         </p:txBody>
       </p:sp>
@@ -2846,13 +4682,11 @@
           <a:bodyPr/>
           <a:lstStyle/>
           <a:p>
-            <a:pPr lvl="0"/>
-            <a:fld id="{BB1D4A55-80C6-49CB-BF1D-023C9CE8E4E8}" type="datetime1">
-              <a:rPr lang="en-GB" smtClean="0"/>
-              <a:pPr lvl="0"/>
-              <a:t>09/09/2020</a:t>
+            <a:fld id="{96DFF08F-DC6B-4601-B491-B0F83F6DD2DA}" type="datetimeFigureOut">
+              <a:rPr lang="en-US" dirty="0"/>
+              <a:t>9/9/2020</a:t>
             </a:fld>
-            <a:endParaRPr lang="en-GB"/>
+            <a:endParaRPr lang="en-US"/>
           </a:p>
         </p:txBody>
       </p:sp>
@@ -2871,8 +4705,7 @@
           <a:bodyPr/>
           <a:lstStyle/>
           <a:p>
-            <a:pPr lvl="0"/>
-            <a:endParaRPr lang="en-GB"/>
+            <a:endParaRPr lang="en-US"/>
           </a:p>
         </p:txBody>
       </p:sp>
@@ -2891,25 +4724,36 @@
           <a:bodyPr/>
           <a:lstStyle/>
           <a:p>
-            <a:pPr lvl="0"/>
-            <a:fld id="{75A0CEA8-2CA2-45CC-B000-FCEF9FED0550}" type="slidenum">
-              <a:rPr lang="en-GB" smtClean="0"/>
+            <a:fld id="{4FAB73BC-B049-4115-A692-8D63A059BFB8}" type="slidenum">
+              <a:rPr lang="en-US" dirty="0"/>
               <a:t>‹#›</a:t>
             </a:fld>
-            <a:endParaRPr lang="en-GB"/>
+            <a:endParaRPr lang="en-US"/>
           </a:p>
         </p:txBody>
       </p:sp>
     </p:spTree>
     <p:extLst>
       <p:ext uri="{BB962C8B-B14F-4D97-AF65-F5344CB8AC3E}">
-        <p14:creationId xmlns:p14="http://schemas.microsoft.com/office/powerpoint/2010/main" val="1834288298"/>
+        <p14:creationId xmlns:p14="http://schemas.microsoft.com/office/powerpoint/2010/main" val="410995617"/>
       </p:ext>
     </p:extLst>
   </p:cSld>
   <p:clrMapOvr>
     <a:masterClrMapping/>
   </p:clrMapOvr>
+  <mc:AlternateContent xmlns:mc="http://schemas.openxmlformats.org/markup-compatibility/2006" xmlns:p14="http://schemas.microsoft.com/office/powerpoint/2010/main">
+    <mc:Choice Requires="p14">
+      <p:transition spd="slow" p14:dur="2000">
+        <p:random/>
+      </p:transition>
+    </mc:Choice>
+    <mc:Fallback xmlns="">
+      <p:transition spd="slow">
+        <p:random/>
+      </p:transition>
+    </mc:Fallback>
+  </mc:AlternateContent>
 </p:sldLayout>
 </file>
 
@@ -2945,13 +4789,11 @@
           <a:bodyPr/>
           <a:lstStyle/>
           <a:p>
-            <a:pPr lvl="0"/>
-            <a:fld id="{EA2C1BF5-F083-444A-90B1-4FB95F86D737}" type="datetime1">
-              <a:rPr lang="en-GB" smtClean="0"/>
-              <a:pPr lvl="0"/>
-              <a:t>09/09/2020</a:t>
+            <a:fld id="{96DFF08F-DC6B-4601-B491-B0F83F6DD2DA}" type="datetimeFigureOut">
+              <a:rPr lang="en-US" dirty="0"/>
+              <a:t>9/9/2020</a:t>
             </a:fld>
-            <a:endParaRPr lang="en-GB"/>
+            <a:endParaRPr lang="en-US"/>
           </a:p>
         </p:txBody>
       </p:sp>
@@ -2970,8 +4812,7 @@
           <a:bodyPr/>
           <a:lstStyle/>
           <a:p>
-            <a:pPr lvl="0"/>
-            <a:endParaRPr lang="en-GB"/>
+            <a:endParaRPr lang="en-US"/>
           </a:p>
         </p:txBody>
       </p:sp>
@@ -2990,25 +4831,36 @@
           <a:bodyPr/>
           <a:lstStyle/>
           <a:p>
-            <a:pPr lvl="0"/>
-            <a:fld id="{9399267A-6D95-4225-B252-86963B59962B}" type="slidenum">
-              <a:rPr lang="en-GB" smtClean="0"/>
+            <a:fld id="{4FAB73BC-B049-4115-A692-8D63A059BFB8}" type="slidenum">
+              <a:rPr lang="en-US" dirty="0"/>
               <a:t>‹#›</a:t>
             </a:fld>
-            <a:endParaRPr lang="en-GB"/>
+            <a:endParaRPr lang="en-US"/>
           </a:p>
         </p:txBody>
       </p:sp>
     </p:spTree>
     <p:extLst>
       <p:ext uri="{BB962C8B-B14F-4D97-AF65-F5344CB8AC3E}">
-        <p14:creationId xmlns:p14="http://schemas.microsoft.com/office/powerpoint/2010/main" val="2092328053"/>
+        <p14:creationId xmlns:p14="http://schemas.microsoft.com/office/powerpoint/2010/main" val="3864645308"/>
       </p:ext>
     </p:extLst>
   </p:cSld>
   <p:clrMapOvr>
     <a:masterClrMapping/>
   </p:clrMapOvr>
+  <mc:AlternateContent xmlns:mc="http://schemas.openxmlformats.org/markup-compatibility/2006" xmlns:p14="http://schemas.microsoft.com/office/powerpoint/2010/main">
+    <mc:Choice Requires="p14">
+      <p:transition spd="slow" p14:dur="2000">
+        <p:random/>
+      </p:transition>
+    </mc:Choice>
+    <mc:Fallback xmlns="">
+      <p:transition spd="slow">
+        <p:random/>
+      </p:transition>
+    </mc:Fallback>
+  </mc:AlternateContent>
 </p:sldLayout>
 </file>
 
@@ -3048,7 +4900,6 @@
               <a:rPr lang="en-US"/>
               <a:t>Click to edit Master title style</a:t>
             </a:r>
-            <a:endParaRPr lang="en-US" dirty="0"/>
           </a:p>
         </p:txBody>
       </p:sp>
@@ -3133,7 +4984,6 @@
               <a:rPr lang="en-US"/>
               <a:t>Fifth level</a:t>
             </a:r>
-            <a:endParaRPr lang="en-US" dirty="0"/>
           </a:p>
         </p:txBody>
       </p:sp>
@@ -3222,13 +5072,11 @@
           <a:bodyPr/>
           <a:lstStyle/>
           <a:p>
-            <a:pPr lvl="0"/>
-            <a:fld id="{0517A17D-D6D5-409E-AE56-DE17A078EDF5}" type="datetime1">
-              <a:rPr lang="en-GB" smtClean="0"/>
-              <a:pPr lvl="0"/>
-              <a:t>09/09/2020</a:t>
+            <a:fld id="{96DFF08F-DC6B-4601-B491-B0F83F6DD2DA}" type="datetimeFigureOut">
+              <a:rPr lang="en-US" dirty="0"/>
+              <a:t>9/9/2020</a:t>
             </a:fld>
-            <a:endParaRPr lang="en-GB"/>
+            <a:endParaRPr lang="en-US"/>
           </a:p>
         </p:txBody>
       </p:sp>
@@ -3247,8 +5095,7 @@
           <a:bodyPr/>
           <a:lstStyle/>
           <a:p>
-            <a:pPr lvl="0"/>
-            <a:endParaRPr lang="en-GB"/>
+            <a:endParaRPr lang="en-US"/>
           </a:p>
         </p:txBody>
       </p:sp>
@@ -3267,25 +5114,36 @@
           <a:bodyPr/>
           <a:lstStyle/>
           <a:p>
-            <a:pPr lvl="0"/>
-            <a:fld id="{1F823342-7D5D-40A5-B70D-B4A9D6D48744}" type="slidenum">
-              <a:rPr lang="en-GB" smtClean="0"/>
+            <a:fld id="{4FAB73BC-B049-4115-A692-8D63A059BFB8}" type="slidenum">
+              <a:rPr lang="en-US" dirty="0"/>
               <a:t>‹#›</a:t>
             </a:fld>
-            <a:endParaRPr lang="en-GB"/>
+            <a:endParaRPr lang="en-US"/>
           </a:p>
         </p:txBody>
       </p:sp>
     </p:spTree>
     <p:extLst>
       <p:ext uri="{BB962C8B-B14F-4D97-AF65-F5344CB8AC3E}">
-        <p14:creationId xmlns:p14="http://schemas.microsoft.com/office/powerpoint/2010/main" val="4281286813"/>
+        <p14:creationId xmlns:p14="http://schemas.microsoft.com/office/powerpoint/2010/main" val="1828770426"/>
       </p:ext>
     </p:extLst>
   </p:cSld>
   <p:clrMapOvr>
     <a:masterClrMapping/>
   </p:clrMapOvr>
+  <mc:AlternateContent xmlns:mc="http://schemas.openxmlformats.org/markup-compatibility/2006" xmlns:p14="http://schemas.microsoft.com/office/powerpoint/2010/main">
+    <mc:Choice Requires="p14">
+      <p:transition spd="slow" p14:dur="2000">
+        <p:random/>
+      </p:transition>
+    </mc:Choice>
+    <mc:Fallback xmlns="">
+      <p:transition spd="slow">
+        <p:random/>
+      </p:transition>
+    </mc:Fallback>
+  </mc:AlternateContent>
 </p:sldLayout>
 </file>
 
@@ -3325,7 +5183,6 @@
               <a:rPr lang="en-US"/>
               <a:t>Click to edit Master title style</a:t>
             </a:r>
-            <a:endParaRPr lang="en-US" dirty="0"/>
           </a:p>
         </p:txBody>
       </p:sp>
@@ -3398,11 +5255,7 @@
             </a:lvl9pPr>
           </a:lstStyle>
           <a:p>
-            <a:r>
-              <a:rPr lang="en-US"/>
-              <a:t>Click icon to add picture</a:t>
-            </a:r>
-            <a:endParaRPr lang="en-US" dirty="0"/>
+            <a:endParaRPr lang="en-US"/>
           </a:p>
         </p:txBody>
       </p:sp>
@@ -3491,13 +5344,11 @@
           <a:bodyPr/>
           <a:lstStyle/>
           <a:p>
-            <a:pPr lvl="0"/>
-            <a:fld id="{0B0005C8-FFA2-4999-BA53-D7B25BFAD283}" type="datetime1">
-              <a:rPr lang="en-GB" smtClean="0"/>
-              <a:pPr lvl="0"/>
-              <a:t>09/09/2020</a:t>
+            <a:fld id="{96DFF08F-DC6B-4601-B491-B0F83F6DD2DA}" type="datetimeFigureOut">
+              <a:rPr lang="en-US" dirty="0"/>
+              <a:t>9/9/2020</a:t>
             </a:fld>
-            <a:endParaRPr lang="en-GB"/>
+            <a:endParaRPr lang="en-US"/>
           </a:p>
         </p:txBody>
       </p:sp>
@@ -3516,8 +5367,7 @@
           <a:bodyPr/>
           <a:lstStyle/>
           <a:p>
-            <a:pPr lvl="0"/>
-            <a:endParaRPr lang="en-GB"/>
+            <a:endParaRPr lang="en-US"/>
           </a:p>
         </p:txBody>
       </p:sp>
@@ -3536,25 +5386,36 @@
           <a:bodyPr/>
           <a:lstStyle/>
           <a:p>
-            <a:pPr lvl="0"/>
-            <a:fld id="{45B0147D-25B9-4925-A0C3-2F5B05A96763}" type="slidenum">
-              <a:rPr lang="en-GB" smtClean="0"/>
+            <a:fld id="{4FAB73BC-B049-4115-A692-8D63A059BFB8}" type="slidenum">
+              <a:rPr lang="en-US" dirty="0"/>
               <a:t>‹#›</a:t>
             </a:fld>
-            <a:endParaRPr lang="en-GB"/>
+            <a:endParaRPr lang="en-US"/>
           </a:p>
         </p:txBody>
       </p:sp>
     </p:spTree>
     <p:extLst>
       <p:ext uri="{BB962C8B-B14F-4D97-AF65-F5344CB8AC3E}">
-        <p14:creationId xmlns:p14="http://schemas.microsoft.com/office/powerpoint/2010/main" val="2288321782"/>
+        <p14:creationId xmlns:p14="http://schemas.microsoft.com/office/powerpoint/2010/main" val="900907835"/>
       </p:ext>
     </p:extLst>
   </p:cSld>
   <p:clrMapOvr>
     <a:masterClrMapping/>
   </p:clrMapOvr>
+  <mc:AlternateContent xmlns:mc="http://schemas.openxmlformats.org/markup-compatibility/2006" xmlns:p14="http://schemas.microsoft.com/office/powerpoint/2010/main">
+    <mc:Choice Requires="p14">
+      <p:transition spd="slow" p14:dur="2000">
+        <p:random/>
+      </p:transition>
+    </mc:Choice>
+    <mc:Fallback xmlns="">
+      <p:transition spd="slow">
+        <p:random/>
+      </p:transition>
+    </mc:Fallback>
+  </mc:AlternateContent>
 </p:sldLayout>
 </file>
 
@@ -3647,7 +5508,6 @@
               <a:rPr lang="en-US"/>
               <a:t>Click to edit Master title style</a:t>
             </a:r>
-            <a:endParaRPr lang="en-US" dirty="0"/>
           </a:p>
         </p:txBody>
       </p:sp>
@@ -3709,7 +5569,6 @@
               <a:rPr lang="en-US"/>
               <a:t>Fifth level</a:t>
             </a:r>
-            <a:endParaRPr lang="en-US" dirty="0"/>
           </a:p>
         </p:txBody>
       </p:sp>
@@ -3744,13 +5603,12 @@
             </a:lvl1pPr>
           </a:lstStyle>
           <a:p>
-            <a:pPr lvl="0"/>
-            <a:fld id="{F26BF3A9-8240-4080-804E-E0937EE92423}" type="datetime1">
-              <a:rPr lang="en-GB" smtClean="0"/>
-              <a:pPr lvl="0"/>
-              <a:t>09/09/2020</a:t>
+            <a:fld id="{96DFF08F-DC6B-4601-B491-B0F83F6DD2DA}" type="datetimeFigureOut">
+              <a:rPr lang="en-US" dirty="0"/>
+              <a:pPr/>
+              <a:t>9/9/2020</a:t>
             </a:fld>
-            <a:endParaRPr lang="en-GB"/>
+            <a:endParaRPr lang="en-US"/>
           </a:p>
         </p:txBody>
       </p:sp>
@@ -3785,8 +5643,7 @@
             </a:lvl1pPr>
           </a:lstStyle>
           <a:p>
-            <a:pPr lvl="0"/>
-            <a:endParaRPr lang="en-GB"/>
+            <a:endParaRPr lang="en-US"/>
           </a:p>
         </p:txBody>
       </p:sp>
@@ -3821,36 +5678,48 @@
             </a:lvl1pPr>
           </a:lstStyle>
           <a:p>
-            <a:pPr lvl="0"/>
-            <a:fld id="{73E2B32A-DE2C-4960-8E6D-77FBD13399CF}" type="slidenum">
-              <a:rPr lang="en-GB" smtClean="0"/>
+            <a:fld id="{4FAB73BC-B049-4115-A692-8D63A059BFB8}" type="slidenum">
+              <a:rPr lang="en-US" dirty="0"/>
+              <a:pPr/>
               <a:t>‹#›</a:t>
             </a:fld>
-            <a:endParaRPr lang="en-GB"/>
+            <a:endParaRPr lang="en-US"/>
           </a:p>
         </p:txBody>
       </p:sp>
     </p:spTree>
     <p:extLst>
       <p:ext uri="{BB962C8B-B14F-4D97-AF65-F5344CB8AC3E}">
-        <p14:creationId xmlns:p14="http://schemas.microsoft.com/office/powerpoint/2010/main" val="747619563"/>
+        <p14:creationId xmlns:p14="http://schemas.microsoft.com/office/powerpoint/2010/main" val="2884937734"/>
       </p:ext>
     </p:extLst>
   </p:cSld>
   <p:clrMap bg1="dk1" tx1="lt1" bg2="dk2" tx2="lt2" accent1="accent1" accent2="accent2" accent3="accent3" accent4="accent4" accent5="accent5" accent6="accent6" hlink="hlink" folHlink="folHlink"/>
   <p:sldLayoutIdLst>
-    <p:sldLayoutId id="2147483661" r:id="rId1"/>
-    <p:sldLayoutId id="2147483662" r:id="rId2"/>
-    <p:sldLayoutId id="2147483663" r:id="rId3"/>
-    <p:sldLayoutId id="2147483664" r:id="rId4"/>
-    <p:sldLayoutId id="2147483665" r:id="rId5"/>
-    <p:sldLayoutId id="2147483666" r:id="rId6"/>
-    <p:sldLayoutId id="2147483667" r:id="rId7"/>
-    <p:sldLayoutId id="2147483668" r:id="rId8"/>
-    <p:sldLayoutId id="2147483669" r:id="rId9"/>
-    <p:sldLayoutId id="2147483670" r:id="rId10"/>
-    <p:sldLayoutId id="2147483671" r:id="rId11"/>
+    <p:sldLayoutId id="2147483673" r:id="rId1"/>
+    <p:sldLayoutId id="2147483674" r:id="rId2"/>
+    <p:sldLayoutId id="2147483675" r:id="rId3"/>
+    <p:sldLayoutId id="2147483676" r:id="rId4"/>
+    <p:sldLayoutId id="2147483677" r:id="rId5"/>
+    <p:sldLayoutId id="2147483678" r:id="rId6"/>
+    <p:sldLayoutId id="2147483679" r:id="rId7"/>
+    <p:sldLayoutId id="2147483680" r:id="rId8"/>
+    <p:sldLayoutId id="2147483681" r:id="rId9"/>
+    <p:sldLayoutId id="2147483682" r:id="rId10"/>
+    <p:sldLayoutId id="2147483683" r:id="rId11"/>
   </p:sldLayoutIdLst>
+  <mc:AlternateContent xmlns:mc="http://schemas.openxmlformats.org/markup-compatibility/2006" xmlns:p14="http://schemas.microsoft.com/office/powerpoint/2010/main">
+    <mc:Choice Requires="p14">
+      <p:transition spd="slow" p14:dur="2000">
+        <p:random/>
+      </p:transition>
+    </mc:Choice>
+    <mc:Fallback xmlns="">
+      <p:transition spd="slow">
+        <p:random/>
+      </p:transition>
+    </mc:Fallback>
+  </mc:AlternateContent>
   <p:txStyles>
     <p:titleStyle>
       <a:lvl1pPr algn="l" defTabSz="914400" rtl="0" eaLnBrk="1" latinLnBrk="0" hangingPunct="1">
@@ -4190,7 +6059,15 @@
 
 <file path=ppt/slides/slide1.xml><?xml version="1.0" encoding="utf-8"?>
 <p:sld xmlns:a="http://schemas.openxmlformats.org/drawingml/2006/main" xmlns:r="http://schemas.openxmlformats.org/officeDocument/2006/relationships" xmlns:p="http://schemas.openxmlformats.org/presentationml/2006/main">
-  <p:cSld name="Slide1">
+  <p:cSld>
+    <p:bg>
+      <p:bgPr>
+        <a:solidFill>
+          <a:srgbClr val="79B39E"/>
+        </a:solidFill>
+        <a:effectLst/>
+      </p:bgPr>
+    </p:bg>
     <p:spTree>
       <p:nvGrpSpPr>
         <p:cNvPr id="1" name=""/>
@@ -4221,17 +6098,27 @@
             <p:ph type="ctrTitle"/>
           </p:nvPr>
         </p:nvSpPr>
-        <p:spPr/>
+        <p:spPr>
+          <a:xfrm>
+            <a:off x="360218" y="2860363"/>
+            <a:ext cx="11471565" cy="492505"/>
+          </a:xfrm>
+        </p:spPr>
         <p:txBody>
           <a:bodyPr>
-            <a:normAutofit fontScale="90000"/>
+            <a:noAutofit/>
           </a:bodyPr>
           <a:lstStyle/>
           <a:p>
             <a:pPr lvl="0"/>
             <a:r>
-              <a:rPr lang="en-GB" sz="8800" b="1" dirty="0"/>
-              <a:t>Group Cinema Project</a:t>
+              <a:rPr lang="en-GB" sz="8800" b="1" i="1">
+                <a:solidFill>
+                  <a:schemeClr val="bg1"/>
+                </a:solidFill>
+                <a:latin typeface="Lucida Handwriting"/>
+              </a:rPr>
+              <a:t>The QA Drive IN</a:t>
             </a:r>
           </a:p>
         </p:txBody>
@@ -4252,46 +6139,141 @@
             <p:ph type="subTitle" idx="1"/>
           </p:nvPr>
         </p:nvSpPr>
-        <p:spPr/>
+        <p:spPr>
+          <a:xfrm>
+            <a:off x="1524000" y="4157855"/>
+            <a:ext cx="9144000" cy="649897"/>
+          </a:xfrm>
+        </p:spPr>
         <p:txBody>
-          <a:bodyPr>
-            <a:normAutofit fontScale="92500" lnSpcReduction="20000"/>
+          <a:bodyPr vert="horz" lIns="91440" tIns="45720" rIns="91440" bIns="45720" rtlCol="0" anchor="t">
+            <a:noAutofit/>
           </a:bodyPr>
           <a:lstStyle/>
           <a:p>
+            <a:r>
+              <a:rPr lang="en-GB" sz="1600"/>
+              <a:t>Shiva King, Morgan Walsh, </a:t>
+            </a:r>
+          </a:p>
+          <a:p>
+            <a:r>
+              <a:rPr lang="en-GB" sz="1600"/>
+              <a:t>Connor Young and Nilay Sanghrajka </a:t>
+            </a:r>
+          </a:p>
+          <a:p>
             <a:pPr lvl="0"/>
             <a:r>
-              <a:rPr lang="en-GB" sz="3200" dirty="0"/>
-              <a:t>Shiva King, Morgan Walsh, </a:t>
-            </a:r>
-          </a:p>
-          <a:p>
-            <a:pPr lvl="0"/>
-            <a:r>
-              <a:rPr lang="en-GB" sz="3200" dirty="0"/>
-              <a:t>Connor Young and Nilay Sanghrajka </a:t>
-            </a:r>
-          </a:p>
-          <a:p>
-            <a:pPr lvl="0"/>
-            <a:r>
-              <a:rPr lang="en-GB" dirty="0"/>
+              <a:rPr lang="en-GB" sz="1600"/>
               <a:t>09/09/2020</a:t>
             </a:r>
           </a:p>
         </p:txBody>
       </p:sp>
+      <p:pic>
+        <p:nvPicPr>
+          <p:cNvPr id="4" name="Picture 3" descr="A picture containing orange&#10;&#10;Description automatically generated">
+            <a:extLst>
+              <a:ext uri="{FF2B5EF4-FFF2-40B4-BE49-F238E27FC236}">
+                <a16:creationId xmlns:a16="http://schemas.microsoft.com/office/drawing/2014/main" id="{A1C20DB1-7C21-4E06-B87E-9D6584E49BC0}"/>
+              </a:ext>
+            </a:extLst>
+          </p:cNvPr>
+          <p:cNvPicPr>
+            <a:picLocks noChangeAspect="1"/>
+          </p:cNvPicPr>
+          <p:nvPr/>
+        </p:nvPicPr>
+        <p:blipFill>
+          <a:blip r:embed="rId2">
+            <a:extLst>
+              <a:ext uri="{28A0092B-C50C-407E-A947-70E740481C1C}">
+                <a14:useLocalDpi xmlns:a14="http://schemas.microsoft.com/office/drawing/2010/main" val="0"/>
+              </a:ext>
+            </a:extLst>
+          </a:blip>
+          <a:stretch>
+            <a:fillRect/>
+          </a:stretch>
+        </p:blipFill>
+        <p:spPr>
+          <a:xfrm>
+            <a:off x="306980" y="284176"/>
+            <a:ext cx="1791878" cy="1407045"/>
+          </a:xfrm>
+          <a:prstGeom prst="rect">
+            <a:avLst/>
+          </a:prstGeom>
+        </p:spPr>
+      </p:pic>
+      <p:pic>
+        <p:nvPicPr>
+          <p:cNvPr id="7" name="Picture 6" descr="A picture containing clock&#10;&#10;Description automatically generated">
+            <a:extLst>
+              <a:ext uri="{FF2B5EF4-FFF2-40B4-BE49-F238E27FC236}">
+                <a16:creationId xmlns:a16="http://schemas.microsoft.com/office/drawing/2014/main" id="{099F258B-6F14-4AD7-9258-DD2E27DAFB21}"/>
+              </a:ext>
+            </a:extLst>
+          </p:cNvPr>
+          <p:cNvPicPr>
+            <a:picLocks noChangeAspect="1"/>
+          </p:cNvPicPr>
+          <p:nvPr/>
+        </p:nvPicPr>
+        <p:blipFill>
+          <a:blip r:embed="rId3">
+            <a:extLst>
+              <a:ext uri="{28A0092B-C50C-407E-A947-70E740481C1C}">
+                <a14:useLocalDpi xmlns:a14="http://schemas.microsoft.com/office/drawing/2010/main" val="0"/>
+              </a:ext>
+            </a:extLst>
+          </a:blip>
+          <a:stretch>
+            <a:fillRect/>
+          </a:stretch>
+        </p:blipFill>
+        <p:spPr>
+          <a:xfrm>
+            <a:off x="10091060" y="284175"/>
+            <a:ext cx="1791878" cy="1407045"/>
+          </a:xfrm>
+          <a:prstGeom prst="rect">
+            <a:avLst/>
+          </a:prstGeom>
+        </p:spPr>
+      </p:pic>
     </p:spTree>
   </p:cSld>
   <p:clrMapOvr>
     <a:masterClrMapping/>
   </p:clrMapOvr>
+  <mc:AlternateContent xmlns:mc="http://schemas.openxmlformats.org/markup-compatibility/2006" xmlns:p15="http://schemas.microsoft.com/office/powerpoint/2012/main">
+    <mc:Choice Requires="p15">
+      <p:transition xmlns:p14="http://schemas.microsoft.com/office/powerpoint/2010/main" spd="slow" p14:dur="6000">
+        <p15:prstTrans prst="curtains"/>
+      </p:transition>
+    </mc:Choice>
+    <mc:Fallback xmlns="">
+      <p:transition spd="slow">
+        <p:fade/>
+      </p:transition>
+    </mc:Fallback>
+  </mc:AlternateContent>
 </p:sld>
 </file>
 
 <file path=ppt/slides/slide10.xml><?xml version="1.0" encoding="utf-8"?>
 <p:sld xmlns:a="http://schemas.openxmlformats.org/drawingml/2006/main" xmlns:r="http://schemas.openxmlformats.org/officeDocument/2006/relationships" xmlns:p="http://schemas.openxmlformats.org/presentationml/2006/main">
   <p:cSld>
+    <p:bg>
+      <p:bgPr>
+        <a:solidFill>
+          <a:srgbClr val="79B39E"/>
+        </a:solidFill>
+        <a:effectLst/>
+      </p:bgPr>
+    </p:bg>
     <p:spTree>
       <p:nvGrpSpPr>
         <p:cNvPr id="1" name=""/>
@@ -4329,7 +6311,12 @@
           <a:p>
             <a:pPr algn="ctr"/>
             <a:r>
-              <a:rPr lang="en-GB" b="1" dirty="0"/>
+              <a:rPr lang="en-GB" b="1">
+                <a:solidFill>
+                  <a:schemeClr val="bg1"/>
+                </a:solidFill>
+                <a:latin typeface="Lucida Handwriting" panose="03010101010101010101" pitchFamily="66" charset="0"/>
+              </a:rPr>
               <a:t>Project Retrospective</a:t>
             </a:r>
           </a:p>
@@ -4368,7 +6355,7 @@
               <a:buChar char="•"/>
             </a:pPr>
             <a:r>
-              <a:rPr lang="en-GB" sz="2800" dirty="0"/>
+              <a:rPr lang="en-GB" sz="2800"/>
               <a:t>What went well</a:t>
             </a:r>
           </a:p>
@@ -4377,14 +6364,14 @@
               <a:buFont typeface="Arial" panose="020B0604020202020204" pitchFamily="34" charset="0"/>
               <a:buChar char="•"/>
             </a:pPr>
-            <a:endParaRPr lang="en-GB" sz="2800" dirty="0"/>
+            <a:endParaRPr lang="en-GB" sz="2800"/>
           </a:p>
           <a:p>
             <a:pPr marL="342900" lvl="0" indent="-342900">
               <a:buFont typeface="Arial" panose="020B0604020202020204" pitchFamily="34" charset="0"/>
               <a:buChar char="•"/>
             </a:pPr>
-            <a:endParaRPr lang="en-GB" sz="2800" dirty="0"/>
+            <a:endParaRPr lang="en-GB" sz="2800"/>
           </a:p>
           <a:p>
             <a:pPr marL="342900" lvl="0" indent="-342900">
@@ -4392,7 +6379,7 @@
               <a:buChar char="•"/>
             </a:pPr>
             <a:r>
-              <a:rPr lang="en-GB" sz="2800" dirty="0"/>
+              <a:rPr lang="en-GB" sz="2800"/>
               <a:t>What we could have gone better</a:t>
             </a:r>
           </a:p>
@@ -4401,14 +6388,14 @@
               <a:buFont typeface="Arial" panose="020B0604020202020204" pitchFamily="34" charset="0"/>
               <a:buChar char="•"/>
             </a:pPr>
-            <a:endParaRPr lang="en-GB" sz="2800" dirty="0"/>
+            <a:endParaRPr lang="en-GB" sz="2800"/>
           </a:p>
           <a:p>
             <a:pPr marL="342900" lvl="0" indent="-342900">
               <a:buFont typeface="Arial" panose="020B0604020202020204" pitchFamily="34" charset="0"/>
               <a:buChar char="•"/>
             </a:pPr>
-            <a:endParaRPr lang="en-GB" sz="2800" dirty="0"/>
+            <a:endParaRPr lang="en-GB" sz="2800"/>
           </a:p>
           <a:p>
             <a:pPr marL="342900" lvl="0" indent="-342900">
@@ -4416,12 +6403,84 @@
               <a:buChar char="•"/>
             </a:pPr>
             <a:r>
-              <a:rPr lang="en-GB" sz="2800" dirty="0"/>
+              <a:rPr lang="en-GB" sz="2800"/>
               <a:t>What we could improve</a:t>
             </a:r>
           </a:p>
         </p:txBody>
       </p:sp>
+      <p:pic>
+        <p:nvPicPr>
+          <p:cNvPr id="5" name="Picture 4" descr="A picture containing orange&#10;&#10;Description automatically generated">
+            <a:extLst>
+              <a:ext uri="{FF2B5EF4-FFF2-40B4-BE49-F238E27FC236}">
+                <a16:creationId xmlns:a16="http://schemas.microsoft.com/office/drawing/2014/main" id="{9032E3F4-EDFC-498E-AA3A-9F77A8462274}"/>
+              </a:ext>
+            </a:extLst>
+          </p:cNvPr>
+          <p:cNvPicPr>
+            <a:picLocks noChangeAspect="1"/>
+          </p:cNvPicPr>
+          <p:nvPr/>
+        </p:nvPicPr>
+        <p:blipFill>
+          <a:blip r:embed="rId2">
+            <a:extLst>
+              <a:ext uri="{28A0092B-C50C-407E-A947-70E740481C1C}">
+                <a14:useLocalDpi xmlns:a14="http://schemas.microsoft.com/office/drawing/2010/main" val="0"/>
+              </a:ext>
+            </a:extLst>
+          </a:blip>
+          <a:stretch>
+            <a:fillRect/>
+          </a:stretch>
+        </p:blipFill>
+        <p:spPr>
+          <a:xfrm>
+            <a:off x="306980" y="284176"/>
+            <a:ext cx="1791878" cy="1407045"/>
+          </a:xfrm>
+          <a:prstGeom prst="rect">
+            <a:avLst/>
+          </a:prstGeom>
+        </p:spPr>
+      </p:pic>
+      <p:pic>
+        <p:nvPicPr>
+          <p:cNvPr id="7" name="Picture 6" descr="A picture containing clock&#10;&#10;Description automatically generated">
+            <a:extLst>
+              <a:ext uri="{FF2B5EF4-FFF2-40B4-BE49-F238E27FC236}">
+                <a16:creationId xmlns:a16="http://schemas.microsoft.com/office/drawing/2014/main" id="{91A23FE8-B0C7-4680-8135-A1296CE75E92}"/>
+              </a:ext>
+            </a:extLst>
+          </p:cNvPr>
+          <p:cNvPicPr>
+            <a:picLocks noChangeAspect="1"/>
+          </p:cNvPicPr>
+          <p:nvPr/>
+        </p:nvPicPr>
+        <p:blipFill>
+          <a:blip r:embed="rId3">
+            <a:extLst>
+              <a:ext uri="{28A0092B-C50C-407E-A947-70E740481C1C}">
+                <a14:useLocalDpi xmlns:a14="http://schemas.microsoft.com/office/drawing/2010/main" val="0"/>
+              </a:ext>
+            </a:extLst>
+          </a:blip>
+          <a:stretch>
+            <a:fillRect/>
+          </a:stretch>
+        </p:blipFill>
+        <p:spPr>
+          <a:xfrm>
+            <a:off x="10091060" y="284175"/>
+            <a:ext cx="1791878" cy="1407045"/>
+          </a:xfrm>
+          <a:prstGeom prst="rect">
+            <a:avLst/>
+          </a:prstGeom>
+        </p:spPr>
+      </p:pic>
     </p:spTree>
     <p:extLst>
       <p:ext uri="{BB962C8B-B14F-4D97-AF65-F5344CB8AC3E}">
@@ -4432,12 +6491,32 @@
   <p:clrMapOvr>
     <a:masterClrMapping/>
   </p:clrMapOvr>
+  <mc:AlternateContent xmlns:mc="http://schemas.openxmlformats.org/markup-compatibility/2006" xmlns:p15="http://schemas.microsoft.com/office/powerpoint/2012/main">
+    <mc:Choice Requires="p15">
+      <p:transition xmlns:p14="http://schemas.microsoft.com/office/powerpoint/2010/main" spd="slow" p14:dur="1250">
+        <p15:prstTrans prst="airplane"/>
+      </p:transition>
+    </mc:Choice>
+    <mc:Fallback xmlns="">
+      <p:transition spd="slow">
+        <p:fade/>
+      </p:transition>
+    </mc:Fallback>
+  </mc:AlternateContent>
 </p:sld>
 </file>
 
 <file path=ppt/slides/slide11.xml><?xml version="1.0" encoding="utf-8"?>
 <p:sld xmlns:a="http://schemas.openxmlformats.org/drawingml/2006/main" xmlns:r="http://schemas.openxmlformats.org/officeDocument/2006/relationships" xmlns:p="http://schemas.openxmlformats.org/presentationml/2006/main">
   <p:cSld>
+    <p:bg>
+      <p:bgPr>
+        <a:solidFill>
+          <a:srgbClr val="79B39E"/>
+        </a:solidFill>
+        <a:effectLst/>
+      </p:bgPr>
+    </p:bg>
     <p:spTree>
       <p:nvGrpSpPr>
         <p:cNvPr id="1" name=""/>
@@ -4475,10 +6554,14 @@
           <a:p>
             <a:pPr algn="ctr"/>
             <a:r>
-              <a:rPr lang="en-GB" b="1" dirty="0" err="1"/>
-              <a:t>Conculsion</a:t>
-            </a:r>
-            <a:endParaRPr lang="en-GB" b="1" dirty="0"/>
+              <a:rPr lang="en-GB" b="1">
+                <a:solidFill>
+                  <a:schemeClr val="bg1"/>
+                </a:solidFill>
+                <a:latin typeface="Lucida Handwriting" panose="03010101010101010101" pitchFamily="66" charset="0"/>
+              </a:rPr>
+              <a:t>Conclusion</a:t>
+            </a:r>
           </a:p>
         </p:txBody>
       </p:sp>
@@ -4503,10 +6586,10 @@
           <a:bodyPr/>
           <a:lstStyle/>
           <a:p>
-            <a:endParaRPr lang="en-GB" b="1" dirty="0"/>
-          </a:p>
-          <a:p>
-            <a:endParaRPr lang="en-GB" dirty="0"/>
+            <a:endParaRPr lang="en-GB" b="1"/>
+          </a:p>
+          <a:p>
+            <a:endParaRPr lang="en-GB"/>
           </a:p>
         </p:txBody>
       </p:sp>
@@ -4540,6 +6623,78 @@
           </a:prstGeom>
         </p:spPr>
       </p:pic>
+      <p:pic>
+        <p:nvPicPr>
+          <p:cNvPr id="3" name="Picture 2" descr="A picture containing orange&#10;&#10;Description automatically generated">
+            <a:extLst>
+              <a:ext uri="{FF2B5EF4-FFF2-40B4-BE49-F238E27FC236}">
+                <a16:creationId xmlns:a16="http://schemas.microsoft.com/office/drawing/2014/main" id="{9B7E692B-FA3F-422C-B057-7D4FA0D7550D}"/>
+              </a:ext>
+            </a:extLst>
+          </p:cNvPr>
+          <p:cNvPicPr>
+            <a:picLocks noChangeAspect="1"/>
+          </p:cNvPicPr>
+          <p:nvPr/>
+        </p:nvPicPr>
+        <p:blipFill>
+          <a:blip r:embed="rId3">
+            <a:extLst>
+              <a:ext uri="{28A0092B-C50C-407E-A947-70E740481C1C}">
+                <a14:useLocalDpi xmlns:a14="http://schemas.microsoft.com/office/drawing/2010/main" val="0"/>
+              </a:ext>
+            </a:extLst>
+          </a:blip>
+          <a:stretch>
+            <a:fillRect/>
+          </a:stretch>
+        </p:blipFill>
+        <p:spPr>
+          <a:xfrm>
+            <a:off x="306980" y="284176"/>
+            <a:ext cx="1791878" cy="1407045"/>
+          </a:xfrm>
+          <a:prstGeom prst="rect">
+            <a:avLst/>
+          </a:prstGeom>
+        </p:spPr>
+      </p:pic>
+      <p:pic>
+        <p:nvPicPr>
+          <p:cNvPr id="4" name="Picture 3" descr="A picture containing clock&#10;&#10;Description automatically generated">
+            <a:extLst>
+              <a:ext uri="{FF2B5EF4-FFF2-40B4-BE49-F238E27FC236}">
+                <a16:creationId xmlns:a16="http://schemas.microsoft.com/office/drawing/2014/main" id="{C679B675-BC80-4957-AE1E-132D580DFFD8}"/>
+              </a:ext>
+            </a:extLst>
+          </p:cNvPr>
+          <p:cNvPicPr>
+            <a:picLocks noChangeAspect="1"/>
+          </p:cNvPicPr>
+          <p:nvPr/>
+        </p:nvPicPr>
+        <p:blipFill>
+          <a:blip r:embed="rId4">
+            <a:extLst>
+              <a:ext uri="{28A0092B-C50C-407E-A947-70E740481C1C}">
+                <a14:useLocalDpi xmlns:a14="http://schemas.microsoft.com/office/drawing/2010/main" val="0"/>
+              </a:ext>
+            </a:extLst>
+          </a:blip>
+          <a:stretch>
+            <a:fillRect/>
+          </a:stretch>
+        </p:blipFill>
+        <p:spPr>
+          <a:xfrm>
+            <a:off x="10091060" y="284175"/>
+            <a:ext cx="1791878" cy="1407045"/>
+          </a:xfrm>
+          <a:prstGeom prst="rect">
+            <a:avLst/>
+          </a:prstGeom>
+        </p:spPr>
+      </p:pic>
     </p:spTree>
     <p:extLst>
       <p:ext uri="{BB962C8B-B14F-4D97-AF65-F5344CB8AC3E}">
@@ -4550,12 +6705,32 @@
   <p:clrMapOvr>
     <a:masterClrMapping/>
   </p:clrMapOvr>
+  <mc:AlternateContent xmlns:mc="http://schemas.openxmlformats.org/markup-compatibility/2006" xmlns:p15="http://schemas.microsoft.com/office/powerpoint/2012/main">
+    <mc:Choice Requires="p15">
+      <p:transition xmlns:p14="http://schemas.microsoft.com/office/powerpoint/2010/main" spd="slow" p14:dur="3250">
+        <p15:prstTrans prst="origami"/>
+      </p:transition>
+    </mc:Choice>
+    <mc:Fallback xmlns="">
+      <p:transition spd="slow">
+        <p:fade/>
+      </p:transition>
+    </mc:Fallback>
+  </mc:AlternateContent>
 </p:sld>
 </file>
 
 <file path=ppt/slides/slide2.xml><?xml version="1.0" encoding="utf-8"?>
 <p:sld xmlns:a="http://schemas.openxmlformats.org/drawingml/2006/main" xmlns:r="http://schemas.openxmlformats.org/officeDocument/2006/relationships" xmlns:p="http://schemas.openxmlformats.org/presentationml/2006/main">
   <p:cSld name="Slide2">
+    <p:bg>
+      <p:bgPr>
+        <a:solidFill>
+          <a:srgbClr val="79B39E"/>
+        </a:solidFill>
+        <a:effectLst/>
+      </p:bgPr>
+    </p:bg>
     <p:spTree>
       <p:nvGrpSpPr>
         <p:cNvPr id="1" name=""/>
@@ -4588,12 +6763,19 @@
         </p:nvSpPr>
         <p:spPr/>
         <p:txBody>
-          <a:bodyPr anchorCtr="1"/>
+          <a:bodyPr anchorCtr="1">
+            <a:normAutofit/>
+          </a:bodyPr>
           <a:lstStyle/>
           <a:p>
             <a:pPr lvl="0" algn="ctr"/>
             <a:r>
-              <a:rPr lang="en-GB" b="1" dirty="0"/>
+              <a:rPr lang="en-GB" sz="3600" b="1">
+                <a:solidFill>
+                  <a:schemeClr val="bg1"/>
+                </a:solidFill>
+                <a:latin typeface="Lucida Handwriting" panose="03010101010101010101" pitchFamily="66" charset="0"/>
+              </a:rPr>
               <a:t>Introduction and Scope</a:t>
             </a:r>
           </a:p>
@@ -4617,10 +6799,66 @@
         </p:nvSpPr>
         <p:spPr/>
         <p:txBody>
-          <a:bodyPr>
+          <a:bodyPr vert="horz" lIns="91440" tIns="45720" rIns="91440" bIns="45720" rtlCol="0" anchor="t">
             <a:normAutofit/>
           </a:bodyPr>
           <a:lstStyle/>
+          <a:p>
+            <a:pPr>
+              <a:lnSpc>
+                <a:spcPct val="150000"/>
+              </a:lnSpc>
+            </a:pPr>
+            <a:r>
+              <a:rPr lang="en-GB" dirty="0"/>
+              <a:t>Who are we? </a:t>
+            </a:r>
+            <a:endParaRPr lang="en-GB"/>
+          </a:p>
+          <a:p>
+            <a:pPr lvl="2">
+              <a:lnSpc>
+                <a:spcPct val="150000"/>
+              </a:lnSpc>
+            </a:pPr>
+            <a:r>
+              <a:rPr lang="en-GB" dirty="0"/>
+              <a:t>Connor  Young – Product Owner</a:t>
+            </a:r>
+          </a:p>
+          <a:p>
+            <a:pPr lvl="2">
+              <a:lnSpc>
+                <a:spcPct val="150000"/>
+              </a:lnSpc>
+            </a:pPr>
+            <a:r>
+              <a:rPr lang="en-GB" dirty="0"/>
+              <a:t>Nilay Sanghrajka – Scrum Master</a:t>
+            </a:r>
+          </a:p>
+          <a:p>
+            <a:pPr lvl="2">
+              <a:lnSpc>
+                <a:spcPct val="150000"/>
+              </a:lnSpc>
+            </a:pPr>
+            <a:r>
+              <a:rPr lang="en-GB" dirty="0"/>
+              <a:t>Shiva King – Developer</a:t>
+            </a:r>
+          </a:p>
+          <a:p>
+            <a:pPr lvl="2">
+              <a:lnSpc>
+                <a:spcPct val="150000"/>
+              </a:lnSpc>
+            </a:pPr>
+            <a:r>
+              <a:rPr lang="en-GB" dirty="0"/>
+              <a:t>Morgan Walsh – Developer</a:t>
+            </a:r>
+          </a:p>
           <a:p>
             <a:pPr lvl="0">
               <a:lnSpc>
@@ -4629,7 +6867,7 @@
             </a:pPr>
             <a:r>
               <a:rPr lang="en-GB" dirty="0"/>
-              <a:t>Who are we? </a:t>
+              <a:t>What we creating</a:t>
             </a:r>
           </a:p>
           <a:p>
@@ -4640,75 +6878,153 @@
             </a:pPr>
             <a:r>
               <a:rPr lang="en-GB" dirty="0"/>
-              <a:t>Connor  Young – Product Owner</a:t>
-            </a:r>
-          </a:p>
-          <a:p>
-            <a:pPr lvl="2">
-              <a:lnSpc>
-                <a:spcPct val="150000"/>
-              </a:lnSpc>
-            </a:pPr>
-            <a:r>
-              <a:rPr lang="en-GB" dirty="0"/>
-              <a:t>Nilay Sanghrajka – Scrum Master</a:t>
-            </a:r>
-          </a:p>
-          <a:p>
-            <a:pPr lvl="2">
-              <a:lnSpc>
-                <a:spcPct val="150000"/>
-              </a:lnSpc>
-            </a:pPr>
-            <a:r>
-              <a:rPr lang="en-GB" dirty="0"/>
-              <a:t>Shiva King – Developer</a:t>
-            </a:r>
-          </a:p>
-          <a:p>
-            <a:pPr lvl="2">
-              <a:lnSpc>
-                <a:spcPct val="150000"/>
-              </a:lnSpc>
-            </a:pPr>
-            <a:r>
-              <a:rPr lang="en-GB" dirty="0"/>
-              <a:t>Morgan Walsh – Developer</a:t>
-            </a:r>
-          </a:p>
-          <a:p>
-            <a:pPr lvl="0">
-              <a:lnSpc>
-                <a:spcPct val="150000"/>
-              </a:lnSpc>
-            </a:pPr>
-            <a:r>
-              <a:rPr lang="en-GB" dirty="0"/>
-              <a:t>What we creating</a:t>
-            </a:r>
-          </a:p>
-          <a:p>
-            <a:pPr marL="0" lvl="0" indent="0">
+              <a:t>Elements altered after speaking to client</a:t>
+            </a:r>
+          </a:p>
+          <a:p>
+            <a:pPr marL="0" indent="0">
               <a:lnSpc>
                 <a:spcPct val="150000"/>
               </a:lnSpc>
               <a:buNone/>
             </a:pPr>
-            <a:endParaRPr lang="en-GB" dirty="0"/>
+            <a:endParaRPr lang="en-GB"/>
           </a:p>
         </p:txBody>
       </p:sp>
+      <p:pic>
+        <p:nvPicPr>
+          <p:cNvPr id="5" name="Picture 4" descr="A picture containing orange&#10;&#10;Description automatically generated">
+            <a:extLst>
+              <a:ext uri="{FF2B5EF4-FFF2-40B4-BE49-F238E27FC236}">
+                <a16:creationId xmlns:a16="http://schemas.microsoft.com/office/drawing/2014/main" id="{F91DBA1F-177E-4A53-927A-1B44D02357A7}"/>
+              </a:ext>
+            </a:extLst>
+          </p:cNvPr>
+          <p:cNvPicPr>
+            <a:picLocks noChangeAspect="1"/>
+          </p:cNvPicPr>
+          <p:nvPr/>
+        </p:nvPicPr>
+        <p:blipFill>
+          <a:blip r:embed="rId3">
+            <a:extLst>
+              <a:ext uri="{28A0092B-C50C-407E-A947-70E740481C1C}">
+                <a14:useLocalDpi xmlns:a14="http://schemas.microsoft.com/office/drawing/2010/main" val="0"/>
+              </a:ext>
+            </a:extLst>
+          </a:blip>
+          <a:stretch>
+            <a:fillRect/>
+          </a:stretch>
+        </p:blipFill>
+        <p:spPr>
+          <a:xfrm>
+            <a:off x="306980" y="284176"/>
+            <a:ext cx="1791878" cy="1407045"/>
+          </a:xfrm>
+          <a:prstGeom prst="rect">
+            <a:avLst/>
+          </a:prstGeom>
+        </p:spPr>
+      </p:pic>
+      <p:pic>
+        <p:nvPicPr>
+          <p:cNvPr id="7" name="Picture 6" descr="A picture containing clock&#10;&#10;Description automatically generated">
+            <a:extLst>
+              <a:ext uri="{FF2B5EF4-FFF2-40B4-BE49-F238E27FC236}">
+                <a16:creationId xmlns:a16="http://schemas.microsoft.com/office/drawing/2014/main" id="{B467E6CA-4A36-4048-830C-114EC949F80B}"/>
+              </a:ext>
+            </a:extLst>
+          </p:cNvPr>
+          <p:cNvPicPr>
+            <a:picLocks noChangeAspect="1"/>
+          </p:cNvPicPr>
+          <p:nvPr/>
+        </p:nvPicPr>
+        <p:blipFill>
+          <a:blip r:embed="rId4">
+            <a:extLst>
+              <a:ext uri="{28A0092B-C50C-407E-A947-70E740481C1C}">
+                <a14:useLocalDpi xmlns:a14="http://schemas.microsoft.com/office/drawing/2010/main" val="0"/>
+              </a:ext>
+            </a:extLst>
+          </a:blip>
+          <a:stretch>
+            <a:fillRect/>
+          </a:stretch>
+        </p:blipFill>
+        <p:spPr>
+          <a:xfrm>
+            <a:off x="10091060" y="284175"/>
+            <a:ext cx="1791878" cy="1407045"/>
+          </a:xfrm>
+          <a:prstGeom prst="rect">
+            <a:avLst/>
+          </a:prstGeom>
+        </p:spPr>
+      </p:pic>
+      <p:pic>
+        <p:nvPicPr>
+          <p:cNvPr id="4" name="Picture 5" descr="A close up of a sign&#10;&#10;Description automatically generated">
+            <a:extLst>
+              <a:ext uri="{FF2B5EF4-FFF2-40B4-BE49-F238E27FC236}">
+                <a16:creationId xmlns:a16="http://schemas.microsoft.com/office/drawing/2014/main" id="{294B0C34-D7C2-4219-938B-9D7830AB239C}"/>
+              </a:ext>
+            </a:extLst>
+          </p:cNvPr>
+          <p:cNvPicPr>
+            <a:picLocks noChangeAspect="1"/>
+          </p:cNvPicPr>
+          <p:nvPr/>
+        </p:nvPicPr>
+        <p:blipFill>
+          <a:blip r:embed="rId5"/>
+          <a:stretch>
+            <a:fillRect/>
+          </a:stretch>
+        </p:blipFill>
+        <p:spPr>
+          <a:xfrm>
+            <a:off x="6459049" y="2388211"/>
+            <a:ext cx="4843584" cy="3225800"/>
+          </a:xfrm>
+          <a:prstGeom prst="rect">
+            <a:avLst/>
+          </a:prstGeom>
+        </p:spPr>
+      </p:pic>
     </p:spTree>
   </p:cSld>
   <p:clrMapOvr>
     <a:masterClrMapping/>
   </p:clrMapOvr>
+  <mc:AlternateContent xmlns:mc="http://schemas.openxmlformats.org/markup-compatibility/2006" xmlns:p15="http://schemas.microsoft.com/office/powerpoint/2012/main">
+    <mc:Choice Requires="p15">
+      <p:transition xmlns:p14="http://schemas.microsoft.com/office/powerpoint/2010/main" spd="slow" p14:dur="3000">
+        <p15:prstTrans prst="curtains"/>
+      </p:transition>
+    </mc:Choice>
+    <mc:Fallback xmlns="">
+      <p:transition spd="slow">
+        <p:fade/>
+      </p:transition>
+    </mc:Fallback>
+  </mc:AlternateContent>
 </p:sld>
 </file>
 
 <file path=ppt/slides/slide3.xml><?xml version="1.0" encoding="utf-8"?>
 <p:sld xmlns:a="http://schemas.openxmlformats.org/drawingml/2006/main" xmlns:r="http://schemas.openxmlformats.org/officeDocument/2006/relationships" xmlns:p="http://schemas.openxmlformats.org/presentationml/2006/main">
   <p:cSld name="Slide3">
+    <p:bg>
+      <p:bgPr>
+        <a:solidFill>
+          <a:srgbClr val="79B39E"/>
+        </a:solidFill>
+        <a:effectLst/>
+      </p:bgPr>
+    </p:bg>
     <p:spTree>
       <p:nvGrpSpPr>
         <p:cNvPr id="1" name=""/>
@@ -4741,12 +7057,19 @@
         </p:nvSpPr>
         <p:spPr/>
         <p:txBody>
-          <a:bodyPr anchorCtr="1"/>
+          <a:bodyPr anchorCtr="1">
+            <a:normAutofit/>
+          </a:bodyPr>
           <a:lstStyle/>
           <a:p>
             <a:pPr lvl="0" algn="ctr"/>
             <a:r>
-              <a:rPr lang="en-GB" b="1" dirty="0"/>
+              <a:rPr lang="en-GB" b="1">
+                <a:solidFill>
+                  <a:schemeClr val="bg1"/>
+                </a:solidFill>
+                <a:latin typeface="Lucida Handwriting" panose="03010101010101010101" pitchFamily="66" charset="0"/>
+              </a:rPr>
               <a:t>Technologies</a:t>
             </a:r>
           </a:p>
@@ -4768,89 +7091,166 @@
             <p:ph idx="1"/>
           </p:nvPr>
         </p:nvSpPr>
-        <p:spPr/>
+        <p:spPr>
+          <a:xfrm>
+            <a:off x="1327158" y="1920572"/>
+            <a:ext cx="8839863" cy="4719761"/>
+          </a:xfrm>
+        </p:spPr>
         <p:txBody>
-          <a:bodyPr numCol="2">
+          <a:bodyPr vert="horz" lIns="91440" tIns="45720" rIns="91440" bIns="45720" numCol="2" rtlCol="0" anchor="t">
             <a:normAutofit/>
           </a:bodyPr>
           <a:lstStyle/>
           <a:p>
+            <a:r>
+              <a:rPr lang="en-GB" sz="1800" dirty="0"/>
+              <a:t>MERN Stack </a:t>
+            </a:r>
+          </a:p>
+          <a:p>
+            <a:endParaRPr lang="en-GB" sz="1800" dirty="0"/>
+          </a:p>
+          <a:p>
+            <a:r>
+              <a:rPr lang="en-GB" sz="1800" dirty="0"/>
+              <a:t>Unit Testing: Jest, Enzyme, Mocha Chai</a:t>
+            </a:r>
+          </a:p>
+          <a:p>
+            <a:endParaRPr lang="en-GB" sz="1800" dirty="0"/>
+          </a:p>
+          <a:p>
+            <a:r>
+              <a:rPr lang="en-GB" sz="1800" dirty="0"/>
+              <a:t>Source Code Management: GitHub</a:t>
+            </a:r>
+          </a:p>
+          <a:p>
             <a:pPr lvl="0"/>
-            <a:r>
-              <a:rPr lang="en-GB" sz="2000" dirty="0"/>
-              <a:t>MERN Stack </a:t>
-            </a:r>
-          </a:p>
-          <a:p>
-            <a:pPr lvl="1"/>
+            <a:endParaRPr lang="en-GB" sz="1800" dirty="0"/>
+          </a:p>
+          <a:p>
             <a:r>
               <a:rPr lang="en-GB" sz="1800" dirty="0"/>
-              <a:t>Back-End Programming Language: </a:t>
-            </a:r>
-          </a:p>
-          <a:p>
-            <a:pPr lvl="1"/>
+              <a:t>Kanban Board: Jira Boards </a:t>
+            </a:r>
+          </a:p>
+          <a:p>
+            <a:endParaRPr lang="en-GB" sz="1800" dirty="0"/>
+          </a:p>
+          <a:p>
             <a:r>
               <a:rPr lang="en-GB" sz="1800" dirty="0"/>
-              <a:t>API Development Platform:  </a:t>
-            </a:r>
-          </a:p>
-          <a:p>
-            <a:pPr lvl="1"/>
+              <a:t>GCP to host our API </a:t>
+            </a:r>
+          </a:p>
+          <a:p>
+            <a:endParaRPr lang="en-GB" sz="1800" dirty="0"/>
+          </a:p>
+          <a:p>
             <a:r>
               <a:rPr lang="en-GB" sz="1800" dirty="0"/>
-              <a:t>Front-End Web Technologies: </a:t>
-            </a:r>
-          </a:p>
-          <a:p>
-            <a:pPr lvl="1"/>
-            <a:r>
-              <a:rPr lang="en-GB" sz="1800" dirty="0"/>
-              <a:t>Build Tool: </a:t>
-            </a:r>
-          </a:p>
-          <a:p>
-            <a:pPr lvl="1"/>
-            <a:r>
-              <a:rPr lang="en-GB" sz="1800" dirty="0"/>
-              <a:t>Database Management System: </a:t>
-            </a:r>
-          </a:p>
-          <a:p>
-            <a:pPr lvl="0"/>
-            <a:r>
-              <a:rPr lang="en-GB" sz="2000" dirty="0"/>
-              <a:t>Unit Testing: Jest, Mocha Chai</a:t>
-            </a:r>
-          </a:p>
-          <a:p>
-            <a:pPr lvl="0"/>
-            <a:r>
-              <a:rPr lang="en-GB" sz="2000" dirty="0"/>
-              <a:t>Source Code Management: GitHub</a:t>
-            </a:r>
-          </a:p>
-          <a:p>
-            <a:pPr lvl="0"/>
-            <a:r>
-              <a:rPr lang="en-GB" sz="2000" dirty="0"/>
-              <a:t>Kanban Board: Jira Boards </a:t>
-            </a:r>
-          </a:p>
-          <a:p>
-            <a:endParaRPr lang="en-GB" sz="2400" dirty="0"/>
-          </a:p>
-          <a:p>
-            <a:pPr lvl="0"/>
-            <a:endParaRPr lang="en-GB" dirty="0"/>
+              <a:t>Jenkins as the CICD </a:t>
+            </a:r>
+          </a:p>
+          <a:p>
+            <a:endParaRPr lang="en-GB" sz="2400"/>
+          </a:p>
+          <a:p>
+            <a:endParaRPr lang="en-GB"/>
           </a:p>
         </p:txBody>
       </p:sp>
+      <p:pic>
+        <p:nvPicPr>
+          <p:cNvPr id="5" name="Picture 4" descr="A picture containing orange&#10;&#10;Description automatically generated">
+            <a:extLst>
+              <a:ext uri="{FF2B5EF4-FFF2-40B4-BE49-F238E27FC236}">
+                <a16:creationId xmlns:a16="http://schemas.microsoft.com/office/drawing/2014/main" id="{70050698-2D2A-4275-B25F-8704E7A897A7}"/>
+              </a:ext>
+            </a:extLst>
+          </p:cNvPr>
+          <p:cNvPicPr>
+            <a:picLocks noChangeAspect="1"/>
+          </p:cNvPicPr>
+          <p:nvPr/>
+        </p:nvPicPr>
+        <p:blipFill>
+          <a:blip r:embed="rId2">
+            <a:extLst>
+              <a:ext uri="{28A0092B-C50C-407E-A947-70E740481C1C}">
+                <a14:useLocalDpi xmlns:a14="http://schemas.microsoft.com/office/drawing/2010/main" val="0"/>
+              </a:ext>
+            </a:extLst>
+          </a:blip>
+          <a:stretch>
+            <a:fillRect/>
+          </a:stretch>
+        </p:blipFill>
+        <p:spPr>
+          <a:xfrm>
+            <a:off x="306980" y="284176"/>
+            <a:ext cx="1791878" cy="1407045"/>
+          </a:xfrm>
+          <a:prstGeom prst="rect">
+            <a:avLst/>
+          </a:prstGeom>
+        </p:spPr>
+      </p:pic>
+      <p:pic>
+        <p:nvPicPr>
+          <p:cNvPr id="7" name="Picture 6" descr="A picture containing clock&#10;&#10;Description automatically generated">
+            <a:extLst>
+              <a:ext uri="{FF2B5EF4-FFF2-40B4-BE49-F238E27FC236}">
+                <a16:creationId xmlns:a16="http://schemas.microsoft.com/office/drawing/2014/main" id="{D7C9E5C7-6499-4594-8658-716781D0648A}"/>
+              </a:ext>
+            </a:extLst>
+          </p:cNvPr>
+          <p:cNvPicPr>
+            <a:picLocks noChangeAspect="1"/>
+          </p:cNvPicPr>
+          <p:nvPr/>
+        </p:nvPicPr>
+        <p:blipFill>
+          <a:blip r:embed="rId3">
+            <a:extLst>
+              <a:ext uri="{28A0092B-C50C-407E-A947-70E740481C1C}">
+                <a14:useLocalDpi xmlns:a14="http://schemas.microsoft.com/office/drawing/2010/main" val="0"/>
+              </a:ext>
+            </a:extLst>
+          </a:blip>
+          <a:stretch>
+            <a:fillRect/>
+          </a:stretch>
+        </p:blipFill>
+        <p:spPr>
+          <a:xfrm>
+            <a:off x="10091060" y="284175"/>
+            <a:ext cx="1791878" cy="1407045"/>
+          </a:xfrm>
+          <a:prstGeom prst="rect">
+            <a:avLst/>
+          </a:prstGeom>
+        </p:spPr>
+      </p:pic>
     </p:spTree>
   </p:cSld>
   <p:clrMapOvr>
     <a:masterClrMapping/>
   </p:clrMapOvr>
+  <mc:AlternateContent xmlns:mc="http://schemas.openxmlformats.org/markup-compatibility/2006" xmlns:p15="http://schemas.microsoft.com/office/powerpoint/2012/main">
+    <mc:Choice Requires="p15">
+      <p:transition xmlns:p14="http://schemas.microsoft.com/office/powerpoint/2010/main" spd="slow" p14:dur="2000">
+        <p15:prstTrans prst="wind"/>
+      </p:transition>
+    </mc:Choice>
+    <mc:Fallback xmlns="">
+      <p:transition spd="slow">
+        <p:fade/>
+      </p:transition>
+    </mc:Fallback>
+  </mc:AlternateContent>
 </p:sld>
 </file>
 
@@ -4860,7 +7260,7 @@
     <p:bg>
       <p:bgPr>
         <a:solidFill>
-          <a:schemeClr val="bg2"/>
+          <a:srgbClr val="79B39E"/>
         </a:solidFill>
         <a:effectLst/>
       </p:bgPr>
@@ -4895,12 +7295,7 @@
             <p:ph type="title"/>
           </p:nvPr>
         </p:nvSpPr>
-        <p:spPr>
-          <a:xfrm>
-            <a:off x="1202919" y="284176"/>
-            <a:ext cx="9784080" cy="1508760"/>
-          </a:xfrm>
-        </p:spPr>
+        <p:spPr/>
         <p:txBody>
           <a:bodyPr>
             <a:normAutofit/>
@@ -4909,41 +7304,14 @@
           <a:p>
             <a:pPr algn="ctr"/>
             <a:r>
-              <a:rPr lang="en-GB" b="1" dirty="0"/>
+              <a:rPr lang="en-GB" b="1">
+                <a:solidFill>
+                  <a:schemeClr val="bg1"/>
+                </a:solidFill>
+                <a:latin typeface="Lucida Handwriting" panose="03010101010101010101" pitchFamily="66" charset="0"/>
+              </a:rPr>
               <a:t>ERD Diagram</a:t>
             </a:r>
-          </a:p>
-        </p:txBody>
-      </p:sp>
-      <p:sp>
-        <p:nvSpPr>
-          <p:cNvPr id="7" name="Content Placeholder 6">
-            <a:extLst>
-              <a:ext uri="{FF2B5EF4-FFF2-40B4-BE49-F238E27FC236}">
-                <a16:creationId xmlns:a16="http://schemas.microsoft.com/office/drawing/2014/main" id="{C02301FE-18FF-4457-B142-AD5FF6407A48}"/>
-              </a:ext>
-            </a:extLst>
-          </p:cNvPr>
-          <p:cNvSpPr>
-            <a:spLocks noGrp="1"/>
-          </p:cNvSpPr>
-          <p:nvPr>
-            <p:ph idx="1"/>
-          </p:nvPr>
-        </p:nvSpPr>
-        <p:spPr>
-          <a:xfrm>
-            <a:off x="1109614" y="2221338"/>
-            <a:ext cx="2846566" cy="4206240"/>
-          </a:xfrm>
-        </p:spPr>
-        <p:txBody>
-          <a:bodyPr>
-            <a:normAutofit/>
-          </a:bodyPr>
-          <a:lstStyle/>
-          <a:p>
-            <a:endParaRPr lang="en-US" sz="2000" dirty="0"/>
           </a:p>
         </p:txBody>
       </p:sp>
@@ -4969,8 +7337,80 @@
         </p:blipFill>
         <p:spPr>
           <a:xfrm>
-            <a:off x="5206455" y="2034668"/>
-            <a:ext cx="5875931" cy="4539156"/>
+            <a:off x="2949763" y="1907667"/>
+            <a:ext cx="6305777" cy="4871309"/>
+          </a:xfrm>
+          <a:prstGeom prst="rect">
+            <a:avLst/>
+          </a:prstGeom>
+        </p:spPr>
+      </p:pic>
+      <p:pic>
+        <p:nvPicPr>
+          <p:cNvPr id="4" name="Picture 3" descr="A picture containing orange&#10;&#10;Description automatically generated">
+            <a:extLst>
+              <a:ext uri="{FF2B5EF4-FFF2-40B4-BE49-F238E27FC236}">
+                <a16:creationId xmlns:a16="http://schemas.microsoft.com/office/drawing/2014/main" id="{D8CD00CE-0DE7-4572-8F05-D680EED059FD}"/>
+              </a:ext>
+            </a:extLst>
+          </p:cNvPr>
+          <p:cNvPicPr>
+            <a:picLocks noChangeAspect="1"/>
+          </p:cNvPicPr>
+          <p:nvPr/>
+        </p:nvPicPr>
+        <p:blipFill>
+          <a:blip r:embed="rId3">
+            <a:extLst>
+              <a:ext uri="{28A0092B-C50C-407E-A947-70E740481C1C}">
+                <a14:useLocalDpi xmlns:a14="http://schemas.microsoft.com/office/drawing/2010/main" val="0"/>
+              </a:ext>
+            </a:extLst>
+          </a:blip>
+          <a:stretch>
+            <a:fillRect/>
+          </a:stretch>
+        </p:blipFill>
+        <p:spPr>
+          <a:xfrm>
+            <a:off x="306980" y="284176"/>
+            <a:ext cx="1791878" cy="1407045"/>
+          </a:xfrm>
+          <a:prstGeom prst="rect">
+            <a:avLst/>
+          </a:prstGeom>
+        </p:spPr>
+      </p:pic>
+      <p:pic>
+        <p:nvPicPr>
+          <p:cNvPr id="6" name="Picture 5" descr="A picture containing clock&#10;&#10;Description automatically generated">
+            <a:extLst>
+              <a:ext uri="{FF2B5EF4-FFF2-40B4-BE49-F238E27FC236}">
+                <a16:creationId xmlns:a16="http://schemas.microsoft.com/office/drawing/2014/main" id="{0E0078BC-0DEB-43D1-8932-4D1E4A8F786C}"/>
+              </a:ext>
+            </a:extLst>
+          </p:cNvPr>
+          <p:cNvPicPr>
+            <a:picLocks noChangeAspect="1"/>
+          </p:cNvPicPr>
+          <p:nvPr/>
+        </p:nvPicPr>
+        <p:blipFill>
+          <a:blip r:embed="rId4">
+            <a:extLst>
+              <a:ext uri="{28A0092B-C50C-407E-A947-70E740481C1C}">
+                <a14:useLocalDpi xmlns:a14="http://schemas.microsoft.com/office/drawing/2010/main" val="0"/>
+              </a:ext>
+            </a:extLst>
+          </a:blip>
+          <a:stretch>
+            <a:fillRect/>
+          </a:stretch>
+        </p:blipFill>
+        <p:spPr>
+          <a:xfrm>
+            <a:off x="10091060" y="284175"/>
+            <a:ext cx="1791878" cy="1407045"/>
           </a:xfrm>
           <a:prstGeom prst="rect">
             <a:avLst/>
@@ -4987,6 +7427,18 @@
   <p:clrMapOvr>
     <a:masterClrMapping/>
   </p:clrMapOvr>
+  <mc:AlternateContent xmlns:mc="http://schemas.openxmlformats.org/markup-compatibility/2006" xmlns:p15="http://schemas.microsoft.com/office/powerpoint/2012/main">
+    <mc:Choice Requires="p15">
+      <p:transition xmlns:p14="http://schemas.microsoft.com/office/powerpoint/2010/main" spd="slow" p14:dur="2000">
+        <p15:prstTrans prst="prestige"/>
+      </p:transition>
+    </mc:Choice>
+    <mc:Fallback xmlns="">
+      <p:transition spd="slow">
+        <p:fade/>
+      </p:transition>
+    </mc:Fallback>
+  </mc:AlternateContent>
 </p:sld>
 </file>
 
@@ -4996,7 +7448,7 @@
     <p:bg>
       <p:bgPr>
         <a:solidFill>
-          <a:schemeClr val="bg2"/>
+          <a:srgbClr val="79B39E"/>
         </a:solidFill>
         <a:effectLst/>
       </p:bgPr>
@@ -5031,12 +7483,7 @@
             <p:ph type="title"/>
           </p:nvPr>
         </p:nvSpPr>
-        <p:spPr>
-          <a:xfrm>
-            <a:off x="1202919" y="284176"/>
-            <a:ext cx="9784080" cy="1508760"/>
-          </a:xfrm>
-        </p:spPr>
+        <p:spPr/>
         <p:txBody>
           <a:bodyPr>
             <a:normAutofit/>
@@ -5045,41 +7492,14 @@
           <a:p>
             <a:pPr algn="ctr"/>
             <a:r>
-              <a:rPr lang="en-GB" b="1" dirty="0"/>
+              <a:rPr lang="en-GB" b="1">
+                <a:solidFill>
+                  <a:schemeClr val="bg1"/>
+                </a:solidFill>
+                <a:latin typeface="Lucida Handwriting" panose="03010101010101010101" pitchFamily="66" charset="0"/>
+              </a:rPr>
               <a:t>Data flow Diagram</a:t>
             </a:r>
-          </a:p>
-        </p:txBody>
-      </p:sp>
-      <p:sp>
-        <p:nvSpPr>
-          <p:cNvPr id="7" name="Content Placeholder 6">
-            <a:extLst>
-              <a:ext uri="{FF2B5EF4-FFF2-40B4-BE49-F238E27FC236}">
-                <a16:creationId xmlns:a16="http://schemas.microsoft.com/office/drawing/2014/main" id="{C02301FE-18FF-4457-B142-AD5FF6407A48}"/>
-              </a:ext>
-            </a:extLst>
-          </p:cNvPr>
-          <p:cNvSpPr>
-            <a:spLocks noGrp="1"/>
-          </p:cNvSpPr>
-          <p:nvPr>
-            <p:ph idx="1"/>
-          </p:nvPr>
-        </p:nvSpPr>
-        <p:spPr>
-          <a:xfrm>
-            <a:off x="316512" y="2221338"/>
-            <a:ext cx="2846566" cy="4206240"/>
-          </a:xfrm>
-        </p:spPr>
-        <p:txBody>
-          <a:bodyPr>
-            <a:normAutofit/>
-          </a:bodyPr>
-          <a:lstStyle/>
-          <a:p>
-            <a:endParaRPr lang="en-US" sz="2000" dirty="0"/>
           </a:p>
         </p:txBody>
       </p:sp>
@@ -5105,8 +7525,80 @@
         </p:blipFill>
         <p:spPr>
           <a:xfrm>
-            <a:off x="3918857" y="2221339"/>
-            <a:ext cx="7842768" cy="4205648"/>
+            <a:off x="1544934" y="1889185"/>
+            <a:ext cx="9093229" cy="4879724"/>
+          </a:xfrm>
+          <a:prstGeom prst="rect">
+            <a:avLst/>
+          </a:prstGeom>
+        </p:spPr>
+      </p:pic>
+      <p:pic>
+        <p:nvPicPr>
+          <p:cNvPr id="3" name="Picture 2" descr="A picture containing orange&#10;&#10;Description automatically generated">
+            <a:extLst>
+              <a:ext uri="{FF2B5EF4-FFF2-40B4-BE49-F238E27FC236}">
+                <a16:creationId xmlns:a16="http://schemas.microsoft.com/office/drawing/2014/main" id="{083F3A9F-CB05-4B14-AE52-9962C61C4987}"/>
+              </a:ext>
+            </a:extLst>
+          </p:cNvPr>
+          <p:cNvPicPr>
+            <a:picLocks noChangeAspect="1"/>
+          </p:cNvPicPr>
+          <p:nvPr/>
+        </p:nvPicPr>
+        <p:blipFill>
+          <a:blip r:embed="rId3">
+            <a:extLst>
+              <a:ext uri="{28A0092B-C50C-407E-A947-70E740481C1C}">
+                <a14:useLocalDpi xmlns:a14="http://schemas.microsoft.com/office/drawing/2010/main" val="0"/>
+              </a:ext>
+            </a:extLst>
+          </a:blip>
+          <a:stretch>
+            <a:fillRect/>
+          </a:stretch>
+        </p:blipFill>
+        <p:spPr>
+          <a:xfrm>
+            <a:off x="306980" y="284176"/>
+            <a:ext cx="1791878" cy="1407045"/>
+          </a:xfrm>
+          <a:prstGeom prst="rect">
+            <a:avLst/>
+          </a:prstGeom>
+        </p:spPr>
+      </p:pic>
+      <p:pic>
+        <p:nvPicPr>
+          <p:cNvPr id="6" name="Picture 5" descr="A picture containing clock&#10;&#10;Description automatically generated">
+            <a:extLst>
+              <a:ext uri="{FF2B5EF4-FFF2-40B4-BE49-F238E27FC236}">
+                <a16:creationId xmlns:a16="http://schemas.microsoft.com/office/drawing/2014/main" id="{E8440F1A-57DA-4F84-975D-9AB0933257A1}"/>
+              </a:ext>
+            </a:extLst>
+          </p:cNvPr>
+          <p:cNvPicPr>
+            <a:picLocks noChangeAspect="1"/>
+          </p:cNvPicPr>
+          <p:nvPr/>
+        </p:nvPicPr>
+        <p:blipFill>
+          <a:blip r:embed="rId4">
+            <a:extLst>
+              <a:ext uri="{28A0092B-C50C-407E-A947-70E740481C1C}">
+                <a14:useLocalDpi xmlns:a14="http://schemas.microsoft.com/office/drawing/2010/main" val="0"/>
+              </a:ext>
+            </a:extLst>
+          </a:blip>
+          <a:stretch>
+            <a:fillRect/>
+          </a:stretch>
+        </p:blipFill>
+        <p:spPr>
+          <a:xfrm>
+            <a:off x="10091060" y="284175"/>
+            <a:ext cx="1791878" cy="1407045"/>
           </a:xfrm>
           <a:prstGeom prst="rect">
             <a:avLst/>
@@ -5123,6 +7615,18 @@
   <p:clrMapOvr>
     <a:masterClrMapping/>
   </p:clrMapOvr>
+  <mc:AlternateContent xmlns:mc="http://schemas.openxmlformats.org/markup-compatibility/2006" xmlns:p15="http://schemas.microsoft.com/office/powerpoint/2012/main">
+    <mc:Choice Requires="p15">
+      <p:transition xmlns:p14="http://schemas.microsoft.com/office/powerpoint/2010/main" spd="slow" p14:dur="2000">
+        <p15:prstTrans prst="crush"/>
+      </p:transition>
+    </mc:Choice>
+    <mc:Fallback xmlns="">
+      <p:transition spd="slow">
+        <p:fade/>
+      </p:transition>
+    </mc:Fallback>
+  </mc:AlternateContent>
 </p:sld>
 </file>
 
@@ -5132,7 +7636,7 @@
     <p:bg>
       <p:bgPr>
         <a:solidFill>
-          <a:schemeClr val="bg2"/>
+          <a:srgbClr val="79B39E"/>
         </a:solidFill>
         <a:effectLst/>
       </p:bgPr>
@@ -5167,12 +7671,7 @@
             <p:ph type="title"/>
           </p:nvPr>
         </p:nvSpPr>
-        <p:spPr>
-          <a:xfrm>
-            <a:off x="1202919" y="284176"/>
-            <a:ext cx="9784080" cy="1508760"/>
-          </a:xfrm>
-        </p:spPr>
+        <p:spPr/>
         <p:txBody>
           <a:bodyPr>
             <a:normAutofit/>
@@ -5181,41 +7680,14 @@
           <a:p>
             <a:pPr algn="ctr"/>
             <a:r>
-              <a:rPr lang="en-GB" b="1" dirty="0"/>
+              <a:rPr lang="en-GB" b="1">
+                <a:solidFill>
+                  <a:schemeClr val="bg1"/>
+                </a:solidFill>
+                <a:latin typeface="Lucida Handwriting" panose="03010101010101010101" pitchFamily="66" charset="0"/>
+              </a:rPr>
               <a:t>Jira Board</a:t>
             </a:r>
-          </a:p>
-        </p:txBody>
-      </p:sp>
-      <p:sp>
-        <p:nvSpPr>
-          <p:cNvPr id="49" name="Content Placeholder 8">
-            <a:extLst>
-              <a:ext uri="{FF2B5EF4-FFF2-40B4-BE49-F238E27FC236}">
-                <a16:creationId xmlns:a16="http://schemas.microsoft.com/office/drawing/2014/main" id="{D1B7E509-B012-437C-9F5E-0D8DA83B4673}"/>
-              </a:ext>
-            </a:extLst>
-          </p:cNvPr>
-          <p:cNvSpPr>
-            <a:spLocks noGrp="1"/>
-          </p:cNvSpPr>
-          <p:nvPr>
-            <p:ph idx="1"/>
-          </p:nvPr>
-        </p:nvSpPr>
-        <p:spPr>
-          <a:xfrm>
-            <a:off x="503124" y="2099388"/>
-            <a:ext cx="2911880" cy="4221169"/>
-          </a:xfrm>
-        </p:spPr>
-        <p:txBody>
-          <a:bodyPr>
-            <a:normAutofit/>
-          </a:bodyPr>
-          <a:lstStyle/>
-          <a:p>
-            <a:endParaRPr lang="en-US" sz="2000" dirty="0"/>
           </a:p>
         </p:txBody>
       </p:sp>
@@ -5241,8 +7713,80 @@
         </p:blipFill>
         <p:spPr>
           <a:xfrm>
-            <a:off x="3702321" y="2099387"/>
-            <a:ext cx="8078793" cy="4221169"/>
+            <a:off x="1406552" y="1884464"/>
+            <a:ext cx="9387869" cy="4905015"/>
+          </a:xfrm>
+          <a:prstGeom prst="rect">
+            <a:avLst/>
+          </a:prstGeom>
+        </p:spPr>
+      </p:pic>
+      <p:pic>
+        <p:nvPicPr>
+          <p:cNvPr id="3" name="Picture 2" descr="A picture containing orange&#10;&#10;Description automatically generated">
+            <a:extLst>
+              <a:ext uri="{FF2B5EF4-FFF2-40B4-BE49-F238E27FC236}">
+                <a16:creationId xmlns:a16="http://schemas.microsoft.com/office/drawing/2014/main" id="{769B53C2-CFB3-4DD2-8D47-B2BF960FCCDD}"/>
+              </a:ext>
+            </a:extLst>
+          </p:cNvPr>
+          <p:cNvPicPr>
+            <a:picLocks noChangeAspect="1"/>
+          </p:cNvPicPr>
+          <p:nvPr/>
+        </p:nvPicPr>
+        <p:blipFill>
+          <a:blip r:embed="rId3">
+            <a:extLst>
+              <a:ext uri="{28A0092B-C50C-407E-A947-70E740481C1C}">
+                <a14:useLocalDpi xmlns:a14="http://schemas.microsoft.com/office/drawing/2010/main" val="0"/>
+              </a:ext>
+            </a:extLst>
+          </a:blip>
+          <a:stretch>
+            <a:fillRect/>
+          </a:stretch>
+        </p:blipFill>
+        <p:spPr>
+          <a:xfrm>
+            <a:off x="306980" y="284176"/>
+            <a:ext cx="1791878" cy="1407045"/>
+          </a:xfrm>
+          <a:prstGeom prst="rect">
+            <a:avLst/>
+          </a:prstGeom>
+        </p:spPr>
+      </p:pic>
+      <p:pic>
+        <p:nvPicPr>
+          <p:cNvPr id="4" name="Picture 3" descr="A picture containing clock&#10;&#10;Description automatically generated">
+            <a:extLst>
+              <a:ext uri="{FF2B5EF4-FFF2-40B4-BE49-F238E27FC236}">
+                <a16:creationId xmlns:a16="http://schemas.microsoft.com/office/drawing/2014/main" id="{9E29EB97-EA83-47A4-8A58-AAF0B4356D17}"/>
+              </a:ext>
+            </a:extLst>
+          </p:cNvPr>
+          <p:cNvPicPr>
+            <a:picLocks noChangeAspect="1"/>
+          </p:cNvPicPr>
+          <p:nvPr/>
+        </p:nvPicPr>
+        <p:blipFill>
+          <a:blip r:embed="rId4">
+            <a:extLst>
+              <a:ext uri="{28A0092B-C50C-407E-A947-70E740481C1C}">
+                <a14:useLocalDpi xmlns:a14="http://schemas.microsoft.com/office/drawing/2010/main" val="0"/>
+              </a:ext>
+            </a:extLst>
+          </a:blip>
+          <a:stretch>
+            <a:fillRect/>
+          </a:stretch>
+        </p:blipFill>
+        <p:spPr>
+          <a:xfrm>
+            <a:off x="10091060" y="284175"/>
+            <a:ext cx="1791878" cy="1407045"/>
           </a:xfrm>
           <a:prstGeom prst="rect">
             <a:avLst/>
@@ -5259,6 +7803,18 @@
   <p:clrMapOvr>
     <a:masterClrMapping/>
   </p:clrMapOvr>
+  <mc:AlternateContent xmlns:mc="http://schemas.openxmlformats.org/markup-compatibility/2006" xmlns:p15="http://schemas.microsoft.com/office/powerpoint/2012/main">
+    <mc:Choice Requires="p15">
+      <p:transition xmlns:p14="http://schemas.microsoft.com/office/powerpoint/2010/main" spd="slow" p14:dur="2000">
+        <p15:prstTrans prst="fracture"/>
+      </p:transition>
+    </mc:Choice>
+    <mc:Fallback xmlns="">
+      <p:transition spd="slow">
+        <p:fade/>
+      </p:transition>
+    </mc:Fallback>
+  </mc:AlternateContent>
 </p:sld>
 </file>
 
@@ -5268,7 +7824,7 @@
     <p:bg>
       <p:bgPr>
         <a:solidFill>
-          <a:schemeClr val="bg2"/>
+          <a:srgbClr val="79B39E"/>
         </a:solidFill>
         <a:effectLst/>
       </p:bgPr>
@@ -5303,12 +7859,7 @@
             <p:ph type="title"/>
           </p:nvPr>
         </p:nvSpPr>
-        <p:spPr>
-          <a:xfrm>
-            <a:off x="1202919" y="284176"/>
-            <a:ext cx="9784080" cy="1508760"/>
-          </a:xfrm>
-        </p:spPr>
+        <p:spPr/>
         <p:txBody>
           <a:bodyPr>
             <a:normAutofit/>
@@ -5317,11 +7868,248 @@
           <a:p>
             <a:pPr algn="ctr"/>
             <a:r>
-              <a:rPr lang="en-GB" b="1" dirty="0" err="1"/>
+              <a:rPr lang="en-GB" b="1" err="1">
+                <a:solidFill>
+                  <a:schemeClr val="bg1"/>
+                </a:solidFill>
+                <a:latin typeface="Lucida Handwriting" panose="03010101010101010101" pitchFamily="66" charset="0"/>
+              </a:rPr>
+              <a:t>BurnUP</a:t>
+            </a:r>
+            <a:r>
+              <a:rPr lang="en-GB" b="1">
+                <a:solidFill>
+                  <a:schemeClr val="bg1"/>
+                </a:solidFill>
+                <a:latin typeface="Lucida Handwriting" panose="03010101010101010101" pitchFamily="66" charset="0"/>
+              </a:rPr>
+              <a:t> Chart</a:t>
+            </a:r>
+          </a:p>
+        </p:txBody>
+      </p:sp>
+      <p:pic>
+        <p:nvPicPr>
+          <p:cNvPr id="5" name="Picture 4">
+            <a:extLst>
+              <a:ext uri="{FF2B5EF4-FFF2-40B4-BE49-F238E27FC236}">
+                <a16:creationId xmlns:a16="http://schemas.microsoft.com/office/drawing/2014/main" id="{B322BEBE-86D8-477D-99C9-90E93CF86485}"/>
+              </a:ext>
+            </a:extLst>
+          </p:cNvPr>
+          <p:cNvPicPr>
+            <a:picLocks noChangeAspect="1"/>
+          </p:cNvPicPr>
+          <p:nvPr/>
+        </p:nvPicPr>
+        <p:blipFill>
+          <a:blip r:embed="rId2"/>
+          <a:stretch>
+            <a:fillRect/>
+          </a:stretch>
+        </p:blipFill>
+        <p:spPr>
+          <a:xfrm>
+            <a:off x="316126" y="2780523"/>
+            <a:ext cx="5706394" cy="2595739"/>
+          </a:xfrm>
+          <a:prstGeom prst="rect">
+            <a:avLst/>
+          </a:prstGeom>
+        </p:spPr>
+      </p:pic>
+      <p:pic>
+        <p:nvPicPr>
+          <p:cNvPr id="6" name="Picture 5">
+            <a:extLst>
+              <a:ext uri="{FF2B5EF4-FFF2-40B4-BE49-F238E27FC236}">
+                <a16:creationId xmlns:a16="http://schemas.microsoft.com/office/drawing/2014/main" id="{60D064C4-79FC-47F0-8ABA-3B305D8A12C1}"/>
+              </a:ext>
+            </a:extLst>
+          </p:cNvPr>
+          <p:cNvPicPr>
+            <a:picLocks noChangeAspect="1"/>
+          </p:cNvPicPr>
+          <p:nvPr/>
+        </p:nvPicPr>
+        <p:blipFill>
+          <a:blip r:embed="rId3"/>
+          <a:stretch>
+            <a:fillRect/>
+          </a:stretch>
+        </p:blipFill>
+        <p:spPr>
+          <a:xfrm>
+            <a:off x="6094959" y="2780523"/>
+            <a:ext cx="5814596" cy="2595738"/>
+          </a:xfrm>
+          <a:prstGeom prst="rect">
+            <a:avLst/>
+          </a:prstGeom>
+        </p:spPr>
+      </p:pic>
+      <p:pic>
+        <p:nvPicPr>
+          <p:cNvPr id="3" name="Picture 2" descr="A picture containing orange&#10;&#10;Description automatically generated">
+            <a:extLst>
+              <a:ext uri="{FF2B5EF4-FFF2-40B4-BE49-F238E27FC236}">
+                <a16:creationId xmlns:a16="http://schemas.microsoft.com/office/drawing/2014/main" id="{829185F5-57F0-4775-94D0-7772A6129587}"/>
+              </a:ext>
+            </a:extLst>
+          </p:cNvPr>
+          <p:cNvPicPr>
+            <a:picLocks noChangeAspect="1"/>
+          </p:cNvPicPr>
+          <p:nvPr/>
+        </p:nvPicPr>
+        <p:blipFill>
+          <a:blip r:embed="rId4">
+            <a:extLst>
+              <a:ext uri="{28A0092B-C50C-407E-A947-70E740481C1C}">
+                <a14:useLocalDpi xmlns:a14="http://schemas.microsoft.com/office/drawing/2010/main" val="0"/>
+              </a:ext>
+            </a:extLst>
+          </a:blip>
+          <a:stretch>
+            <a:fillRect/>
+          </a:stretch>
+        </p:blipFill>
+        <p:spPr>
+          <a:xfrm>
+            <a:off x="306980" y="284176"/>
+            <a:ext cx="1791878" cy="1407045"/>
+          </a:xfrm>
+          <a:prstGeom prst="rect">
+            <a:avLst/>
+          </a:prstGeom>
+        </p:spPr>
+      </p:pic>
+      <p:pic>
+        <p:nvPicPr>
+          <p:cNvPr id="4" name="Picture 3" descr="A picture containing clock&#10;&#10;Description automatically generated">
+            <a:extLst>
+              <a:ext uri="{FF2B5EF4-FFF2-40B4-BE49-F238E27FC236}">
+                <a16:creationId xmlns:a16="http://schemas.microsoft.com/office/drawing/2014/main" id="{1F219B7E-A70D-4530-AAE3-261FB8228C8A}"/>
+              </a:ext>
+            </a:extLst>
+          </p:cNvPr>
+          <p:cNvPicPr>
+            <a:picLocks noChangeAspect="1"/>
+          </p:cNvPicPr>
+          <p:nvPr/>
+        </p:nvPicPr>
+        <p:blipFill>
+          <a:blip r:embed="rId5">
+            <a:extLst>
+              <a:ext uri="{28A0092B-C50C-407E-A947-70E740481C1C}">
+                <a14:useLocalDpi xmlns:a14="http://schemas.microsoft.com/office/drawing/2010/main" val="0"/>
+              </a:ext>
+            </a:extLst>
+          </a:blip>
+          <a:stretch>
+            <a:fillRect/>
+          </a:stretch>
+        </p:blipFill>
+        <p:spPr>
+          <a:xfrm>
+            <a:off x="10091060" y="284175"/>
+            <a:ext cx="1791878" cy="1407045"/>
+          </a:xfrm>
+          <a:prstGeom prst="rect">
+            <a:avLst/>
+          </a:prstGeom>
+        </p:spPr>
+      </p:pic>
+    </p:spTree>
+    <p:extLst>
+      <p:ext uri="{BB962C8B-B14F-4D97-AF65-F5344CB8AC3E}">
+        <p14:creationId xmlns:p14="http://schemas.microsoft.com/office/powerpoint/2010/main" val="880682679"/>
+      </p:ext>
+    </p:extLst>
+  </p:cSld>
+  <p:clrMapOvr>
+    <a:masterClrMapping/>
+  </p:clrMapOvr>
+  <mc:AlternateContent xmlns:mc="http://schemas.openxmlformats.org/markup-compatibility/2006" xmlns:p14="http://schemas.microsoft.com/office/powerpoint/2010/main">
+    <mc:Choice Requires="p14">
+      <p:transition spd="slow" p14:dur="2500">
+        <p:checker/>
+      </p:transition>
+    </mc:Choice>
+    <mc:Fallback xmlns="">
+      <p:transition spd="slow">
+        <p:checker/>
+      </p:transition>
+    </mc:Fallback>
+  </mc:AlternateContent>
+</p:sld>
+</file>
+
+<file path=ppt/slides/slide8.xml><?xml version="1.0" encoding="utf-8"?>
+<p:sld xmlns:a="http://schemas.openxmlformats.org/drawingml/2006/main" xmlns:r="http://schemas.openxmlformats.org/officeDocument/2006/relationships" xmlns:p="http://schemas.openxmlformats.org/presentationml/2006/main">
+  <p:cSld>
+    <p:bg>
+      <p:bgPr>
+        <a:solidFill>
+          <a:srgbClr val="79B39E"/>
+        </a:solidFill>
+        <a:effectLst/>
+      </p:bgPr>
+    </p:bg>
+    <p:spTree>
+      <p:nvGrpSpPr>
+        <p:cNvPr id="1" name=""/>
+        <p:cNvGrpSpPr/>
+        <p:nvPr/>
+      </p:nvGrpSpPr>
+      <p:grpSpPr>
+        <a:xfrm>
+          <a:off x="0" y="0"/>
+          <a:ext cx="0" cy="0"/>
+          <a:chOff x="0" y="0"/>
+          <a:chExt cx="0" cy="0"/>
+        </a:xfrm>
+      </p:grpSpPr>
+      <p:sp>
+        <p:nvSpPr>
+          <p:cNvPr id="2" name="Title 1">
+            <a:extLst>
+              <a:ext uri="{FF2B5EF4-FFF2-40B4-BE49-F238E27FC236}">
+                <a16:creationId xmlns:a16="http://schemas.microsoft.com/office/drawing/2014/main" id="{DF91F68C-DB8F-4C8C-A358-301FE86C5C69}"/>
+              </a:ext>
+            </a:extLst>
+          </p:cNvPr>
+          <p:cNvSpPr>
+            <a:spLocks noGrp="1"/>
+          </p:cNvSpPr>
+          <p:nvPr>
+            <p:ph type="title"/>
+          </p:nvPr>
+        </p:nvSpPr>
+        <p:spPr/>
+        <p:txBody>
+          <a:bodyPr>
+            <a:normAutofit/>
+          </a:bodyPr>
+          <a:lstStyle/>
+          <a:p>
+            <a:pPr algn="ctr"/>
+            <a:r>
+              <a:rPr lang="en-GB" b="1" err="1">
+                <a:solidFill>
+                  <a:schemeClr val="bg1"/>
+                </a:solidFill>
+                <a:latin typeface="Lucida Handwriting" panose="03010101010101010101" pitchFamily="66" charset="0"/>
+              </a:rPr>
               <a:t>BurnDown</a:t>
             </a:r>
             <a:r>
-              <a:rPr lang="en-GB" b="1" dirty="0"/>
+              <a:rPr lang="en-GB" b="1">
+                <a:solidFill>
+                  <a:schemeClr val="bg1"/>
+                </a:solidFill>
+                <a:latin typeface="Lucida Handwriting" panose="03010101010101010101" pitchFamily="66" charset="0"/>
+              </a:rPr>
               <a:t> Chart</a:t>
             </a:r>
           </a:p>
@@ -5387,6 +8175,78 @@
           </a:prstGeom>
         </p:spPr>
       </p:pic>
+      <p:pic>
+        <p:nvPicPr>
+          <p:cNvPr id="6" name="Picture 5" descr="A picture containing orange&#10;&#10;Description automatically generated">
+            <a:extLst>
+              <a:ext uri="{FF2B5EF4-FFF2-40B4-BE49-F238E27FC236}">
+                <a16:creationId xmlns:a16="http://schemas.microsoft.com/office/drawing/2014/main" id="{C9921095-0D2A-41D5-A9A8-789F11106B4C}"/>
+              </a:ext>
+            </a:extLst>
+          </p:cNvPr>
+          <p:cNvPicPr>
+            <a:picLocks noChangeAspect="1"/>
+          </p:cNvPicPr>
+          <p:nvPr/>
+        </p:nvPicPr>
+        <p:blipFill>
+          <a:blip r:embed="rId4">
+            <a:extLst>
+              <a:ext uri="{28A0092B-C50C-407E-A947-70E740481C1C}">
+                <a14:useLocalDpi xmlns:a14="http://schemas.microsoft.com/office/drawing/2010/main" val="0"/>
+              </a:ext>
+            </a:extLst>
+          </a:blip>
+          <a:stretch>
+            <a:fillRect/>
+          </a:stretch>
+        </p:blipFill>
+        <p:spPr>
+          <a:xfrm>
+            <a:off x="306980" y="284176"/>
+            <a:ext cx="1791878" cy="1407045"/>
+          </a:xfrm>
+          <a:prstGeom prst="rect">
+            <a:avLst/>
+          </a:prstGeom>
+        </p:spPr>
+      </p:pic>
+      <p:pic>
+        <p:nvPicPr>
+          <p:cNvPr id="8" name="Picture 7" descr="A picture containing clock&#10;&#10;Description automatically generated">
+            <a:extLst>
+              <a:ext uri="{FF2B5EF4-FFF2-40B4-BE49-F238E27FC236}">
+                <a16:creationId xmlns:a16="http://schemas.microsoft.com/office/drawing/2014/main" id="{44C8B3EA-19B7-4BBA-A447-087BB7DBE28F}"/>
+              </a:ext>
+            </a:extLst>
+          </p:cNvPr>
+          <p:cNvPicPr>
+            <a:picLocks noChangeAspect="1"/>
+          </p:cNvPicPr>
+          <p:nvPr/>
+        </p:nvPicPr>
+        <p:blipFill>
+          <a:blip r:embed="rId5">
+            <a:extLst>
+              <a:ext uri="{28A0092B-C50C-407E-A947-70E740481C1C}">
+                <a14:useLocalDpi xmlns:a14="http://schemas.microsoft.com/office/drawing/2010/main" val="0"/>
+              </a:ext>
+            </a:extLst>
+          </a:blip>
+          <a:stretch>
+            <a:fillRect/>
+          </a:stretch>
+        </p:blipFill>
+        <p:spPr>
+          <a:xfrm>
+            <a:off x="10091060" y="284175"/>
+            <a:ext cx="1791878" cy="1407045"/>
+          </a:xfrm>
+          <a:prstGeom prst="rect">
+            <a:avLst/>
+          </a:prstGeom>
+        </p:spPr>
+      </p:pic>
     </p:spTree>
     <p:extLst>
       <p:ext uri="{BB962C8B-B14F-4D97-AF65-F5344CB8AC3E}">
@@ -5397,16 +8257,28 @@
   <p:clrMapOvr>
     <a:masterClrMapping/>
   </p:clrMapOvr>
+  <mc:AlternateContent xmlns:mc="http://schemas.openxmlformats.org/markup-compatibility/2006" xmlns:p14="http://schemas.microsoft.com/office/powerpoint/2010/main">
+    <mc:Choice Requires="p14">
+      <p:transition spd="slow" p14:dur="1200">
+        <p:dissolve/>
+      </p:transition>
+    </mc:Choice>
+    <mc:Fallback xmlns="">
+      <p:transition spd="slow">
+        <p:dissolve/>
+      </p:transition>
+    </mc:Fallback>
+  </mc:AlternateContent>
 </p:sld>
 </file>
 
-<file path=ppt/slides/slide8.xml><?xml version="1.0" encoding="utf-8"?>
+<file path=ppt/slides/slide9.xml><?xml version="1.0" encoding="utf-8"?>
 <p:sld xmlns:a="http://schemas.openxmlformats.org/drawingml/2006/main" xmlns:r="http://schemas.openxmlformats.org/officeDocument/2006/relationships" xmlns:p="http://schemas.openxmlformats.org/presentationml/2006/main">
   <p:cSld>
     <p:bg>
       <p:bgPr>
         <a:solidFill>
-          <a:schemeClr val="bg2"/>
+          <a:srgbClr val="79B39E"/>
         </a:solidFill>
         <a:effectLst/>
       </p:bgPr>
@@ -5441,136 +8313,6 @@
             <p:ph type="title"/>
           </p:nvPr>
         </p:nvSpPr>
-        <p:spPr>
-          <a:xfrm>
-            <a:off x="1202919" y="284176"/>
-            <a:ext cx="9784080" cy="1508760"/>
-          </a:xfrm>
-        </p:spPr>
-        <p:txBody>
-          <a:bodyPr>
-            <a:normAutofit/>
-          </a:bodyPr>
-          <a:lstStyle/>
-          <a:p>
-            <a:pPr algn="ctr"/>
-            <a:r>
-              <a:rPr lang="en-GB" b="1" dirty="0" err="1"/>
-              <a:t>BurnUP</a:t>
-            </a:r>
-            <a:r>
-              <a:rPr lang="en-GB" b="1" dirty="0"/>
-              <a:t> Chart</a:t>
-            </a:r>
-          </a:p>
-        </p:txBody>
-      </p:sp>
-      <p:pic>
-        <p:nvPicPr>
-          <p:cNvPr id="5" name="Picture 4">
-            <a:extLst>
-              <a:ext uri="{FF2B5EF4-FFF2-40B4-BE49-F238E27FC236}">
-                <a16:creationId xmlns:a16="http://schemas.microsoft.com/office/drawing/2014/main" id="{B322BEBE-86D8-477D-99C9-90E93CF86485}"/>
-              </a:ext>
-            </a:extLst>
-          </p:cNvPr>
-          <p:cNvPicPr>
-            <a:picLocks noChangeAspect="1"/>
-          </p:cNvPicPr>
-          <p:nvPr/>
-        </p:nvPicPr>
-        <p:blipFill>
-          <a:blip r:embed="rId2"/>
-          <a:stretch>
-            <a:fillRect/>
-          </a:stretch>
-        </p:blipFill>
-        <p:spPr>
-          <a:xfrm>
-            <a:off x="316126" y="2780523"/>
-            <a:ext cx="5706394" cy="2595739"/>
-          </a:xfrm>
-          <a:prstGeom prst="rect">
-            <a:avLst/>
-          </a:prstGeom>
-        </p:spPr>
-      </p:pic>
-      <p:pic>
-        <p:nvPicPr>
-          <p:cNvPr id="6" name="Picture 5">
-            <a:extLst>
-              <a:ext uri="{FF2B5EF4-FFF2-40B4-BE49-F238E27FC236}">
-                <a16:creationId xmlns:a16="http://schemas.microsoft.com/office/drawing/2014/main" id="{60D064C4-79FC-47F0-8ABA-3B305D8A12C1}"/>
-              </a:ext>
-            </a:extLst>
-          </p:cNvPr>
-          <p:cNvPicPr>
-            <a:picLocks noChangeAspect="1"/>
-          </p:cNvPicPr>
-          <p:nvPr/>
-        </p:nvPicPr>
-        <p:blipFill>
-          <a:blip r:embed="rId3"/>
-          <a:stretch>
-            <a:fillRect/>
-          </a:stretch>
-        </p:blipFill>
-        <p:spPr>
-          <a:xfrm>
-            <a:off x="6094959" y="2780523"/>
-            <a:ext cx="5814596" cy="2595738"/>
-          </a:xfrm>
-          <a:prstGeom prst="rect">
-            <a:avLst/>
-          </a:prstGeom>
-        </p:spPr>
-      </p:pic>
-    </p:spTree>
-    <p:extLst>
-      <p:ext uri="{BB962C8B-B14F-4D97-AF65-F5344CB8AC3E}">
-        <p14:creationId xmlns:p14="http://schemas.microsoft.com/office/powerpoint/2010/main" val="880682679"/>
-      </p:ext>
-    </p:extLst>
-  </p:cSld>
-  <p:clrMapOvr>
-    <a:masterClrMapping/>
-  </p:clrMapOvr>
-</p:sld>
-</file>
-
-<file path=ppt/slides/slide9.xml><?xml version="1.0" encoding="utf-8"?>
-<p:sld xmlns:a="http://schemas.openxmlformats.org/drawingml/2006/main" xmlns:r="http://schemas.openxmlformats.org/officeDocument/2006/relationships" xmlns:p="http://schemas.openxmlformats.org/presentationml/2006/main">
-  <p:cSld>
-    <p:spTree>
-      <p:nvGrpSpPr>
-        <p:cNvPr id="1" name=""/>
-        <p:cNvGrpSpPr/>
-        <p:nvPr/>
-      </p:nvGrpSpPr>
-      <p:grpSpPr>
-        <a:xfrm>
-          <a:off x="0" y="0"/>
-          <a:ext cx="0" cy="0"/>
-          <a:chOff x="0" y="0"/>
-          <a:chExt cx="0" cy="0"/>
-        </a:xfrm>
-      </p:grpSpPr>
-      <p:sp>
-        <p:nvSpPr>
-          <p:cNvPr id="2" name="Title 1">
-            <a:extLst>
-              <a:ext uri="{FF2B5EF4-FFF2-40B4-BE49-F238E27FC236}">
-                <a16:creationId xmlns:a16="http://schemas.microsoft.com/office/drawing/2014/main" id="{DF91F68C-DB8F-4C8C-A358-301FE86C5C69}"/>
-              </a:ext>
-            </a:extLst>
-          </p:cNvPr>
-          <p:cNvSpPr>
-            <a:spLocks noGrp="1"/>
-          </p:cNvSpPr>
-          <p:nvPr>
-            <p:ph type="title"/>
-          </p:nvPr>
-        </p:nvSpPr>
         <p:spPr/>
         <p:txBody>
           <a:bodyPr/>
@@ -5578,7 +8320,12 @@
           <a:p>
             <a:pPr algn="ctr"/>
             <a:r>
-              <a:rPr lang="en-GB" b="1" dirty="0"/>
+              <a:rPr lang="en-GB" b="1">
+                <a:solidFill>
+                  <a:schemeClr val="bg1"/>
+                </a:solidFill>
+                <a:latin typeface="Lucida Handwriting" panose="03010101010101010101" pitchFamily="66" charset="0"/>
+              </a:rPr>
               <a:t>demonstration</a:t>
             </a:r>
           </a:p>
@@ -5616,6 +8363,78 @@
           </a:prstGeom>
         </p:spPr>
       </p:pic>
+      <p:pic>
+        <p:nvPicPr>
+          <p:cNvPr id="5" name="Picture 4" descr="A picture containing orange&#10;&#10;Description automatically generated">
+            <a:extLst>
+              <a:ext uri="{FF2B5EF4-FFF2-40B4-BE49-F238E27FC236}">
+                <a16:creationId xmlns:a16="http://schemas.microsoft.com/office/drawing/2014/main" id="{6B64CB02-8854-43EE-A76E-EB5DCA1BCC25}"/>
+              </a:ext>
+            </a:extLst>
+          </p:cNvPr>
+          <p:cNvPicPr>
+            <a:picLocks noChangeAspect="1"/>
+          </p:cNvPicPr>
+          <p:nvPr/>
+        </p:nvPicPr>
+        <p:blipFill>
+          <a:blip r:embed="rId3">
+            <a:extLst>
+              <a:ext uri="{28A0092B-C50C-407E-A947-70E740481C1C}">
+                <a14:useLocalDpi xmlns:a14="http://schemas.microsoft.com/office/drawing/2010/main" val="0"/>
+              </a:ext>
+            </a:extLst>
+          </a:blip>
+          <a:stretch>
+            <a:fillRect/>
+          </a:stretch>
+        </p:blipFill>
+        <p:spPr>
+          <a:xfrm>
+            <a:off x="306980" y="284176"/>
+            <a:ext cx="1791878" cy="1407045"/>
+          </a:xfrm>
+          <a:prstGeom prst="rect">
+            <a:avLst/>
+          </a:prstGeom>
+        </p:spPr>
+      </p:pic>
+      <p:pic>
+        <p:nvPicPr>
+          <p:cNvPr id="9" name="Picture 8" descr="A picture containing clock&#10;&#10;Description automatically generated">
+            <a:extLst>
+              <a:ext uri="{FF2B5EF4-FFF2-40B4-BE49-F238E27FC236}">
+                <a16:creationId xmlns:a16="http://schemas.microsoft.com/office/drawing/2014/main" id="{92700659-6793-48B5-AE3F-D5BAF4B1172F}"/>
+              </a:ext>
+            </a:extLst>
+          </p:cNvPr>
+          <p:cNvPicPr>
+            <a:picLocks noChangeAspect="1"/>
+          </p:cNvPicPr>
+          <p:nvPr/>
+        </p:nvPicPr>
+        <p:blipFill>
+          <a:blip r:embed="rId4">
+            <a:extLst>
+              <a:ext uri="{28A0092B-C50C-407E-A947-70E740481C1C}">
+                <a14:useLocalDpi xmlns:a14="http://schemas.microsoft.com/office/drawing/2010/main" val="0"/>
+              </a:ext>
+            </a:extLst>
+          </a:blip>
+          <a:stretch>
+            <a:fillRect/>
+          </a:stretch>
+        </p:blipFill>
+        <p:spPr>
+          <a:xfrm>
+            <a:off x="10091060" y="284175"/>
+            <a:ext cx="1791878" cy="1407045"/>
+          </a:xfrm>
+          <a:prstGeom prst="rect">
+            <a:avLst/>
+          </a:prstGeom>
+        </p:spPr>
+      </p:pic>
     </p:spTree>
     <p:extLst>
       <p:ext uri="{BB962C8B-B14F-4D97-AF65-F5344CB8AC3E}">
@@ -5626,6 +8445,18 @@
   <p:clrMapOvr>
     <a:masterClrMapping/>
   </p:clrMapOvr>
+  <mc:AlternateContent xmlns:mc="http://schemas.openxmlformats.org/markup-compatibility/2006" xmlns:p15="http://schemas.microsoft.com/office/powerpoint/2012/main">
+    <mc:Choice Requires="p15">
+      <p:transition xmlns:p14="http://schemas.microsoft.com/office/powerpoint/2010/main" spd="slow" p14:dur="2000">
+        <p15:prstTrans prst="fallOver"/>
+      </p:transition>
+    </mc:Choice>
+    <mc:Fallback xmlns="">
+      <p:transition spd="slow">
+        <p:fade/>
+      </p:transition>
+    </mc:Fallback>
+  </mc:AlternateContent>
 </p:sld>
 </file>
 
@@ -5889,4 +8720,521 @@
     </a:ext>
   </a:extLst>
 </a:theme>
+</file>
+
+<file path=ppt/theme/theme2.xml><?xml version="1.0" encoding="utf-8"?>
+<a:theme xmlns:a="http://schemas.openxmlformats.org/drawingml/2006/main" name="Office Theme">
+  <a:themeElements>
+    <a:clrScheme name="Office">
+      <a:dk1>
+        <a:sysClr val="windowText" lastClr="000000"/>
+      </a:dk1>
+      <a:lt1>
+        <a:sysClr val="window" lastClr="FFFFFF"/>
+      </a:lt1>
+      <a:dk2>
+        <a:srgbClr val="44546A"/>
+      </a:dk2>
+      <a:lt2>
+        <a:srgbClr val="E7E6E6"/>
+      </a:lt2>
+      <a:accent1>
+        <a:srgbClr val="4472C4"/>
+      </a:accent1>
+      <a:accent2>
+        <a:srgbClr val="ED7D31"/>
+      </a:accent2>
+      <a:accent3>
+        <a:srgbClr val="A5A5A5"/>
+      </a:accent3>
+      <a:accent4>
+        <a:srgbClr val="FFC000"/>
+      </a:accent4>
+      <a:accent5>
+        <a:srgbClr val="5B9BD5"/>
+      </a:accent5>
+      <a:accent6>
+        <a:srgbClr val="70AD47"/>
+      </a:accent6>
+      <a:hlink>
+        <a:srgbClr val="0563C1"/>
+      </a:hlink>
+      <a:folHlink>
+        <a:srgbClr val="954F72"/>
+      </a:folHlink>
+    </a:clrScheme>
+    <a:fontScheme name="Office">
+      <a:majorFont>
+        <a:latin typeface="Calibri Light" panose="020F0302020204030204"/>
+        <a:ea typeface=""/>
+        <a:cs typeface=""/>
+        <a:font script="Jpan" typeface="游ゴシック Light"/>
+        <a:font script="Hang" typeface="맑은 고딕"/>
+        <a:font script="Hans" typeface="等线 Light"/>
+        <a:font script="Hant" typeface="新細明體"/>
+        <a:font script="Arab" typeface="Times New Roman"/>
+        <a:font script="Hebr" typeface="Times New Roman"/>
+        <a:font script="Thai" typeface="Angsana New"/>
+        <a:font script="Ethi" typeface="Nyala"/>
+        <a:font script="Beng" typeface="Vrinda"/>
+        <a:font script="Gujr" typeface="Shruti"/>
+        <a:font script="Khmr" typeface="MoolBoran"/>
+        <a:font script="Knda" typeface="Tunga"/>
+        <a:font script="Guru" typeface="Raavi"/>
+        <a:font script="Cans" typeface="Euphemia"/>
+        <a:font script="Cher" typeface="Plantagenet Cherokee"/>
+        <a:font script="Yiii" typeface="Microsoft Yi Baiti"/>
+        <a:font script="Tibt" typeface="Microsoft Himalaya"/>
+        <a:font script="Thaa" typeface="MV Boli"/>
+        <a:font script="Deva" typeface="Mangal"/>
+        <a:font script="Telu" typeface="Gautami"/>
+        <a:font script="Taml" typeface="Latha"/>
+        <a:font script="Syrc" typeface="Estrangelo Edessa"/>
+        <a:font script="Orya" typeface="Kalinga"/>
+        <a:font script="Mlym" typeface="Kartika"/>
+        <a:font script="Laoo" typeface="DokChampa"/>
+        <a:font script="Sinh" typeface="Iskoola Pota"/>
+        <a:font script="Mong" typeface="Mongolian Baiti"/>
+        <a:font script="Viet" typeface="Times New Roman"/>
+        <a:font script="Uigh" typeface="Microsoft Uighur"/>
+        <a:font script="Geor" typeface="Sylfaen"/>
+        <a:font script="Armn" typeface="Arial"/>
+        <a:font script="Bugi" typeface="Leelawadee UI"/>
+        <a:font script="Bopo" typeface="Microsoft JhengHei"/>
+        <a:font script="Java" typeface="Javanese Text"/>
+        <a:font script="Lisu" typeface="Segoe UI"/>
+        <a:font script="Mymr" typeface="Myanmar Text"/>
+        <a:font script="Nkoo" typeface="Ebrima"/>
+        <a:font script="Olck" typeface="Nirmala UI"/>
+        <a:font script="Osma" typeface="Ebrima"/>
+        <a:font script="Phag" typeface="Phagspa"/>
+        <a:font script="Syrn" typeface="Estrangelo Edessa"/>
+        <a:font script="Syrj" typeface="Estrangelo Edessa"/>
+        <a:font script="Syre" typeface="Estrangelo Edessa"/>
+        <a:font script="Sora" typeface="Nirmala UI"/>
+        <a:font script="Tale" typeface="Microsoft Tai Le"/>
+        <a:font script="Talu" typeface="Microsoft New Tai Lue"/>
+        <a:font script="Tfng" typeface="Ebrima"/>
+      </a:majorFont>
+      <a:minorFont>
+        <a:latin typeface="Calibri" panose="020F0502020204030204"/>
+        <a:ea typeface=""/>
+        <a:cs typeface=""/>
+        <a:font script="Jpan" typeface="游ゴシック"/>
+        <a:font script="Hang" typeface="맑은 고딕"/>
+        <a:font script="Hans" typeface="等线"/>
+        <a:font script="Hant" typeface="新細明體"/>
+        <a:font script="Arab" typeface="Arial"/>
+        <a:font script="Hebr" typeface="Arial"/>
+        <a:font script="Thai" typeface="Cordia New"/>
+        <a:font script="Ethi" typeface="Nyala"/>
+        <a:font script="Beng" typeface="Vrinda"/>
+        <a:font script="Gujr" typeface="Shruti"/>
+        <a:font script="Khmr" typeface="DaunPenh"/>
+        <a:font script="Knda" typeface="Tunga"/>
+        <a:font script="Guru" typeface="Raavi"/>
+        <a:font script="Cans" typeface="Euphemia"/>
+        <a:font script="Cher" typeface="Plantagenet Cherokee"/>
+        <a:font script="Yiii" typeface="Microsoft Yi Baiti"/>
+        <a:font script="Tibt" typeface="Microsoft Himalaya"/>
+        <a:font script="Thaa" typeface="MV Boli"/>
+        <a:font script="Deva" typeface="Mangal"/>
+        <a:font script="Telu" typeface="Gautami"/>
+        <a:font script="Taml" typeface="Latha"/>
+        <a:font script="Syrc" typeface="Estrangelo Edessa"/>
+        <a:font script="Orya" typeface="Kalinga"/>
+        <a:font script="Mlym" typeface="Kartika"/>
+        <a:font script="Laoo" typeface="DokChampa"/>
+        <a:font script="Sinh" typeface="Iskoola Pota"/>
+        <a:font script="Mong" typeface="Mongolian Baiti"/>
+        <a:font script="Viet" typeface="Arial"/>
+        <a:font script="Uigh" typeface="Microsoft Uighur"/>
+        <a:font script="Geor" typeface="Sylfaen"/>
+        <a:font script="Armn" typeface="Arial"/>
+        <a:font script="Bugi" typeface="Leelawadee UI"/>
+        <a:font script="Bopo" typeface="Microsoft JhengHei"/>
+        <a:font script="Java" typeface="Javanese Text"/>
+        <a:font script="Lisu" typeface="Segoe UI"/>
+        <a:font script="Mymr" typeface="Myanmar Text"/>
+        <a:font script="Nkoo" typeface="Ebrima"/>
+        <a:font script="Olck" typeface="Nirmala UI"/>
+        <a:font script="Osma" typeface="Ebrima"/>
+        <a:font script="Phag" typeface="Phagspa"/>
+        <a:font script="Syrn" typeface="Estrangelo Edessa"/>
+        <a:font script="Syrj" typeface="Estrangelo Edessa"/>
+        <a:font script="Syre" typeface="Estrangelo Edessa"/>
+        <a:font script="Sora" typeface="Nirmala UI"/>
+        <a:font script="Tale" typeface="Microsoft Tai Le"/>
+        <a:font script="Talu" typeface="Microsoft New Tai Lue"/>
+        <a:font script="Tfng" typeface="Ebrima"/>
+      </a:minorFont>
+    </a:fontScheme>
+    <a:fmtScheme name="Office">
+      <a:fillStyleLst>
+        <a:solidFill>
+          <a:schemeClr val="phClr"/>
+        </a:solidFill>
+        <a:gradFill rotWithShape="1">
+          <a:gsLst>
+            <a:gs pos="0">
+              <a:schemeClr val="phClr">
+                <a:lumMod val="110000"/>
+                <a:satMod val="105000"/>
+                <a:tint val="67000"/>
+              </a:schemeClr>
+            </a:gs>
+            <a:gs pos="50000">
+              <a:schemeClr val="phClr">
+                <a:lumMod val="105000"/>
+                <a:satMod val="103000"/>
+                <a:tint val="73000"/>
+              </a:schemeClr>
+            </a:gs>
+            <a:gs pos="100000">
+              <a:schemeClr val="phClr">
+                <a:lumMod val="105000"/>
+                <a:satMod val="109000"/>
+                <a:tint val="81000"/>
+              </a:schemeClr>
+            </a:gs>
+          </a:gsLst>
+          <a:lin ang="5400000" scaled="0"/>
+        </a:gradFill>
+        <a:gradFill rotWithShape="1">
+          <a:gsLst>
+            <a:gs pos="0">
+              <a:schemeClr val="phClr">
+                <a:satMod val="103000"/>
+                <a:lumMod val="102000"/>
+                <a:tint val="94000"/>
+              </a:schemeClr>
+            </a:gs>
+            <a:gs pos="50000">
+              <a:schemeClr val="phClr">
+                <a:satMod val="110000"/>
+                <a:lumMod val="100000"/>
+                <a:shade val="100000"/>
+              </a:schemeClr>
+            </a:gs>
+            <a:gs pos="100000">
+              <a:schemeClr val="phClr">
+                <a:lumMod val="99000"/>
+                <a:satMod val="120000"/>
+                <a:shade val="78000"/>
+              </a:schemeClr>
+            </a:gs>
+          </a:gsLst>
+          <a:lin ang="5400000" scaled="0"/>
+        </a:gradFill>
+      </a:fillStyleLst>
+      <a:lnStyleLst>
+        <a:ln w="6350" cap="flat" cmpd="sng" algn="ctr">
+          <a:solidFill>
+            <a:schemeClr val="phClr"/>
+          </a:solidFill>
+          <a:prstDash val="solid"/>
+          <a:miter lim="800000"/>
+        </a:ln>
+        <a:ln w="12700" cap="flat" cmpd="sng" algn="ctr">
+          <a:solidFill>
+            <a:schemeClr val="phClr"/>
+          </a:solidFill>
+          <a:prstDash val="solid"/>
+          <a:miter lim="800000"/>
+        </a:ln>
+        <a:ln w="19050" cap="flat" cmpd="sng" algn="ctr">
+          <a:solidFill>
+            <a:schemeClr val="phClr"/>
+          </a:solidFill>
+          <a:prstDash val="solid"/>
+          <a:miter lim="800000"/>
+        </a:ln>
+      </a:lnStyleLst>
+      <a:effectStyleLst>
+        <a:effectStyle>
+          <a:effectLst/>
+        </a:effectStyle>
+        <a:effectStyle>
+          <a:effectLst/>
+        </a:effectStyle>
+        <a:effectStyle>
+          <a:effectLst>
+            <a:outerShdw blurRad="57150" dist="19050" dir="5400000" algn="ctr" rotWithShape="0">
+              <a:srgbClr val="000000">
+                <a:alpha val="63000"/>
+              </a:srgbClr>
+            </a:outerShdw>
+          </a:effectLst>
+        </a:effectStyle>
+      </a:effectStyleLst>
+      <a:bgFillStyleLst>
+        <a:solidFill>
+          <a:schemeClr val="phClr"/>
+        </a:solidFill>
+        <a:solidFill>
+          <a:schemeClr val="phClr">
+            <a:tint val="95000"/>
+            <a:satMod val="170000"/>
+          </a:schemeClr>
+        </a:solidFill>
+        <a:gradFill rotWithShape="1">
+          <a:gsLst>
+            <a:gs pos="0">
+              <a:schemeClr val="phClr">
+                <a:tint val="93000"/>
+                <a:satMod val="150000"/>
+                <a:shade val="98000"/>
+                <a:lumMod val="102000"/>
+              </a:schemeClr>
+            </a:gs>
+            <a:gs pos="50000">
+              <a:schemeClr val="phClr">
+                <a:tint val="98000"/>
+                <a:satMod val="130000"/>
+                <a:shade val="90000"/>
+                <a:lumMod val="103000"/>
+              </a:schemeClr>
+            </a:gs>
+            <a:gs pos="100000">
+              <a:schemeClr val="phClr">
+                <a:shade val="63000"/>
+                <a:satMod val="120000"/>
+              </a:schemeClr>
+            </a:gs>
+          </a:gsLst>
+          <a:lin ang="5400000" scaled="0"/>
+        </a:gradFill>
+      </a:bgFillStyleLst>
+    </a:fmtScheme>
+  </a:themeElements>
+  <a:objectDefaults/>
+  <a:extraClrSchemeLst/>
+  <a:extLst>
+    <a:ext uri="{05A4C25C-085E-4340-85A3-A5531E510DB2}">
+      <thm15:themeFamily xmlns:thm15="http://schemas.microsoft.com/office/thememl/2012/main" name="Office Theme" id="{62F939B6-93AF-4DB8-9C6B-D6C7DFDC589F}" vid="{4A3C46E8-61CC-4603-A589-7422A47A8E4A}"/>
+    </a:ext>
+  </a:extLst>
+</a:theme>
+</file>
+
+<file path=customXml/item1.xml><?xml version="1.0" encoding="utf-8"?>
+<?mso-contentType ?>
+<FormTemplates xmlns="http://schemas.microsoft.com/sharepoint/v3/contenttype/forms">
+  <Display>DocumentLibraryForm</Display>
+  <Edit>DocumentLibraryForm</Edit>
+  <New>DocumentLibraryForm</New>
+</FormTemplates>
+</file>
+
+<file path=customXml/item2.xml><?xml version="1.0" encoding="utf-8"?>
+<ct:contentTypeSchema xmlns:ct="http://schemas.microsoft.com/office/2006/metadata/contentType" xmlns:ma="http://schemas.microsoft.com/office/2006/metadata/properties/metaAttributes" ct:_="" ma:_="" ma:contentTypeName="Document" ma:contentTypeID="0x0101008176AA397BDE4A44B341D322790DB6D6" ma:contentTypeVersion="8" ma:contentTypeDescription="Create a new document." ma:contentTypeScope="" ma:versionID="09dd35c29723bad42cd7acc5d882c2da">
+  <xsd:schema xmlns:xsd="http://www.w3.org/2001/XMLSchema" xmlns:xs="http://www.w3.org/2001/XMLSchema" xmlns:p="http://schemas.microsoft.com/office/2006/metadata/properties" xmlns:ns2="43bdab7c-23ef-4333-85fe-84282b849c16" targetNamespace="http://schemas.microsoft.com/office/2006/metadata/properties" ma:root="true" ma:fieldsID="5052661c2f1c5f65a56248da1148ff80" ns2:_="">
+    <xsd:import namespace="43bdab7c-23ef-4333-85fe-84282b849c16"/>
+    <xsd:element name="properties">
+      <xsd:complexType>
+        <xsd:sequence>
+          <xsd:element name="documentManagement">
+            <xsd:complexType>
+              <xsd:all>
+                <xsd:element ref="ns2:MediaServiceMetadata" minOccurs="0"/>
+                <xsd:element ref="ns2:MediaServiceFastMetadata" minOccurs="0"/>
+                <xsd:element ref="ns2:MediaServiceAutoKeyPoints" minOccurs="0"/>
+                <xsd:element ref="ns2:MediaServiceKeyPoints" minOccurs="0"/>
+                <xsd:element ref="ns2:MediaServiceAutoTags" minOccurs="0"/>
+                <xsd:element ref="ns2:MediaServiceOCR" minOccurs="0"/>
+                <xsd:element ref="ns2:MediaServiceGenerationTime" minOccurs="0"/>
+                <xsd:element ref="ns2:MediaServiceEventHashCode" minOccurs="0"/>
+              </xsd:all>
+            </xsd:complexType>
+          </xsd:element>
+        </xsd:sequence>
+      </xsd:complexType>
+    </xsd:element>
+  </xsd:schema>
+  <xsd:schema xmlns:xsd="http://www.w3.org/2001/XMLSchema" xmlns:xs="http://www.w3.org/2001/XMLSchema" xmlns:dms="http://schemas.microsoft.com/office/2006/documentManagement/types" xmlns:pc="http://schemas.microsoft.com/office/infopath/2007/PartnerControls" targetNamespace="43bdab7c-23ef-4333-85fe-84282b849c16" elementFormDefault="qualified">
+    <xsd:import namespace="http://schemas.microsoft.com/office/2006/documentManagement/types"/>
+    <xsd:import namespace="http://schemas.microsoft.com/office/infopath/2007/PartnerControls"/>
+    <xsd:element name="MediaServiceMetadata" ma:index="8" nillable="true" ma:displayName="MediaServiceMetadata" ma:hidden="true" ma:internalName="MediaServiceMetadata" ma:readOnly="true">
+      <xsd:simpleType>
+        <xsd:restriction base="dms:Note"/>
+      </xsd:simpleType>
+    </xsd:element>
+    <xsd:element name="MediaServiceFastMetadata" ma:index="9" nillable="true" ma:displayName="MediaServiceFastMetadata" ma:hidden="true" ma:internalName="MediaServiceFastMetadata" ma:readOnly="true">
+      <xsd:simpleType>
+        <xsd:restriction base="dms:Note"/>
+      </xsd:simpleType>
+    </xsd:element>
+    <xsd:element name="MediaServiceAutoKeyPoints" ma:index="10" nillable="true" ma:displayName="MediaServiceAutoKeyPoints" ma:hidden="true" ma:internalName="MediaServiceAutoKeyPoints" ma:readOnly="true">
+      <xsd:simpleType>
+        <xsd:restriction base="dms:Note"/>
+      </xsd:simpleType>
+    </xsd:element>
+    <xsd:element name="MediaServiceKeyPoints" ma:index="11" nillable="true" ma:displayName="KeyPoints" ma:internalName="MediaServiceKeyPoints" ma:readOnly="true">
+      <xsd:simpleType>
+        <xsd:restriction base="dms:Note">
+          <xsd:maxLength value="255"/>
+        </xsd:restriction>
+      </xsd:simpleType>
+    </xsd:element>
+    <xsd:element name="MediaServiceAutoTags" ma:index="12" nillable="true" ma:displayName="Tags" ma:internalName="MediaServiceAutoTags" ma:readOnly="true">
+      <xsd:simpleType>
+        <xsd:restriction base="dms:Text"/>
+      </xsd:simpleType>
+    </xsd:element>
+    <xsd:element name="MediaServiceOCR" ma:index="13" nillable="true" ma:displayName="Extracted Text" ma:internalName="MediaServiceOCR" ma:readOnly="true">
+      <xsd:simpleType>
+        <xsd:restriction base="dms:Note">
+          <xsd:maxLength value="255"/>
+        </xsd:restriction>
+      </xsd:simpleType>
+    </xsd:element>
+    <xsd:element name="MediaServiceGenerationTime" ma:index="14" nillable="true" ma:displayName="MediaServiceGenerationTime" ma:hidden="true" ma:internalName="MediaServiceGenerationTime" ma:readOnly="true">
+      <xsd:simpleType>
+        <xsd:restriction base="dms:Text"/>
+      </xsd:simpleType>
+    </xsd:element>
+    <xsd:element name="MediaServiceEventHashCode" ma:index="15" nillable="true" ma:displayName="MediaServiceEventHashCode" ma:hidden="true" ma:internalName="MediaServiceEventHashCode" ma:readOnly="true">
+      <xsd:simpleType>
+        <xsd:restriction base="dms:Text"/>
+      </xsd:simpleType>
+    </xsd:element>
+  </xsd:schema>
+  <xsd:schema xmlns="http://schemas.openxmlformats.org/package/2006/metadata/core-properties" xmlns:xsd="http://www.w3.org/2001/XMLSchema" xmlns:xsi="http://www.w3.org/2001/XMLSchema-instance" xmlns:dc="http://purl.org/dc/elements/1.1/" xmlns:dcterms="http://purl.org/dc/terms/" xmlns:odoc="http://schemas.microsoft.com/internal/obd" targetNamespace="http://schemas.openxmlformats.org/package/2006/metadata/core-properties" elementFormDefault="qualified" attributeFormDefault="unqualified" blockDefault="#all">
+    <xsd:import namespace="http://purl.org/dc/elements/1.1/" schemaLocation="http://dublincore.org/schemas/xmls/qdc/2003/04/02/dc.xsd"/>
+    <xsd:import namespace="http://purl.org/dc/terms/" schemaLocation="http://dublincore.org/schemas/xmls/qdc/2003/04/02/dcterms.xsd"/>
+    <xsd:element name="coreProperties" type="CT_coreProperties"/>
+    <xsd:complexType name="CT_coreProperties">
+      <xsd:all>
+        <xsd:element ref="dc:creator" minOccurs="0" maxOccurs="1"/>
+        <xsd:element ref="dcterms:created" minOccurs="0" maxOccurs="1"/>
+        <xsd:element ref="dc:identifier" minOccurs="0" maxOccurs="1"/>
+        <xsd:element name="contentType" minOccurs="0" maxOccurs="1" type="xsd:string" ma:index="0" ma:displayName="Content Type"/>
+        <xsd:element ref="dc:title" minOccurs="0" maxOccurs="1" ma:index="4" ma:displayName="Title"/>
+        <xsd:element ref="dc:subject" minOccurs="0" maxOccurs="1"/>
+        <xsd:element ref="dc:description" minOccurs="0" maxOccurs="1"/>
+        <xsd:element name="keywords" minOccurs="0" maxOccurs="1" type="xsd:string"/>
+        <xsd:element ref="dc:language" minOccurs="0" maxOccurs="1"/>
+        <xsd:element name="category" minOccurs="0" maxOccurs="1" type="xsd:string"/>
+        <xsd:element name="version" minOccurs="0" maxOccurs="1" type="xsd:string"/>
+        <xsd:element name="revision" minOccurs="0" maxOccurs="1" type="xsd:string">
+          <xsd:annotation>
+            <xsd:documentation>
+                        This value indicates the number of saves or revisions. The application is responsible for updating this value after each revision.
+                    </xsd:documentation>
+          </xsd:annotation>
+        </xsd:element>
+        <xsd:element name="lastModifiedBy" minOccurs="0" maxOccurs="1" type="xsd:string"/>
+        <xsd:element ref="dcterms:modified" minOccurs="0" maxOccurs="1"/>
+        <xsd:element name="contentStatus" minOccurs="0" maxOccurs="1" type="xsd:string"/>
+      </xsd:all>
+    </xsd:complexType>
+  </xsd:schema>
+  <xs:schema xmlns:pc="http://schemas.microsoft.com/office/infopath/2007/PartnerControls" xmlns:xs="http://www.w3.org/2001/XMLSchema" targetNamespace="http://schemas.microsoft.com/office/infopath/2007/PartnerControls" elementFormDefault="qualified" attributeFormDefault="unqualified">
+    <xs:element name="Person">
+      <xs:complexType>
+        <xs:sequence>
+          <xs:element ref="pc:DisplayName" minOccurs="0"/>
+          <xs:element ref="pc:AccountId" minOccurs="0"/>
+          <xs:element ref="pc:AccountType" minOccurs="0"/>
+        </xs:sequence>
+      </xs:complexType>
+    </xs:element>
+    <xs:element name="DisplayName" type="xs:string"/>
+    <xs:element name="AccountId" type="xs:string"/>
+    <xs:element name="AccountType" type="xs:string"/>
+    <xs:element name="BDCAssociatedEntity">
+      <xs:complexType>
+        <xs:sequence>
+          <xs:element ref="pc:BDCEntity" minOccurs="0" maxOccurs="unbounded"/>
+        </xs:sequence>
+        <xs:attribute ref="pc:EntityNamespace"/>
+        <xs:attribute ref="pc:EntityName"/>
+        <xs:attribute ref="pc:SystemInstanceName"/>
+        <xs:attribute ref="pc:AssociationName"/>
+      </xs:complexType>
+    </xs:element>
+    <xs:attribute name="EntityNamespace" type="xs:string"/>
+    <xs:attribute name="EntityName" type="xs:string"/>
+    <xs:attribute name="SystemInstanceName" type="xs:string"/>
+    <xs:attribute name="AssociationName" type="xs:string"/>
+    <xs:element name="BDCEntity">
+      <xs:complexType>
+        <xs:sequence>
+          <xs:element ref="pc:EntityDisplayName" minOccurs="0"/>
+          <xs:element ref="pc:EntityInstanceReference" minOccurs="0"/>
+          <xs:element ref="pc:EntityId1" minOccurs="0"/>
+          <xs:element ref="pc:EntityId2" minOccurs="0"/>
+          <xs:element ref="pc:EntityId3" minOccurs="0"/>
+          <xs:element ref="pc:EntityId4" minOccurs="0"/>
+          <xs:element ref="pc:EntityId5" minOccurs="0"/>
+        </xs:sequence>
+      </xs:complexType>
+    </xs:element>
+    <xs:element name="EntityDisplayName" type="xs:string"/>
+    <xs:element name="EntityInstanceReference" type="xs:string"/>
+    <xs:element name="EntityId1" type="xs:string"/>
+    <xs:element name="EntityId2" type="xs:string"/>
+    <xs:element name="EntityId3" type="xs:string"/>
+    <xs:element name="EntityId4" type="xs:string"/>
+    <xs:element name="EntityId5" type="xs:string"/>
+    <xs:element name="Terms">
+      <xs:complexType>
+        <xs:sequence>
+          <xs:element ref="pc:TermInfo" minOccurs="0" maxOccurs="unbounded"/>
+        </xs:sequence>
+      </xs:complexType>
+    </xs:element>
+    <xs:element name="TermInfo">
+      <xs:complexType>
+        <xs:sequence>
+          <xs:element ref="pc:TermName" minOccurs="0"/>
+          <xs:element ref="pc:TermId" minOccurs="0"/>
+        </xs:sequence>
+      </xs:complexType>
+    </xs:element>
+    <xs:element name="TermName" type="xs:string"/>
+    <xs:element name="TermId" type="xs:string"/>
+  </xs:schema>
+</ct:contentTypeSchema>
+</file>
+
+<file path=customXml/item3.xml><?xml version="1.0" encoding="utf-8"?>
+<p:properties xmlns:p="http://schemas.microsoft.com/office/2006/metadata/properties" xmlns:xsi="http://www.w3.org/2001/XMLSchema-instance" xmlns:pc="http://schemas.microsoft.com/office/infopath/2007/PartnerControls">
+  <documentManagement/>
+</p:properties>
+</file>
+
+<file path=customXml/itemProps1.xml><?xml version="1.0" encoding="utf-8"?>
+<ds:datastoreItem xmlns:ds="http://schemas.openxmlformats.org/officeDocument/2006/customXml" ds:itemID="{3164F4D5-7DFF-4F7D-85DE-B3EEB1F83FD0}">
+  <ds:schemaRefs>
+    <ds:schemaRef ds:uri="http://schemas.microsoft.com/sharepoint/v3/contenttype/forms"/>
+  </ds:schemaRefs>
+</ds:datastoreItem>
+</file>
+
+<file path=customXml/itemProps2.xml><?xml version="1.0" encoding="utf-8"?>
+<ds:datastoreItem xmlns:ds="http://schemas.openxmlformats.org/officeDocument/2006/customXml" ds:itemID="{488688BA-8C59-4F72-8BDC-93A223DC3B9C}">
+  <ds:schemaRefs>
+    <ds:schemaRef ds:uri="43bdab7c-23ef-4333-85fe-84282b849c16"/>
+    <ds:schemaRef ds:uri="http://purl.org/dc/elements/1.1/"/>
+    <ds:schemaRef ds:uri="http://purl.org/dc/terms/"/>
+    <ds:schemaRef ds:uri="http://schemas.microsoft.com/internal/obd"/>
+    <ds:schemaRef ds:uri="http://schemas.microsoft.com/office/2006/documentManagement/types"/>
+    <ds:schemaRef ds:uri="http://schemas.microsoft.com/office/2006/metadata/contentType"/>
+    <ds:schemaRef ds:uri="http://schemas.microsoft.com/office/2006/metadata/properties"/>
+    <ds:schemaRef ds:uri="http://schemas.microsoft.com/office/2006/metadata/properties/metaAttributes"/>
+    <ds:schemaRef ds:uri="http://schemas.microsoft.com/office/infopath/2007/PartnerControls"/>
+    <ds:schemaRef ds:uri="http://schemas.openxmlformats.org/package/2006/metadata/core-properties"/>
+    <ds:schemaRef ds:uri="http://www.w3.org/2001/XMLSchema"/>
+  </ds:schemaRefs>
+</ds:datastoreItem>
+</file>
+
+<file path=customXml/itemProps3.xml><?xml version="1.0" encoding="utf-8"?>
+<ds:datastoreItem xmlns:ds="http://schemas.openxmlformats.org/officeDocument/2006/customXml" ds:itemID="{AC32E5DF-06D4-487A-BADD-C7519EA33F8C}">
+  <ds:schemaRefs>
+    <ds:schemaRef ds:uri="http://schemas.microsoft.com/office/2006/metadata/properties"/>
+    <ds:schemaRef ds:uri="http://schemas.microsoft.com/office/infopath/2007/PartnerControls"/>
+  </ds:schemaRefs>
+</ds:datastoreItem>
 </file>